--- a/docs/Proiect_Mic.pptx
+++ b/docs/Proiect_Mic.pptx
@@ -7,9 +7,11 @@
   <p:sldIdLst>
     <p:sldId id="256" r:id="rId2"/>
     <p:sldId id="257" r:id="rId3"/>
-    <p:sldId id="258" r:id="rId4"/>
-    <p:sldId id="260" r:id="rId5"/>
-    <p:sldId id="259" r:id="rId6"/>
+    <p:sldId id="261" r:id="rId4"/>
+    <p:sldId id="258" r:id="rId5"/>
+    <p:sldId id="260" r:id="rId6"/>
+    <p:sldId id="259" r:id="rId7"/>
+    <p:sldId id="262" r:id="rId8"/>
   </p:sldIdLst>
   <p:sldSz cx="12192000" cy="6858000"/>
   <p:notesSz cx="6858000" cy="9144000"/>
@@ -294,7 +296,7 @@
           <a:p>
             <a:fld id="{5D041CC5-262E-446D-AF21-99BE0074D95F}" type="datetimeFigureOut">
               <a:rPr lang="en-US" smtClean="0"/>
-              <a:t>11/4/2025</a:t>
+              <a:t>1/5/2026</a:t>
             </a:fld>
             <a:endParaRPr lang="en-US"/>
           </a:p>
@@ -561,7 +563,7 @@
           <a:p>
             <a:fld id="{5D041CC5-262E-446D-AF21-99BE0074D95F}" type="datetimeFigureOut">
               <a:rPr lang="en-US" smtClean="0"/>
-              <a:t>11/4/2025</a:t>
+              <a:t>1/5/2026</a:t>
             </a:fld>
             <a:endParaRPr lang="en-US"/>
           </a:p>
@@ -792,7 +794,7 @@
           <a:p>
             <a:fld id="{5D041CC5-262E-446D-AF21-99BE0074D95F}" type="datetimeFigureOut">
               <a:rPr lang="en-US" smtClean="0"/>
-              <a:t>11/4/2025</a:t>
+              <a:t>1/5/2026</a:t>
             </a:fld>
             <a:endParaRPr lang="en-US"/>
           </a:p>
@@ -1102,7 +1104,7 @@
           <a:p>
             <a:fld id="{5D041CC5-262E-446D-AF21-99BE0074D95F}" type="datetimeFigureOut">
               <a:rPr lang="en-US" smtClean="0"/>
-              <a:t>11/4/2025</a:t>
+              <a:t>1/5/2026</a:t>
             </a:fld>
             <a:endParaRPr lang="en-US"/>
           </a:p>
@@ -1575,7 +1577,7 @@
           <a:p>
             <a:fld id="{5D041CC5-262E-446D-AF21-99BE0074D95F}" type="datetimeFigureOut">
               <a:rPr lang="en-US" smtClean="0"/>
-              <a:t>11/4/2025</a:t>
+              <a:t>1/5/2026</a:t>
             </a:fld>
             <a:endParaRPr lang="en-US"/>
           </a:p>
@@ -2122,7 +2124,7 @@
           <a:p>
             <a:fld id="{5D041CC5-262E-446D-AF21-99BE0074D95F}" type="datetimeFigureOut">
               <a:rPr lang="en-US" smtClean="0"/>
-              <a:t>11/4/2025</a:t>
+              <a:t>1/5/2026</a:t>
             </a:fld>
             <a:endParaRPr lang="en-US"/>
           </a:p>
@@ -2896,7 +2898,7 @@
           <a:p>
             <a:fld id="{5D041CC5-262E-446D-AF21-99BE0074D95F}" type="datetimeFigureOut">
               <a:rPr lang="en-US" smtClean="0"/>
-              <a:t>11/4/2025</a:t>
+              <a:t>1/5/2026</a:t>
             </a:fld>
             <a:endParaRPr lang="en-US"/>
           </a:p>
@@ -3071,7 +3073,7 @@
           <a:p>
             <a:fld id="{5D041CC5-262E-446D-AF21-99BE0074D95F}" type="datetimeFigureOut">
               <a:rPr lang="en-US" smtClean="0"/>
-              <a:t>11/4/2025</a:t>
+              <a:t>1/5/2026</a:t>
             </a:fld>
             <a:endParaRPr lang="en-US"/>
           </a:p>
@@ -3294,7 +3296,7 @@
           <a:p>
             <a:fld id="{5D041CC5-262E-446D-AF21-99BE0074D95F}" type="datetimeFigureOut">
               <a:rPr lang="en-US" smtClean="0"/>
-              <a:t>11/4/2025</a:t>
+              <a:t>1/5/2026</a:t>
             </a:fld>
             <a:endParaRPr lang="en-US"/>
           </a:p>
@@ -3474,7 +3476,7 @@
           <a:p>
             <a:fld id="{5D041CC5-262E-446D-AF21-99BE0074D95F}" type="datetimeFigureOut">
               <a:rPr lang="en-US" smtClean="0"/>
-              <a:t>11/4/2025</a:t>
+              <a:t>1/5/2026</a:t>
             </a:fld>
             <a:endParaRPr lang="en-US"/>
           </a:p>
@@ -3763,7 +3765,7 @@
           <a:p>
             <a:fld id="{5D041CC5-262E-446D-AF21-99BE0074D95F}" type="datetimeFigureOut">
               <a:rPr lang="en-US" smtClean="0"/>
-              <a:t>11/4/2025</a:t>
+              <a:t>1/5/2026</a:t>
             </a:fld>
             <a:endParaRPr lang="en-US"/>
           </a:p>
@@ -4005,7 +4007,7 @@
           <a:p>
             <a:fld id="{5D041CC5-262E-446D-AF21-99BE0074D95F}" type="datetimeFigureOut">
               <a:rPr lang="en-US" smtClean="0"/>
-              <a:t>11/4/2025</a:t>
+              <a:t>1/5/2026</a:t>
             </a:fld>
             <a:endParaRPr lang="en-US"/>
           </a:p>
@@ -4384,7 +4386,7 @@
           <a:p>
             <a:fld id="{5D041CC5-262E-446D-AF21-99BE0074D95F}" type="datetimeFigureOut">
               <a:rPr lang="en-US" smtClean="0"/>
-              <a:t>11/4/2025</a:t>
+              <a:t>1/5/2026</a:t>
             </a:fld>
             <a:endParaRPr lang="en-US"/>
           </a:p>
@@ -4502,7 +4504,7 @@
           <a:p>
             <a:fld id="{5D041CC5-262E-446D-AF21-99BE0074D95F}" type="datetimeFigureOut">
               <a:rPr lang="en-US" smtClean="0"/>
-              <a:t>11/4/2025</a:t>
+              <a:t>1/5/2026</a:t>
             </a:fld>
             <a:endParaRPr lang="en-US"/>
           </a:p>
@@ -4597,7 +4599,7 @@
           <a:p>
             <a:fld id="{5D041CC5-262E-446D-AF21-99BE0074D95F}" type="datetimeFigureOut">
               <a:rPr lang="en-US" smtClean="0"/>
-              <a:t>11/4/2025</a:t>
+              <a:t>1/5/2026</a:t>
             </a:fld>
             <a:endParaRPr lang="en-US"/>
           </a:p>
@@ -4846,7 +4848,7 @@
           <a:p>
             <a:fld id="{5D041CC5-262E-446D-AF21-99BE0074D95F}" type="datetimeFigureOut">
               <a:rPr lang="en-US" smtClean="0"/>
-              <a:t>11/4/2025</a:t>
+              <a:t>1/5/2026</a:t>
             </a:fld>
             <a:endParaRPr lang="en-US"/>
           </a:p>
@@ -5103,7 +5105,7 @@
           <a:p>
             <a:fld id="{5D041CC5-262E-446D-AF21-99BE0074D95F}" type="datetimeFigureOut">
               <a:rPr lang="en-US" smtClean="0"/>
-              <a:t>11/4/2025</a:t>
+              <a:t>1/5/2026</a:t>
             </a:fld>
             <a:endParaRPr lang="en-US"/>
           </a:p>
@@ -5346,7 +5348,7 @@
           <a:p>
             <a:fld id="{5D041CC5-262E-446D-AF21-99BE0074D95F}" type="datetimeFigureOut">
               <a:rPr lang="en-US" smtClean="0"/>
-              <a:t>11/4/2025</a:t>
+              <a:t>1/5/2026</a:t>
             </a:fld>
             <a:endParaRPr lang="en-US"/>
           </a:p>
@@ -6397,7 +6399,7 @@
         </p:nvSpPr>
         <p:spPr>
           <a:xfrm>
-            <a:off x="685800" y="707923"/>
+            <a:off x="685800" y="830827"/>
             <a:ext cx="10820400" cy="6027173"/>
           </a:xfrm>
         </p:spPr>
@@ -6442,547 +6444,310 @@
               <a:rPr lang="en-US" sz="5400" b="1" dirty="0" err="1"/>
               <a:t>proiectului</a:t>
             </a:r>
-            <a:endParaRPr lang="en-US" b="1" dirty="0"/>
+            <a:endParaRPr lang="en-US" sz="5400" b="1" dirty="0"/>
           </a:p>
           <a:p>
             <a:pPr marL="0" indent="0">
               <a:buNone/>
             </a:pPr>
-            <a:r>
-              <a:rPr lang="en-US" b="1" dirty="0"/>
-              <a:t>             </a:t>
-            </a:r>
-            <a:r>
-              <a:rPr lang="en-US" b="1" dirty="0" err="1"/>
-              <a:t>Scopul</a:t>
-            </a:r>
-            <a:r>
-              <a:rPr lang="en-US" b="1" dirty="0"/>
+            <a:endParaRPr lang="en-US" sz="2400" b="1" dirty="0"/>
+          </a:p>
+          <a:p>
+            <a:pPr marL="0" indent="0">
+              <a:buNone/>
+            </a:pPr>
+            <a:r>
+              <a:rPr lang="en-US" sz="2400" b="1" dirty="0"/>
+              <a:t>          Scop:</a:t>
+            </a:r>
+            <a:r>
+              <a:rPr lang="en-US" sz="2400" dirty="0"/>
+              <a:t> </a:t>
+            </a:r>
+            <a:r>
+              <a:rPr lang="en-US" sz="2400" dirty="0" err="1"/>
+              <a:t>Crearea</a:t>
+            </a:r>
+            <a:r>
+              <a:rPr lang="en-US" sz="2400" dirty="0"/>
+              <a:t> </a:t>
+            </a:r>
+            <a:r>
+              <a:rPr lang="en-US" sz="2400" dirty="0" err="1"/>
+              <a:t>unei</a:t>
+            </a:r>
+            <a:r>
+              <a:rPr lang="en-US" sz="2400" dirty="0"/>
+              <a:t> </a:t>
+            </a:r>
+            <a:r>
+              <a:rPr lang="en-US" sz="2400" dirty="0" err="1"/>
+              <a:t>aplicații</a:t>
+            </a:r>
+            <a:r>
+              <a:rPr lang="en-US" sz="2400" dirty="0"/>
+              <a:t> </a:t>
+            </a:r>
+            <a:r>
+              <a:rPr lang="en-US" sz="2400" dirty="0" err="1"/>
+              <a:t>grafice</a:t>
+            </a:r>
+            <a:r>
+              <a:rPr lang="en-US" sz="2400" dirty="0"/>
+              <a:t> </a:t>
+            </a:r>
+            <a:r>
+              <a:rPr lang="en-US" sz="2400" dirty="0" err="1"/>
+              <a:t>în</a:t>
+            </a:r>
+            <a:r>
+              <a:rPr lang="en-US" sz="2400" dirty="0"/>
+              <a:t> </a:t>
+            </a:r>
+            <a:r>
+              <a:rPr lang="en-US" sz="2400" dirty="0" err="1"/>
+              <a:t>limbaj</a:t>
+            </a:r>
+            <a:r>
+              <a:rPr lang="en-US" sz="2400" dirty="0"/>
+              <a:t> de </a:t>
+            </a:r>
+            <a:r>
+              <a:rPr lang="en-US" sz="2400" dirty="0" err="1"/>
+              <a:t>asamblare</a:t>
+            </a:r>
+            <a:r>
+              <a:rPr lang="en-US" sz="2400" dirty="0"/>
+              <a:t>.</a:t>
+            </a:r>
+          </a:p>
+          <a:p>
+            <a:pPr marL="0" indent="0">
+              <a:buNone/>
+            </a:pPr>
+            <a:endParaRPr lang="en-US" sz="2400" dirty="0"/>
+          </a:p>
+          <a:p>
+            <a:pPr marL="0" indent="0">
+              <a:buNone/>
+            </a:pPr>
+            <a:r>
+              <a:rPr lang="en-US" sz="2400" b="1" dirty="0" err="1"/>
+              <a:t>Funcționalități</a:t>
+            </a:r>
+            <a:r>
+              <a:rPr lang="en-US" sz="2400" b="1" dirty="0"/>
+              <a:t> </a:t>
+            </a:r>
+            <a:r>
+              <a:rPr lang="en-US" sz="2400" b="1" dirty="0" err="1"/>
+              <a:t>Principale</a:t>
+            </a:r>
+            <a:r>
+              <a:rPr lang="en-US" sz="2400" b="1" dirty="0"/>
               <a:t>:</a:t>
             </a:r>
-            <a:br>
-              <a:rPr lang="en-US" dirty="0"/>
-            </a:br>
-            <a:r>
-              <a:rPr lang="en-US" dirty="0"/>
-              <a:t>   </a:t>
-            </a:r>
-            <a:r>
-              <a:rPr lang="en-US" dirty="0" err="1"/>
-              <a:t>Realizare</a:t>
-            </a:r>
-            <a:r>
-              <a:rPr lang="en-US" dirty="0"/>
+            <a:endParaRPr lang="en-US" sz="2400" dirty="0"/>
+          </a:p>
+          <a:p>
+            <a:pPr lvl="1"/>
+            <a:r>
+              <a:rPr lang="en-US" sz="2400" dirty="0" err="1"/>
+              <a:t>Desenare</a:t>
+            </a:r>
+            <a:r>
+              <a:rPr lang="en-US" sz="2400" dirty="0"/>
               <a:t> </a:t>
             </a:r>
             <a:r>
-              <a:rPr lang="en-US" dirty="0" err="1"/>
-              <a:t>grafica</a:t>
-            </a:r>
-            <a:r>
-              <a:rPr lang="en-US" dirty="0"/>
-              <a:t> pe </a:t>
-            </a:r>
-            <a:r>
-              <a:rPr lang="en-US" dirty="0" err="1"/>
-              <a:t>ecran</a:t>
-            </a:r>
-            <a:r>
-              <a:rPr lang="en-US" dirty="0"/>
+              <a:rPr lang="en-US" sz="2400" dirty="0" err="1"/>
+              <a:t>forme</a:t>
+            </a:r>
+            <a:r>
+              <a:rPr lang="en-US" sz="2400" dirty="0"/>
               <a:t> </a:t>
             </a:r>
             <a:r>
-              <a:rPr lang="en-US" dirty="0" err="1"/>
-              <a:t>lucrând</a:t>
-            </a:r>
-            <a:r>
-              <a:rPr lang="en-US" dirty="0"/>
-              <a:t> direct cu hardware-ul.</a:t>
-            </a:r>
+              <a:rPr lang="en-US" sz="2400" dirty="0" err="1"/>
+              <a:t>geometrice</a:t>
+            </a:r>
+            <a:r>
+              <a:rPr lang="en-US" sz="2400" dirty="0"/>
+              <a:t> (</a:t>
+            </a:r>
+            <a:r>
+              <a:rPr lang="en-US" sz="2400" dirty="0" err="1"/>
+              <a:t>Linii</a:t>
+            </a:r>
+            <a:r>
+              <a:rPr lang="en-US" sz="2400" dirty="0"/>
+              <a:t>, </a:t>
+            </a:r>
+            <a:r>
+              <a:rPr lang="en-US" sz="2400" dirty="0" err="1"/>
+              <a:t>Pătrate</a:t>
+            </a:r>
+            <a:r>
+              <a:rPr lang="en-US" sz="2400" dirty="0"/>
+              <a:t> - </a:t>
+            </a:r>
+            <a:r>
+              <a:rPr lang="en-US" sz="2400" dirty="0" err="1"/>
+              <a:t>pline</a:t>
+            </a:r>
+            <a:r>
+              <a:rPr lang="en-US" sz="2400" dirty="0"/>
+              <a:t>/</a:t>
+            </a:r>
+            <a:r>
+              <a:rPr lang="en-US" sz="2400" dirty="0" err="1"/>
+              <a:t>contur</a:t>
+            </a:r>
+            <a:r>
+              <a:rPr lang="en-US" sz="2400" dirty="0"/>
+              <a:t>).</a:t>
+            </a:r>
+          </a:p>
+          <a:p>
+            <a:pPr lvl="1"/>
+            <a:r>
+              <a:rPr lang="en-US" sz="2400" dirty="0" err="1"/>
+              <a:t>Sistem</a:t>
+            </a:r>
+            <a:r>
+              <a:rPr lang="en-US" sz="2400" dirty="0"/>
+              <a:t> de </a:t>
+            </a:r>
+            <a:r>
+              <a:rPr lang="en-US" sz="2400" dirty="0" err="1"/>
+              <a:t>meniuri</a:t>
+            </a:r>
+            <a:r>
+              <a:rPr lang="en-US" sz="2400" dirty="0"/>
+              <a:t> </a:t>
+            </a:r>
+            <a:r>
+              <a:rPr lang="en-US" sz="2400" dirty="0" err="1"/>
+              <a:t>interactiv</a:t>
+            </a:r>
+            <a:r>
+              <a:rPr lang="en-US" sz="2400" dirty="0"/>
+              <a:t>.</a:t>
+            </a:r>
+          </a:p>
+          <a:p>
+            <a:pPr lvl="1"/>
+            <a:r>
+              <a:rPr lang="en-US" sz="2400" dirty="0" err="1"/>
+              <a:t>Salvare</a:t>
+            </a:r>
+            <a:r>
+              <a:rPr lang="en-US" sz="2400" dirty="0"/>
+              <a:t> </a:t>
+            </a:r>
+            <a:r>
+              <a:rPr lang="en-US" sz="2400" dirty="0" err="1"/>
+              <a:t>și</a:t>
+            </a:r>
+            <a:r>
+              <a:rPr lang="en-US" sz="2400" dirty="0"/>
+              <a:t> </a:t>
+            </a:r>
+            <a:r>
+              <a:rPr lang="en-US" sz="2400" dirty="0" err="1"/>
+              <a:t>Încărcare</a:t>
+            </a:r>
+            <a:r>
+              <a:rPr lang="en-US" sz="2400" dirty="0"/>
+              <a:t> (</a:t>
+            </a:r>
+            <a:r>
+              <a:rPr lang="en-US" sz="2400" dirty="0" err="1"/>
+              <a:t>Persistența</a:t>
+            </a:r>
+            <a:r>
+              <a:rPr lang="en-US" sz="2400" dirty="0"/>
+              <a:t> </a:t>
+            </a:r>
+            <a:r>
+              <a:rPr lang="en-US" sz="2400" dirty="0" err="1"/>
+              <a:t>datelor</a:t>
+            </a:r>
+            <a:r>
+              <a:rPr lang="en-US" sz="2400" dirty="0"/>
+              <a:t>).</a:t>
+            </a:r>
+          </a:p>
+          <a:p>
+            <a:pPr lvl="1"/>
+            <a:r>
+              <a:rPr lang="en-US" sz="2400" dirty="0" err="1"/>
+              <a:t>Funcție</a:t>
+            </a:r>
+            <a:r>
+              <a:rPr lang="en-US" sz="2400" dirty="0"/>
+              <a:t> de Preview (</a:t>
+            </a:r>
+            <a:r>
+              <a:rPr lang="en-US" sz="2400" dirty="0" err="1"/>
+              <a:t>Vizualizare</a:t>
+            </a:r>
+            <a:r>
+              <a:rPr lang="en-US" sz="2400" dirty="0"/>
+              <a:t> </a:t>
+            </a:r>
+            <a:r>
+              <a:rPr lang="en-US" sz="2400" dirty="0" err="1"/>
+              <a:t>rapidă</a:t>
+            </a:r>
+            <a:r>
+              <a:rPr lang="en-US" sz="2400" dirty="0"/>
+              <a:t>) a </a:t>
+            </a:r>
+            <a:r>
+              <a:rPr lang="en-US" sz="2400" dirty="0" err="1"/>
+              <a:t>fișierelor</a:t>
+            </a:r>
+            <a:r>
+              <a:rPr lang="en-US" sz="2400" dirty="0"/>
+              <a:t> </a:t>
+            </a:r>
+            <a:r>
+              <a:rPr lang="en-US" sz="2400" dirty="0" err="1"/>
+              <a:t>salvate</a:t>
+            </a:r>
+            <a:r>
+              <a:rPr lang="en-US" sz="2400" dirty="0"/>
+              <a:t>.</a:t>
+            </a:r>
+          </a:p>
+          <a:p>
+            <a:pPr lvl="1"/>
+            <a:endParaRPr lang="en-US" sz="2400" dirty="0"/>
           </a:p>
           <a:p>
             <a:pPr marL="0" indent="0">
               <a:buNone/>
             </a:pPr>
             <a:r>
-              <a:rPr lang="en-US" dirty="0"/>
-              <a:t>	 </a:t>
-            </a:r>
-            <a:r>
-              <a:rPr lang="en-US" b="1" dirty="0" err="1"/>
-              <a:t>Obiective</a:t>
-            </a:r>
-            <a:r>
-              <a:rPr lang="en-US" b="1" dirty="0"/>
+              <a:rPr lang="en-US" sz="2400" b="1" dirty="0" err="1"/>
+              <a:t>Tehnologii</a:t>
+            </a:r>
+            <a:r>
+              <a:rPr lang="en-US" sz="2400" b="1" dirty="0"/>
               <a:t>:</a:t>
             </a:r>
-            <a:endParaRPr lang="en-US" dirty="0"/>
-          </a:p>
-          <a:p>
-            <a:r>
-              <a:rPr lang="en-US" dirty="0" err="1"/>
-              <a:t>Utilizarea</a:t>
-            </a:r>
-            <a:r>
-              <a:rPr lang="en-US" dirty="0"/>
-              <a:t> </a:t>
-            </a:r>
-            <a:r>
-              <a:rPr lang="en-US" dirty="0" err="1"/>
-              <a:t>întreruperilor</a:t>
-            </a:r>
-            <a:r>
-              <a:rPr lang="en-US" dirty="0"/>
-              <a:t> video (INT 10h) </a:t>
-            </a:r>
-            <a:r>
-              <a:rPr lang="en-US" dirty="0" err="1"/>
-              <a:t>pentru</a:t>
-            </a:r>
-            <a:r>
-              <a:rPr lang="en-US" dirty="0"/>
-              <a:t> </a:t>
-            </a:r>
-            <a:r>
-              <a:rPr lang="en-US" dirty="0" err="1"/>
-              <a:t>desen</a:t>
-            </a:r>
-            <a:r>
-              <a:rPr lang="en-US" dirty="0"/>
-              <a:t>.</a:t>
-            </a:r>
-          </a:p>
-          <a:p>
-            <a:r>
-              <a:rPr lang="en-US" dirty="0" err="1"/>
-              <a:t>Crearea</a:t>
-            </a:r>
-            <a:r>
-              <a:rPr lang="en-US" dirty="0"/>
-              <a:t> </a:t>
-            </a:r>
-            <a:r>
-              <a:rPr lang="en-US" dirty="0" err="1"/>
-              <a:t>unui</a:t>
-            </a:r>
-            <a:r>
-              <a:rPr lang="en-US" dirty="0"/>
-              <a:t> </a:t>
-            </a:r>
-            <a:r>
-              <a:rPr lang="en-US" dirty="0" err="1"/>
-              <a:t>meniu</a:t>
-            </a:r>
-            <a:r>
-              <a:rPr lang="en-US" dirty="0"/>
-              <a:t> </a:t>
-            </a:r>
-            <a:r>
-              <a:rPr lang="en-US" dirty="0" err="1"/>
-              <a:t>interactiv</a:t>
-            </a:r>
-            <a:r>
-              <a:rPr lang="en-US" dirty="0"/>
-              <a:t> </a:t>
-            </a:r>
-            <a:r>
-              <a:rPr lang="en-US" dirty="0" err="1"/>
-              <a:t>pentru</a:t>
-            </a:r>
-            <a:r>
-              <a:rPr lang="en-US" dirty="0"/>
-              <a:t> </a:t>
-            </a:r>
-            <a:r>
-              <a:rPr lang="en-US" dirty="0" err="1"/>
-              <a:t>utilizator</a:t>
-            </a:r>
-            <a:r>
-              <a:rPr lang="en-US" dirty="0"/>
-              <a:t>.</a:t>
-            </a:r>
-          </a:p>
-          <a:p>
-            <a:r>
-              <a:rPr lang="en-US" dirty="0" err="1"/>
-              <a:t>Desenarea</a:t>
-            </a:r>
-            <a:r>
-              <a:rPr lang="en-US" dirty="0"/>
-              <a:t> </a:t>
-            </a:r>
-            <a:r>
-              <a:rPr lang="en-US" dirty="0" err="1"/>
-              <a:t>formelor</a:t>
-            </a:r>
-            <a:r>
-              <a:rPr lang="en-US" dirty="0"/>
-              <a:t> </a:t>
-            </a:r>
-            <a:r>
-              <a:rPr lang="en-US" dirty="0" err="1"/>
-              <a:t>geometrice</a:t>
-            </a:r>
-            <a:r>
-              <a:rPr lang="en-US" dirty="0"/>
-              <a:t> simple: </a:t>
-            </a:r>
-            <a:r>
-              <a:rPr lang="en-US" dirty="0" err="1"/>
-              <a:t>linii</a:t>
-            </a:r>
-            <a:r>
-              <a:rPr lang="en-US" dirty="0"/>
-              <a:t>, </a:t>
-            </a:r>
-            <a:r>
-              <a:rPr lang="en-US" dirty="0" err="1"/>
-              <a:t>pătrate</a:t>
-            </a:r>
-            <a:r>
-              <a:rPr lang="en-US" dirty="0"/>
-              <a:t> </a:t>
-            </a:r>
-            <a:r>
-              <a:rPr lang="en-US" dirty="0" err="1"/>
-              <a:t>și</a:t>
-            </a:r>
-            <a:r>
-              <a:rPr lang="en-US" dirty="0"/>
-              <a:t> </a:t>
-            </a:r>
-            <a:r>
-              <a:rPr lang="en-US" dirty="0" err="1"/>
-              <a:t>pătrate</a:t>
-            </a:r>
-            <a:r>
-              <a:rPr lang="en-US" dirty="0"/>
-              <a:t> </a:t>
-            </a:r>
-            <a:r>
-              <a:rPr lang="en-US" dirty="0" err="1"/>
-              <a:t>umplute</a:t>
-            </a:r>
-            <a:r>
-              <a:rPr lang="en-US" dirty="0"/>
-              <a:t>.</a:t>
-            </a:r>
-          </a:p>
-          <a:p>
-            <a:r>
-              <a:rPr lang="en-US" dirty="0" err="1"/>
-              <a:t>Gestionarea</a:t>
-            </a:r>
-            <a:r>
-              <a:rPr lang="en-US" dirty="0"/>
-              <a:t> </a:t>
-            </a:r>
-            <a:r>
-              <a:rPr lang="en-US" dirty="0" err="1"/>
-              <a:t>coordonatelor</a:t>
-            </a:r>
-            <a:r>
-              <a:rPr lang="en-US" dirty="0"/>
-              <a:t>, </a:t>
-            </a:r>
-            <a:r>
-              <a:rPr lang="en-US" dirty="0" err="1"/>
-              <a:t>culorilor</a:t>
-            </a:r>
-            <a:r>
-              <a:rPr lang="en-US" dirty="0"/>
-              <a:t> </a:t>
-            </a:r>
-            <a:r>
-              <a:rPr lang="en-US" dirty="0" err="1"/>
-              <a:t>și</a:t>
-            </a:r>
-            <a:r>
-              <a:rPr lang="en-US" dirty="0"/>
-              <a:t> </a:t>
-            </a:r>
-            <a:r>
-              <a:rPr lang="en-US" dirty="0" err="1"/>
-              <a:t>dimensiunilor</a:t>
-            </a:r>
-            <a:r>
-              <a:rPr lang="en-US" dirty="0"/>
-              <a:t> </a:t>
-            </a:r>
-            <a:r>
-              <a:rPr lang="en-US" dirty="0" err="1"/>
-              <a:t>introduse</a:t>
-            </a:r>
-            <a:r>
-              <a:rPr lang="en-US" dirty="0"/>
-              <a:t> de </a:t>
-            </a:r>
-            <a:r>
-              <a:rPr lang="en-US" dirty="0" err="1"/>
-              <a:t>utilizator</a:t>
-            </a:r>
-            <a:r>
-              <a:rPr lang="en-US" dirty="0"/>
-              <a:t>.</a:t>
-            </a:r>
-          </a:p>
-          <a:p>
-            <a:pPr marL="0" indent="0">
-              <a:buNone/>
-            </a:pPr>
-            <a:r>
-              <a:rPr lang="en-US" dirty="0"/>
-              <a:t>	</a:t>
-            </a:r>
-            <a:r>
-              <a:rPr lang="en-US" dirty="0" err="1"/>
-              <a:t>Scopul</a:t>
-            </a:r>
-            <a:r>
-              <a:rPr lang="en-US" dirty="0"/>
-              <a:t> principal a </a:t>
-            </a:r>
-            <a:r>
-              <a:rPr lang="en-US" dirty="0" err="1"/>
-              <a:t>fost</a:t>
-            </a:r>
-            <a:r>
-              <a:rPr lang="en-US" dirty="0"/>
-              <a:t> </a:t>
-            </a:r>
-            <a:r>
-              <a:rPr lang="en-US" dirty="0" err="1"/>
-              <a:t>învățarea</a:t>
-            </a:r>
-            <a:r>
-              <a:rPr lang="en-US" dirty="0"/>
-              <a:t> </a:t>
-            </a:r>
-            <a:r>
-              <a:rPr lang="en-US" dirty="0" err="1"/>
-              <a:t>modului</a:t>
-            </a:r>
-            <a:r>
-              <a:rPr lang="en-US" dirty="0"/>
-              <a:t> </a:t>
-            </a:r>
-            <a:r>
-              <a:rPr lang="en-US" dirty="0" err="1"/>
-              <a:t>în</a:t>
-            </a:r>
-            <a:r>
-              <a:rPr lang="en-US" dirty="0"/>
-              <a:t> care se pot </a:t>
-            </a:r>
-            <a:r>
-              <a:rPr lang="en-US" dirty="0" err="1"/>
-              <a:t>afișa</a:t>
-            </a:r>
-            <a:r>
-              <a:rPr lang="en-US" dirty="0"/>
-              <a:t> </a:t>
-            </a:r>
-            <a:r>
-              <a:rPr lang="en-US" dirty="0" err="1"/>
-              <a:t>grafice</a:t>
-            </a:r>
-            <a:r>
-              <a:rPr lang="en-US" dirty="0"/>
-              <a:t>   direct, </a:t>
-            </a:r>
-            <a:r>
-              <a:rPr lang="en-US" dirty="0" err="1"/>
-              <a:t>fără</a:t>
-            </a:r>
-            <a:r>
-              <a:rPr lang="en-US" dirty="0"/>
-              <a:t> </a:t>
-            </a:r>
-            <a:r>
-              <a:rPr lang="en-US" dirty="0" err="1"/>
-              <a:t>ajutorul</a:t>
-            </a:r>
-            <a:r>
-              <a:rPr lang="en-US" dirty="0"/>
-              <a:t> </a:t>
-            </a:r>
-            <a:r>
-              <a:rPr lang="en-US" dirty="0" err="1"/>
-              <a:t>bibliotecilor</a:t>
-            </a:r>
-            <a:r>
-              <a:rPr lang="en-US" dirty="0"/>
-              <a:t> externe.</a:t>
-            </a:r>
-            <a:br>
-              <a:rPr lang="en-US" dirty="0"/>
-            </a:br>
-            <a:r>
-              <a:rPr lang="en-US" dirty="0"/>
-              <a:t>Am </a:t>
-            </a:r>
-            <a:r>
-              <a:rPr lang="en-US" dirty="0" err="1"/>
-              <a:t>folosit</a:t>
-            </a:r>
-            <a:r>
-              <a:rPr lang="en-US" dirty="0"/>
-              <a:t> </a:t>
-            </a:r>
-            <a:r>
-              <a:rPr lang="en-US" dirty="0" err="1"/>
-              <a:t>întreruperi</a:t>
-            </a:r>
-            <a:r>
-              <a:rPr lang="en-US" dirty="0"/>
-              <a:t> video BIOS, </a:t>
-            </a:r>
-            <a:r>
-              <a:rPr lang="en-US" dirty="0" err="1"/>
-              <a:t>lucru</a:t>
-            </a:r>
-            <a:r>
-              <a:rPr lang="en-US" dirty="0"/>
-              <a:t> care m-a </a:t>
-            </a:r>
-            <a:r>
-              <a:rPr lang="en-US" dirty="0" err="1"/>
-              <a:t>ajutat</a:t>
-            </a:r>
-            <a:r>
-              <a:rPr lang="en-US" dirty="0"/>
-              <a:t> </a:t>
-            </a:r>
-            <a:r>
-              <a:rPr lang="en-US" dirty="0" err="1"/>
-              <a:t>să</a:t>
-            </a:r>
-            <a:r>
-              <a:rPr lang="en-US" dirty="0"/>
-              <a:t> </a:t>
-            </a:r>
-            <a:r>
-              <a:rPr lang="en-US" dirty="0" err="1"/>
-              <a:t>înțeleg</a:t>
-            </a:r>
-            <a:r>
-              <a:rPr lang="en-US" dirty="0"/>
-              <a:t> </a:t>
-            </a:r>
-            <a:r>
-              <a:rPr lang="en-US" dirty="0" err="1"/>
-              <a:t>mai</a:t>
-            </a:r>
-            <a:r>
-              <a:rPr lang="en-US" dirty="0"/>
-              <a:t> bine cum </a:t>
-            </a:r>
-            <a:r>
-              <a:rPr lang="en-US" dirty="0" err="1"/>
-              <a:t>comunică</a:t>
-            </a:r>
-            <a:r>
-              <a:rPr lang="en-US" dirty="0"/>
-              <a:t> </a:t>
-            </a:r>
-            <a:r>
-              <a:rPr lang="en-US" dirty="0" err="1"/>
-              <a:t>procesorul</a:t>
-            </a:r>
-            <a:r>
-              <a:rPr lang="en-US" dirty="0"/>
-              <a:t> cu </a:t>
-            </a:r>
-            <a:r>
-              <a:rPr lang="en-US" dirty="0" err="1"/>
-              <a:t>ecranul</a:t>
-            </a:r>
-            <a:r>
-              <a:rPr lang="en-US" dirty="0"/>
-              <a:t>.</a:t>
-            </a:r>
-            <a:br>
-              <a:rPr lang="en-US" dirty="0"/>
-            </a:br>
-            <a:r>
-              <a:rPr lang="en-US" dirty="0" err="1"/>
-              <a:t>Practic</a:t>
-            </a:r>
-            <a:r>
-              <a:rPr lang="en-US" dirty="0"/>
-              <a:t>, tot </a:t>
-            </a:r>
-            <a:r>
-              <a:rPr lang="en-US" dirty="0" err="1"/>
-              <a:t>ce</a:t>
-            </a:r>
-            <a:r>
-              <a:rPr lang="en-US" dirty="0"/>
-              <a:t> se </a:t>
-            </a:r>
-            <a:r>
-              <a:rPr lang="en-US" dirty="0" err="1"/>
-              <a:t>vede</a:t>
-            </a:r>
-            <a:r>
-              <a:rPr lang="en-US" dirty="0"/>
-              <a:t> pe </a:t>
-            </a:r>
-            <a:r>
-              <a:rPr lang="en-US" dirty="0" err="1"/>
-              <a:t>ecran</a:t>
-            </a:r>
-            <a:r>
-              <a:rPr lang="en-US" dirty="0"/>
-              <a:t> </a:t>
-            </a:r>
-            <a:r>
-              <a:rPr lang="en-US" dirty="0" err="1"/>
-              <a:t>este</a:t>
-            </a:r>
-            <a:r>
-              <a:rPr lang="en-US" dirty="0"/>
-              <a:t> </a:t>
-            </a:r>
-            <a:r>
-              <a:rPr lang="en-US" dirty="0" err="1"/>
-              <a:t>rezultat</a:t>
-            </a:r>
-            <a:r>
-              <a:rPr lang="en-US" dirty="0"/>
-              <a:t> al </a:t>
-            </a:r>
-            <a:r>
-              <a:rPr lang="en-US" dirty="0" err="1"/>
-              <a:t>operațiilor</a:t>
-            </a:r>
-            <a:r>
-              <a:rPr lang="en-US" dirty="0"/>
-              <a:t> </a:t>
-            </a:r>
-            <a:r>
-              <a:rPr lang="en-US" dirty="0" err="1"/>
-              <a:t>directe</a:t>
-            </a:r>
-            <a:r>
-              <a:rPr lang="en-US" dirty="0"/>
-              <a:t> </a:t>
-            </a:r>
-            <a:r>
-              <a:rPr lang="en-US" dirty="0" err="1"/>
-              <a:t>asupra</a:t>
-            </a:r>
-            <a:r>
-              <a:rPr lang="en-US" dirty="0"/>
-              <a:t> </a:t>
-            </a:r>
-            <a:r>
-              <a:rPr lang="en-US" dirty="0" err="1"/>
-              <a:t>memoriei</a:t>
-            </a:r>
-            <a:r>
-              <a:rPr lang="en-US" dirty="0"/>
-              <a:t> video.</a:t>
+            <a:r>
+              <a:rPr lang="en-US" sz="2400" dirty="0"/>
+              <a:t> MASM/TASM, DOSBox, Video Mode 13h (320x200, 256 </a:t>
+            </a:r>
+            <a:r>
+              <a:rPr lang="en-US" sz="2400" dirty="0" err="1"/>
+              <a:t>culori</a:t>
+            </a:r>
+            <a:r>
+              <a:rPr lang="en-US" sz="2400" dirty="0"/>
+              <a:t>).</a:t>
             </a:r>
           </a:p>
           <a:p>
@@ -6994,2362 +6759,6 @@
     <p:extLst>
       <p:ext uri="{BB962C8B-B14F-4D97-AF65-F5344CB8AC3E}">
         <p14:creationId xmlns:p14="http://schemas.microsoft.com/office/powerpoint/2010/main" val="2481898037"/>
-      </p:ext>
-    </p:extLst>
-  </p:cSld>
-  <p:clrMapOvr>
-    <a:masterClrMapping/>
-  </p:clrMapOvr>
-  <mc:AlternateContent xmlns:mc="http://schemas.openxmlformats.org/markup-compatibility/2006" xmlns:p159="http://schemas.microsoft.com/office/powerpoint/2015/09/main">
-    <mc:Choice Requires="p159">
-      <p:transition xmlns:p14="http://schemas.microsoft.com/office/powerpoint/2010/main" spd="slow" p14:dur="2000">
-        <p159:morph option="byObject"/>
-      </p:transition>
-    </mc:Choice>
-    <mc:Fallback xmlns="">
-      <p:transition spd="slow">
-        <p:fade/>
-      </p:transition>
-    </mc:Fallback>
-  </mc:AlternateContent>
-  <p:timing>
-    <p:tnLst>
-      <p:par>
-        <p:cTn id="1" dur="indefinite" restart="never" nodeType="tmRoot">
-          <p:childTnLst>
-            <p:seq concurrent="1" nextAc="seek">
-              <p:cTn id="2" dur="indefinite" nodeType="mainSeq">
-                <p:childTnLst>
-                  <p:par>
-                    <p:cTn id="3" fill="hold">
-                      <p:stCondLst>
-                        <p:cond delay="indefinite"/>
-                      </p:stCondLst>
-                      <p:childTnLst>
-                        <p:par>
-                          <p:cTn id="4" fill="hold">
-                            <p:stCondLst>
-                              <p:cond delay="0"/>
-                            </p:stCondLst>
-                            <p:childTnLst>
-                              <p:par>
-                                <p:cTn id="5" presetID="10" presetClass="entr" presetSubtype="0" fill="hold" grpId="0" nodeType="clickEffect">
-                                  <p:stCondLst>
-                                    <p:cond delay="0"/>
-                                  </p:stCondLst>
-                                  <p:childTnLst>
-                                    <p:set>
-                                      <p:cBhvr>
-                                        <p:cTn id="6" dur="1" fill="hold">
-                                          <p:stCondLst>
-                                            <p:cond delay="0"/>
-                                          </p:stCondLst>
-                                        </p:cTn>
-                                        <p:tgtEl>
-                                          <p:spTgt spid="3">
-                                            <p:txEl>
-                                              <p:pRg st="0" end="0"/>
-                                            </p:txEl>
-                                          </p:spTgt>
-                                        </p:tgtEl>
-                                        <p:attrNameLst>
-                                          <p:attrName>style.visibility</p:attrName>
-                                        </p:attrNameLst>
-                                      </p:cBhvr>
-                                      <p:to>
-                                        <p:strVal val="visible"/>
-                                      </p:to>
-                                    </p:set>
-                                    <p:animEffect transition="in" filter="fade">
-                                      <p:cBhvr>
-                                        <p:cTn id="7" dur="500"/>
-                                        <p:tgtEl>
-                                          <p:spTgt spid="3">
-                                            <p:txEl>
-                                              <p:pRg st="0" end="0"/>
-                                            </p:txEl>
-                                          </p:spTgt>
-                                        </p:tgtEl>
-                                      </p:cBhvr>
-                                    </p:animEffect>
-                                  </p:childTnLst>
-                                </p:cTn>
-                              </p:par>
-                            </p:childTnLst>
-                          </p:cTn>
-                        </p:par>
-                      </p:childTnLst>
-                    </p:cTn>
-                  </p:par>
-                  <p:par>
-                    <p:cTn id="8" fill="hold">
-                      <p:stCondLst>
-                        <p:cond delay="indefinite"/>
-                      </p:stCondLst>
-                      <p:childTnLst>
-                        <p:par>
-                          <p:cTn id="9" fill="hold">
-                            <p:stCondLst>
-                              <p:cond delay="0"/>
-                            </p:stCondLst>
-                            <p:childTnLst>
-                              <p:par>
-                                <p:cTn id="10" presetID="10" presetClass="entr" presetSubtype="0" fill="hold" grpId="0" nodeType="clickEffect">
-                                  <p:stCondLst>
-                                    <p:cond delay="0"/>
-                                  </p:stCondLst>
-                                  <p:childTnLst>
-                                    <p:set>
-                                      <p:cBhvr>
-                                        <p:cTn id="11" dur="1" fill="hold">
-                                          <p:stCondLst>
-                                            <p:cond delay="0"/>
-                                          </p:stCondLst>
-                                        </p:cTn>
-                                        <p:tgtEl>
-                                          <p:spTgt spid="3">
-                                            <p:txEl>
-                                              <p:pRg st="1" end="1"/>
-                                            </p:txEl>
-                                          </p:spTgt>
-                                        </p:tgtEl>
-                                        <p:attrNameLst>
-                                          <p:attrName>style.visibility</p:attrName>
-                                        </p:attrNameLst>
-                                      </p:cBhvr>
-                                      <p:to>
-                                        <p:strVal val="visible"/>
-                                      </p:to>
-                                    </p:set>
-                                    <p:animEffect transition="in" filter="fade">
-                                      <p:cBhvr>
-                                        <p:cTn id="12" dur="500"/>
-                                        <p:tgtEl>
-                                          <p:spTgt spid="3">
-                                            <p:txEl>
-                                              <p:pRg st="1" end="1"/>
-                                            </p:txEl>
-                                          </p:spTgt>
-                                        </p:tgtEl>
-                                      </p:cBhvr>
-                                    </p:animEffect>
-                                  </p:childTnLst>
-                                </p:cTn>
-                              </p:par>
-                            </p:childTnLst>
-                          </p:cTn>
-                        </p:par>
-                      </p:childTnLst>
-                    </p:cTn>
-                  </p:par>
-                  <p:par>
-                    <p:cTn id="13" fill="hold">
-                      <p:stCondLst>
-                        <p:cond delay="indefinite"/>
-                      </p:stCondLst>
-                      <p:childTnLst>
-                        <p:par>
-                          <p:cTn id="14" fill="hold">
-                            <p:stCondLst>
-                              <p:cond delay="0"/>
-                            </p:stCondLst>
-                            <p:childTnLst>
-                              <p:par>
-                                <p:cTn id="15" presetID="10" presetClass="entr" presetSubtype="0" fill="hold" grpId="0" nodeType="clickEffect">
-                                  <p:stCondLst>
-                                    <p:cond delay="0"/>
-                                  </p:stCondLst>
-                                  <p:childTnLst>
-                                    <p:set>
-                                      <p:cBhvr>
-                                        <p:cTn id="16" dur="1" fill="hold">
-                                          <p:stCondLst>
-                                            <p:cond delay="0"/>
-                                          </p:stCondLst>
-                                        </p:cTn>
-                                        <p:tgtEl>
-                                          <p:spTgt spid="3">
-                                            <p:txEl>
-                                              <p:pRg st="2" end="2"/>
-                                            </p:txEl>
-                                          </p:spTgt>
-                                        </p:tgtEl>
-                                        <p:attrNameLst>
-                                          <p:attrName>style.visibility</p:attrName>
-                                        </p:attrNameLst>
-                                      </p:cBhvr>
-                                      <p:to>
-                                        <p:strVal val="visible"/>
-                                      </p:to>
-                                    </p:set>
-                                    <p:animEffect transition="in" filter="fade">
-                                      <p:cBhvr>
-                                        <p:cTn id="17" dur="500"/>
-                                        <p:tgtEl>
-                                          <p:spTgt spid="3">
-                                            <p:txEl>
-                                              <p:pRg st="2" end="2"/>
-                                            </p:txEl>
-                                          </p:spTgt>
-                                        </p:tgtEl>
-                                      </p:cBhvr>
-                                    </p:animEffect>
-                                  </p:childTnLst>
-                                </p:cTn>
-                              </p:par>
-                            </p:childTnLst>
-                          </p:cTn>
-                        </p:par>
-                      </p:childTnLst>
-                    </p:cTn>
-                  </p:par>
-                  <p:par>
-                    <p:cTn id="18" fill="hold">
-                      <p:stCondLst>
-                        <p:cond delay="indefinite"/>
-                      </p:stCondLst>
-                      <p:childTnLst>
-                        <p:par>
-                          <p:cTn id="19" fill="hold">
-                            <p:stCondLst>
-                              <p:cond delay="0"/>
-                            </p:stCondLst>
-                            <p:childTnLst>
-                              <p:par>
-                                <p:cTn id="20" presetID="10" presetClass="entr" presetSubtype="0" fill="hold" grpId="0" nodeType="clickEffect">
-                                  <p:stCondLst>
-                                    <p:cond delay="0"/>
-                                  </p:stCondLst>
-                                  <p:childTnLst>
-                                    <p:set>
-                                      <p:cBhvr>
-                                        <p:cTn id="21" dur="1" fill="hold">
-                                          <p:stCondLst>
-                                            <p:cond delay="0"/>
-                                          </p:stCondLst>
-                                        </p:cTn>
-                                        <p:tgtEl>
-                                          <p:spTgt spid="3">
-                                            <p:txEl>
-                                              <p:pRg st="3" end="3"/>
-                                            </p:txEl>
-                                          </p:spTgt>
-                                        </p:tgtEl>
-                                        <p:attrNameLst>
-                                          <p:attrName>style.visibility</p:attrName>
-                                        </p:attrNameLst>
-                                      </p:cBhvr>
-                                      <p:to>
-                                        <p:strVal val="visible"/>
-                                      </p:to>
-                                    </p:set>
-                                    <p:animEffect transition="in" filter="fade">
-                                      <p:cBhvr>
-                                        <p:cTn id="22" dur="500"/>
-                                        <p:tgtEl>
-                                          <p:spTgt spid="3">
-                                            <p:txEl>
-                                              <p:pRg st="3" end="3"/>
-                                            </p:txEl>
-                                          </p:spTgt>
-                                        </p:tgtEl>
-                                      </p:cBhvr>
-                                    </p:animEffect>
-                                  </p:childTnLst>
-                                </p:cTn>
-                              </p:par>
-                            </p:childTnLst>
-                          </p:cTn>
-                        </p:par>
-                      </p:childTnLst>
-                    </p:cTn>
-                  </p:par>
-                  <p:par>
-                    <p:cTn id="23" fill="hold">
-                      <p:stCondLst>
-                        <p:cond delay="indefinite"/>
-                      </p:stCondLst>
-                      <p:childTnLst>
-                        <p:par>
-                          <p:cTn id="24" fill="hold">
-                            <p:stCondLst>
-                              <p:cond delay="0"/>
-                            </p:stCondLst>
-                            <p:childTnLst>
-                              <p:par>
-                                <p:cTn id="25" presetID="10" presetClass="entr" presetSubtype="0" fill="hold" grpId="0" nodeType="clickEffect">
-                                  <p:stCondLst>
-                                    <p:cond delay="0"/>
-                                  </p:stCondLst>
-                                  <p:childTnLst>
-                                    <p:set>
-                                      <p:cBhvr>
-                                        <p:cTn id="26" dur="1" fill="hold">
-                                          <p:stCondLst>
-                                            <p:cond delay="0"/>
-                                          </p:stCondLst>
-                                        </p:cTn>
-                                        <p:tgtEl>
-                                          <p:spTgt spid="3">
-                                            <p:txEl>
-                                              <p:pRg st="4" end="4"/>
-                                            </p:txEl>
-                                          </p:spTgt>
-                                        </p:tgtEl>
-                                        <p:attrNameLst>
-                                          <p:attrName>style.visibility</p:attrName>
-                                        </p:attrNameLst>
-                                      </p:cBhvr>
-                                      <p:to>
-                                        <p:strVal val="visible"/>
-                                      </p:to>
-                                    </p:set>
-                                    <p:animEffect transition="in" filter="fade">
-                                      <p:cBhvr>
-                                        <p:cTn id="27" dur="500"/>
-                                        <p:tgtEl>
-                                          <p:spTgt spid="3">
-                                            <p:txEl>
-                                              <p:pRg st="4" end="4"/>
-                                            </p:txEl>
-                                          </p:spTgt>
-                                        </p:tgtEl>
-                                      </p:cBhvr>
-                                    </p:animEffect>
-                                  </p:childTnLst>
-                                </p:cTn>
-                              </p:par>
-                            </p:childTnLst>
-                          </p:cTn>
-                        </p:par>
-                      </p:childTnLst>
-                    </p:cTn>
-                  </p:par>
-                  <p:par>
-                    <p:cTn id="28" fill="hold">
-                      <p:stCondLst>
-                        <p:cond delay="indefinite"/>
-                      </p:stCondLst>
-                      <p:childTnLst>
-                        <p:par>
-                          <p:cTn id="29" fill="hold">
-                            <p:stCondLst>
-                              <p:cond delay="0"/>
-                            </p:stCondLst>
-                            <p:childTnLst>
-                              <p:par>
-                                <p:cTn id="30" presetID="10" presetClass="entr" presetSubtype="0" fill="hold" grpId="0" nodeType="clickEffect">
-                                  <p:stCondLst>
-                                    <p:cond delay="0"/>
-                                  </p:stCondLst>
-                                  <p:childTnLst>
-                                    <p:set>
-                                      <p:cBhvr>
-                                        <p:cTn id="31" dur="1" fill="hold">
-                                          <p:stCondLst>
-                                            <p:cond delay="0"/>
-                                          </p:stCondLst>
-                                        </p:cTn>
-                                        <p:tgtEl>
-                                          <p:spTgt spid="3">
-                                            <p:txEl>
-                                              <p:pRg st="5" end="5"/>
-                                            </p:txEl>
-                                          </p:spTgt>
-                                        </p:tgtEl>
-                                        <p:attrNameLst>
-                                          <p:attrName>style.visibility</p:attrName>
-                                        </p:attrNameLst>
-                                      </p:cBhvr>
-                                      <p:to>
-                                        <p:strVal val="visible"/>
-                                      </p:to>
-                                    </p:set>
-                                    <p:animEffect transition="in" filter="fade">
-                                      <p:cBhvr>
-                                        <p:cTn id="32" dur="500"/>
-                                        <p:tgtEl>
-                                          <p:spTgt spid="3">
-                                            <p:txEl>
-                                              <p:pRg st="5" end="5"/>
-                                            </p:txEl>
-                                          </p:spTgt>
-                                        </p:tgtEl>
-                                      </p:cBhvr>
-                                    </p:animEffect>
-                                  </p:childTnLst>
-                                </p:cTn>
-                              </p:par>
-                            </p:childTnLst>
-                          </p:cTn>
-                        </p:par>
-                      </p:childTnLst>
-                    </p:cTn>
-                  </p:par>
-                  <p:par>
-                    <p:cTn id="33" fill="hold">
-                      <p:stCondLst>
-                        <p:cond delay="indefinite"/>
-                      </p:stCondLst>
-                      <p:childTnLst>
-                        <p:par>
-                          <p:cTn id="34" fill="hold">
-                            <p:stCondLst>
-                              <p:cond delay="0"/>
-                            </p:stCondLst>
-                            <p:childTnLst>
-                              <p:par>
-                                <p:cTn id="35" presetID="10" presetClass="entr" presetSubtype="0" fill="hold" grpId="0" nodeType="clickEffect">
-                                  <p:stCondLst>
-                                    <p:cond delay="0"/>
-                                  </p:stCondLst>
-                                  <p:childTnLst>
-                                    <p:set>
-                                      <p:cBhvr>
-                                        <p:cTn id="36" dur="1" fill="hold">
-                                          <p:stCondLst>
-                                            <p:cond delay="0"/>
-                                          </p:stCondLst>
-                                        </p:cTn>
-                                        <p:tgtEl>
-                                          <p:spTgt spid="3">
-                                            <p:txEl>
-                                              <p:pRg st="6" end="6"/>
-                                            </p:txEl>
-                                          </p:spTgt>
-                                        </p:tgtEl>
-                                        <p:attrNameLst>
-                                          <p:attrName>style.visibility</p:attrName>
-                                        </p:attrNameLst>
-                                      </p:cBhvr>
-                                      <p:to>
-                                        <p:strVal val="visible"/>
-                                      </p:to>
-                                    </p:set>
-                                    <p:animEffect transition="in" filter="fade">
-                                      <p:cBhvr>
-                                        <p:cTn id="37" dur="500"/>
-                                        <p:tgtEl>
-                                          <p:spTgt spid="3">
-                                            <p:txEl>
-                                              <p:pRg st="6" end="6"/>
-                                            </p:txEl>
-                                          </p:spTgt>
-                                        </p:tgtEl>
-                                      </p:cBhvr>
-                                    </p:animEffect>
-                                  </p:childTnLst>
-                                </p:cTn>
-                              </p:par>
-                            </p:childTnLst>
-                          </p:cTn>
-                        </p:par>
-                      </p:childTnLst>
-                    </p:cTn>
-                  </p:par>
-                  <p:par>
-                    <p:cTn id="38" fill="hold">
-                      <p:stCondLst>
-                        <p:cond delay="indefinite"/>
-                      </p:stCondLst>
-                      <p:childTnLst>
-                        <p:par>
-                          <p:cTn id="39" fill="hold">
-                            <p:stCondLst>
-                              <p:cond delay="0"/>
-                            </p:stCondLst>
-                            <p:childTnLst>
-                              <p:par>
-                                <p:cTn id="40" presetID="10" presetClass="entr" presetSubtype="0" fill="hold" grpId="0" nodeType="clickEffect">
-                                  <p:stCondLst>
-                                    <p:cond delay="0"/>
-                                  </p:stCondLst>
-                                  <p:childTnLst>
-                                    <p:set>
-                                      <p:cBhvr>
-                                        <p:cTn id="41" dur="1" fill="hold">
-                                          <p:stCondLst>
-                                            <p:cond delay="0"/>
-                                          </p:stCondLst>
-                                        </p:cTn>
-                                        <p:tgtEl>
-                                          <p:spTgt spid="3">
-                                            <p:txEl>
-                                              <p:pRg st="7" end="7"/>
-                                            </p:txEl>
-                                          </p:spTgt>
-                                        </p:tgtEl>
-                                        <p:attrNameLst>
-                                          <p:attrName>style.visibility</p:attrName>
-                                        </p:attrNameLst>
-                                      </p:cBhvr>
-                                      <p:to>
-                                        <p:strVal val="visible"/>
-                                      </p:to>
-                                    </p:set>
-                                    <p:animEffect transition="in" filter="fade">
-                                      <p:cBhvr>
-                                        <p:cTn id="42" dur="500"/>
-                                        <p:tgtEl>
-                                          <p:spTgt spid="3">
-                                            <p:txEl>
-                                              <p:pRg st="7" end="7"/>
-                                            </p:txEl>
-                                          </p:spTgt>
-                                        </p:tgtEl>
-                                      </p:cBhvr>
-                                    </p:animEffect>
-                                  </p:childTnLst>
-                                </p:cTn>
-                              </p:par>
-                            </p:childTnLst>
-                          </p:cTn>
-                        </p:par>
-                      </p:childTnLst>
-                    </p:cTn>
-                  </p:par>
-                </p:childTnLst>
-              </p:cTn>
-              <p:prevCondLst>
-                <p:cond evt="onPrev" delay="0">
-                  <p:tgtEl>
-                    <p:sldTgt/>
-                  </p:tgtEl>
-                </p:cond>
-              </p:prevCondLst>
-              <p:nextCondLst>
-                <p:cond evt="onNext" delay="0">
-                  <p:tgtEl>
-                    <p:sldTgt/>
-                  </p:tgtEl>
-                </p:cond>
-              </p:nextCondLst>
-            </p:seq>
-          </p:childTnLst>
-        </p:cTn>
-      </p:par>
-    </p:tnLst>
-    <p:bldLst>
-      <p:bldP spid="3" grpId="0" build="p"/>
-    </p:bldLst>
-  </p:timing>
-</p:sld>
-</file>
-
-<file path=ppt/slides/slide3.xml><?xml version="1.0" encoding="utf-8"?>
-<p:sld xmlns:a="http://schemas.openxmlformats.org/drawingml/2006/main" xmlns:r="http://schemas.openxmlformats.org/officeDocument/2006/relationships" xmlns:p="http://schemas.openxmlformats.org/presentationml/2006/main">
-  <p:cSld>
-    <p:spTree>
-      <p:nvGrpSpPr>
-        <p:cNvPr id="1" name=""/>
-        <p:cNvGrpSpPr/>
-        <p:nvPr/>
-      </p:nvGrpSpPr>
-      <p:grpSpPr>
-        <a:xfrm>
-          <a:off x="0" y="0"/>
-          <a:ext cx="0" cy="0"/>
-          <a:chOff x="0" y="0"/>
-          <a:chExt cx="0" cy="0"/>
-        </a:xfrm>
-      </p:grpSpPr>
-      <p:sp>
-        <p:nvSpPr>
-          <p:cNvPr id="3" name="Substituent conținut 2">
-            <a:extLst>
-              <a:ext uri="{FF2B5EF4-FFF2-40B4-BE49-F238E27FC236}">
-                <a16:creationId xmlns:a16="http://schemas.microsoft.com/office/drawing/2014/main" id="{0F4E7739-59A7-D3AC-A460-33A621F3B7C1}"/>
-              </a:ext>
-            </a:extLst>
-          </p:cNvPr>
-          <p:cNvSpPr>
-            <a:spLocks noGrp="1"/>
-          </p:cNvSpPr>
-          <p:nvPr>
-            <p:ph idx="1"/>
-          </p:nvPr>
-        </p:nvSpPr>
-        <p:spPr>
-          <a:xfrm>
-            <a:off x="685800" y="540774"/>
-            <a:ext cx="10820400" cy="5702710"/>
-          </a:xfrm>
-        </p:spPr>
-        <p:txBody>
-          <a:bodyPr>
-            <a:normAutofit/>
-          </a:bodyPr>
-          <a:lstStyle/>
-          <a:p>
-            <a:pPr marL="0" indent="0">
-              <a:buNone/>
-            </a:pPr>
-            <a:r>
-              <a:rPr lang="en-US" sz="5800" b="1" dirty="0"/>
-              <a:t>Cum </a:t>
-            </a:r>
-            <a:r>
-              <a:rPr lang="en-US" sz="5800" b="1" dirty="0" err="1"/>
-              <a:t>funcționează</a:t>
-            </a:r>
-            <a:r>
-              <a:rPr lang="en-US" sz="5800" b="1" dirty="0"/>
-              <a:t> </a:t>
-            </a:r>
-            <a:r>
-              <a:rPr lang="en-US" sz="5800" b="1" dirty="0" err="1"/>
-              <a:t>aplicația</a:t>
-            </a:r>
-            <a:endParaRPr lang="en-US" sz="5800" b="1" dirty="0"/>
-          </a:p>
-          <a:p>
-            <a:pPr marL="0" indent="0">
-              <a:buNone/>
-            </a:pPr>
-            <a:endParaRPr lang="en-US" b="1" dirty="0"/>
-          </a:p>
-          <a:p>
-            <a:pPr marL="0" indent="0">
-              <a:buNone/>
-            </a:pPr>
-            <a:r>
-              <a:rPr lang="en-US" b="1" dirty="0" err="1"/>
-              <a:t>Descriere</a:t>
-            </a:r>
-            <a:r>
-              <a:rPr lang="en-US" b="1" dirty="0"/>
-              <a:t> </a:t>
-            </a:r>
-            <a:r>
-              <a:rPr lang="en-US" b="1" dirty="0" err="1"/>
-              <a:t>generală</a:t>
-            </a:r>
-            <a:r>
-              <a:rPr lang="en-US" b="1" dirty="0"/>
-              <a:t>:</a:t>
-            </a:r>
-            <a:endParaRPr lang="en-US" dirty="0"/>
-          </a:p>
-          <a:p>
-            <a:pPr marL="0" indent="0">
-              <a:buNone/>
-            </a:pPr>
-            <a:r>
-              <a:rPr lang="en-US" dirty="0" err="1"/>
-              <a:t>Programul</a:t>
-            </a:r>
-            <a:r>
-              <a:rPr lang="en-US" dirty="0"/>
-              <a:t> </a:t>
-            </a:r>
-            <a:r>
-              <a:rPr lang="en-US" dirty="0" err="1"/>
-              <a:t>pornește</a:t>
-            </a:r>
-            <a:r>
-              <a:rPr lang="en-US" dirty="0"/>
-              <a:t> </a:t>
-            </a:r>
-            <a:r>
-              <a:rPr lang="en-US" dirty="0" err="1"/>
-              <a:t>în</a:t>
-            </a:r>
-            <a:r>
-              <a:rPr lang="en-US" dirty="0"/>
-              <a:t> </a:t>
-            </a:r>
-            <a:r>
-              <a:rPr lang="en-US" i="1" dirty="0"/>
-              <a:t>mod </a:t>
-            </a:r>
-            <a:r>
-              <a:rPr lang="en-US" i="1" dirty="0" err="1"/>
-              <a:t>grafic</a:t>
-            </a:r>
-            <a:r>
-              <a:rPr lang="en-US" i="1" dirty="0"/>
-              <a:t> 13h</a:t>
-            </a:r>
-            <a:r>
-              <a:rPr lang="en-US" dirty="0"/>
-              <a:t> (320x200 </a:t>
-            </a:r>
-            <a:r>
-              <a:rPr lang="en-US" dirty="0" err="1"/>
-              <a:t>pixeli</a:t>
-            </a:r>
-            <a:r>
-              <a:rPr lang="en-US" dirty="0"/>
-              <a:t>, 256 </a:t>
-            </a:r>
-            <a:r>
-              <a:rPr lang="en-US" dirty="0" err="1"/>
-              <a:t>culori</a:t>
-            </a:r>
-            <a:r>
-              <a:rPr lang="en-US" dirty="0"/>
-              <a:t>).</a:t>
-            </a:r>
-          </a:p>
-          <a:p>
-            <a:pPr marL="0" indent="0">
-              <a:buNone/>
-            </a:pPr>
-            <a:r>
-              <a:rPr lang="en-US" dirty="0"/>
-              <a:t>Se </a:t>
-            </a:r>
-            <a:r>
-              <a:rPr lang="en-US" dirty="0" err="1"/>
-              <a:t>afișează</a:t>
-            </a:r>
-            <a:r>
-              <a:rPr lang="en-US" dirty="0"/>
-              <a:t> un </a:t>
-            </a:r>
-            <a:r>
-              <a:rPr lang="en-US" dirty="0" err="1"/>
-              <a:t>meniu</a:t>
-            </a:r>
-            <a:r>
-              <a:rPr lang="en-US" dirty="0"/>
-              <a:t> cu </a:t>
-            </a:r>
-            <a:r>
-              <a:rPr lang="en-US" dirty="0" err="1"/>
-              <a:t>opțiuni</a:t>
-            </a:r>
-            <a:r>
-              <a:rPr lang="en-US" dirty="0"/>
-              <a:t>:</a:t>
-            </a:r>
-            <a:br>
-              <a:rPr lang="en-US" dirty="0"/>
-            </a:br>
-            <a:r>
-              <a:rPr lang="en-US" dirty="0"/>
-              <a:t> 	Linie</a:t>
-            </a:r>
-            <a:br>
-              <a:rPr lang="en-US" dirty="0"/>
-            </a:br>
-            <a:r>
-              <a:rPr lang="en-US" dirty="0"/>
-              <a:t> 	</a:t>
-            </a:r>
-            <a:r>
-              <a:rPr lang="en-US" dirty="0" err="1"/>
-              <a:t>Pătrat</a:t>
-            </a:r>
-            <a:br>
-              <a:rPr lang="en-US" dirty="0"/>
-            </a:br>
-            <a:r>
-              <a:rPr lang="en-US" dirty="0"/>
-              <a:t> 	</a:t>
-            </a:r>
-            <a:r>
-              <a:rPr lang="en-US" dirty="0" err="1"/>
-              <a:t>Pătrat</a:t>
-            </a:r>
-            <a:r>
-              <a:rPr lang="en-US" dirty="0"/>
-              <a:t> </a:t>
-            </a:r>
-            <a:r>
-              <a:rPr lang="en-US" dirty="0" err="1"/>
-              <a:t>umplut</a:t>
-            </a:r>
-            <a:endParaRPr lang="en-US" dirty="0"/>
-          </a:p>
-          <a:p>
-            <a:pPr marL="0" indent="0">
-              <a:buNone/>
-            </a:pPr>
-            <a:r>
-              <a:rPr lang="en-US" dirty="0"/>
-              <a:t> </a:t>
-            </a:r>
-            <a:r>
-              <a:rPr lang="en-US" dirty="0" err="1"/>
-              <a:t>Utilizatorul</a:t>
-            </a:r>
-            <a:r>
-              <a:rPr lang="en-US" dirty="0"/>
-              <a:t> introduce:</a:t>
-            </a:r>
-          </a:p>
-          <a:p>
-            <a:pPr marL="457200" lvl="1" indent="0">
-              <a:buNone/>
-            </a:pPr>
-            <a:r>
-              <a:rPr lang="en-US" dirty="0" err="1"/>
-              <a:t>coordonatele</a:t>
-            </a:r>
-            <a:r>
-              <a:rPr lang="en-US" dirty="0"/>
-              <a:t> de start (X, Y)</a:t>
-            </a:r>
-          </a:p>
-          <a:p>
-            <a:pPr marL="457200" lvl="1" indent="0">
-              <a:buNone/>
-            </a:pPr>
-            <a:r>
-              <a:rPr lang="en-US" dirty="0" err="1"/>
-              <a:t>dimensiunea</a:t>
-            </a:r>
-            <a:endParaRPr lang="en-US" dirty="0"/>
-          </a:p>
-          <a:p>
-            <a:pPr marL="457200" lvl="1" indent="0">
-              <a:buNone/>
-            </a:pPr>
-            <a:r>
-              <a:rPr lang="en-US" dirty="0" err="1"/>
-              <a:t>culoarea</a:t>
-            </a:r>
-            <a:r>
-              <a:rPr lang="en-US" dirty="0"/>
-              <a:t> </a:t>
-            </a:r>
-            <a:r>
-              <a:rPr lang="en-US" dirty="0" err="1"/>
-              <a:t>dorită</a:t>
-            </a:r>
-            <a:endParaRPr lang="en-US" dirty="0"/>
-          </a:p>
-        </p:txBody>
-      </p:sp>
-    </p:spTree>
-    <p:extLst>
-      <p:ext uri="{BB962C8B-B14F-4D97-AF65-F5344CB8AC3E}">
-        <p14:creationId xmlns:p14="http://schemas.microsoft.com/office/powerpoint/2010/main" val="1377543111"/>
-      </p:ext>
-    </p:extLst>
-  </p:cSld>
-  <p:clrMapOvr>
-    <a:masterClrMapping/>
-  </p:clrMapOvr>
-  <mc:AlternateContent xmlns:mc="http://schemas.openxmlformats.org/markup-compatibility/2006" xmlns:p159="http://schemas.microsoft.com/office/powerpoint/2015/09/main">
-    <mc:Choice Requires="p159">
-      <p:transition xmlns:p14="http://schemas.microsoft.com/office/powerpoint/2010/main" spd="slow" p14:dur="2000">
-        <p159:morph option="byObject"/>
-      </p:transition>
-    </mc:Choice>
-    <mc:Fallback xmlns="">
-      <p:transition spd="slow">
-        <p:fade/>
-      </p:transition>
-    </mc:Fallback>
-  </mc:AlternateContent>
-  <p:timing>
-    <p:tnLst>
-      <p:par>
-        <p:cTn id="1" dur="indefinite" restart="never" nodeType="tmRoot">
-          <p:childTnLst>
-            <p:seq concurrent="1" nextAc="seek">
-              <p:cTn id="2" dur="indefinite" nodeType="mainSeq">
-                <p:childTnLst>
-                  <p:par>
-                    <p:cTn id="3" fill="hold">
-                      <p:stCondLst>
-                        <p:cond delay="indefinite"/>
-                      </p:stCondLst>
-                      <p:childTnLst>
-                        <p:par>
-                          <p:cTn id="4" fill="hold">
-                            <p:stCondLst>
-                              <p:cond delay="0"/>
-                            </p:stCondLst>
-                            <p:childTnLst>
-                              <p:par>
-                                <p:cTn id="5" presetID="10" presetClass="entr" presetSubtype="0" fill="hold" grpId="0" nodeType="clickEffect">
-                                  <p:stCondLst>
-                                    <p:cond delay="0"/>
-                                  </p:stCondLst>
-                                  <p:childTnLst>
-                                    <p:set>
-                                      <p:cBhvr>
-                                        <p:cTn id="6" dur="1" fill="hold">
-                                          <p:stCondLst>
-                                            <p:cond delay="0"/>
-                                          </p:stCondLst>
-                                        </p:cTn>
-                                        <p:tgtEl>
-                                          <p:spTgt spid="3">
-                                            <p:txEl>
-                                              <p:pRg st="0" end="0"/>
-                                            </p:txEl>
-                                          </p:spTgt>
-                                        </p:tgtEl>
-                                        <p:attrNameLst>
-                                          <p:attrName>style.visibility</p:attrName>
-                                        </p:attrNameLst>
-                                      </p:cBhvr>
-                                      <p:to>
-                                        <p:strVal val="visible"/>
-                                      </p:to>
-                                    </p:set>
-                                    <p:animEffect transition="in" filter="fade">
-                                      <p:cBhvr>
-                                        <p:cTn id="7" dur="500"/>
-                                        <p:tgtEl>
-                                          <p:spTgt spid="3">
-                                            <p:txEl>
-                                              <p:pRg st="0" end="0"/>
-                                            </p:txEl>
-                                          </p:spTgt>
-                                        </p:tgtEl>
-                                      </p:cBhvr>
-                                    </p:animEffect>
-                                  </p:childTnLst>
-                                </p:cTn>
-                              </p:par>
-                            </p:childTnLst>
-                          </p:cTn>
-                        </p:par>
-                      </p:childTnLst>
-                    </p:cTn>
-                  </p:par>
-                  <p:par>
-                    <p:cTn id="8" fill="hold">
-                      <p:stCondLst>
-                        <p:cond delay="indefinite"/>
-                      </p:stCondLst>
-                      <p:childTnLst>
-                        <p:par>
-                          <p:cTn id="9" fill="hold">
-                            <p:stCondLst>
-                              <p:cond delay="0"/>
-                            </p:stCondLst>
-                            <p:childTnLst>
-                              <p:par>
-                                <p:cTn id="10" presetID="10" presetClass="entr" presetSubtype="0" fill="hold" grpId="0" nodeType="clickEffect">
-                                  <p:stCondLst>
-                                    <p:cond delay="0"/>
-                                  </p:stCondLst>
-                                  <p:childTnLst>
-                                    <p:set>
-                                      <p:cBhvr>
-                                        <p:cTn id="11" dur="1" fill="hold">
-                                          <p:stCondLst>
-                                            <p:cond delay="0"/>
-                                          </p:stCondLst>
-                                        </p:cTn>
-                                        <p:tgtEl>
-                                          <p:spTgt spid="3">
-                                            <p:txEl>
-                                              <p:pRg st="2" end="2"/>
-                                            </p:txEl>
-                                          </p:spTgt>
-                                        </p:tgtEl>
-                                        <p:attrNameLst>
-                                          <p:attrName>style.visibility</p:attrName>
-                                        </p:attrNameLst>
-                                      </p:cBhvr>
-                                      <p:to>
-                                        <p:strVal val="visible"/>
-                                      </p:to>
-                                    </p:set>
-                                    <p:animEffect transition="in" filter="fade">
-                                      <p:cBhvr>
-                                        <p:cTn id="12" dur="500"/>
-                                        <p:tgtEl>
-                                          <p:spTgt spid="3">
-                                            <p:txEl>
-                                              <p:pRg st="2" end="2"/>
-                                            </p:txEl>
-                                          </p:spTgt>
-                                        </p:tgtEl>
-                                      </p:cBhvr>
-                                    </p:animEffect>
-                                  </p:childTnLst>
-                                </p:cTn>
-                              </p:par>
-                            </p:childTnLst>
-                          </p:cTn>
-                        </p:par>
-                      </p:childTnLst>
-                    </p:cTn>
-                  </p:par>
-                  <p:par>
-                    <p:cTn id="13" fill="hold">
-                      <p:stCondLst>
-                        <p:cond delay="indefinite"/>
-                      </p:stCondLst>
-                      <p:childTnLst>
-                        <p:par>
-                          <p:cTn id="14" fill="hold">
-                            <p:stCondLst>
-                              <p:cond delay="0"/>
-                            </p:stCondLst>
-                            <p:childTnLst>
-                              <p:par>
-                                <p:cTn id="15" presetID="10" presetClass="entr" presetSubtype="0" fill="hold" grpId="0" nodeType="clickEffect">
-                                  <p:stCondLst>
-                                    <p:cond delay="0"/>
-                                  </p:stCondLst>
-                                  <p:childTnLst>
-                                    <p:set>
-                                      <p:cBhvr>
-                                        <p:cTn id="16" dur="1" fill="hold">
-                                          <p:stCondLst>
-                                            <p:cond delay="0"/>
-                                          </p:stCondLst>
-                                        </p:cTn>
-                                        <p:tgtEl>
-                                          <p:spTgt spid="3">
-                                            <p:txEl>
-                                              <p:pRg st="3" end="3"/>
-                                            </p:txEl>
-                                          </p:spTgt>
-                                        </p:tgtEl>
-                                        <p:attrNameLst>
-                                          <p:attrName>style.visibility</p:attrName>
-                                        </p:attrNameLst>
-                                      </p:cBhvr>
-                                      <p:to>
-                                        <p:strVal val="visible"/>
-                                      </p:to>
-                                    </p:set>
-                                    <p:animEffect transition="in" filter="fade">
-                                      <p:cBhvr>
-                                        <p:cTn id="17" dur="500"/>
-                                        <p:tgtEl>
-                                          <p:spTgt spid="3">
-                                            <p:txEl>
-                                              <p:pRg st="3" end="3"/>
-                                            </p:txEl>
-                                          </p:spTgt>
-                                        </p:tgtEl>
-                                      </p:cBhvr>
-                                    </p:animEffect>
-                                  </p:childTnLst>
-                                </p:cTn>
-                              </p:par>
-                            </p:childTnLst>
-                          </p:cTn>
-                        </p:par>
-                      </p:childTnLst>
-                    </p:cTn>
-                  </p:par>
-                  <p:par>
-                    <p:cTn id="18" fill="hold">
-                      <p:stCondLst>
-                        <p:cond delay="indefinite"/>
-                      </p:stCondLst>
-                      <p:childTnLst>
-                        <p:par>
-                          <p:cTn id="19" fill="hold">
-                            <p:stCondLst>
-                              <p:cond delay="0"/>
-                            </p:stCondLst>
-                            <p:childTnLst>
-                              <p:par>
-                                <p:cTn id="20" presetID="10" presetClass="entr" presetSubtype="0" fill="hold" grpId="0" nodeType="clickEffect">
-                                  <p:stCondLst>
-                                    <p:cond delay="0"/>
-                                  </p:stCondLst>
-                                  <p:childTnLst>
-                                    <p:set>
-                                      <p:cBhvr>
-                                        <p:cTn id="21" dur="1" fill="hold">
-                                          <p:stCondLst>
-                                            <p:cond delay="0"/>
-                                          </p:stCondLst>
-                                        </p:cTn>
-                                        <p:tgtEl>
-                                          <p:spTgt spid="3">
-                                            <p:txEl>
-                                              <p:pRg st="4" end="4"/>
-                                            </p:txEl>
-                                          </p:spTgt>
-                                        </p:tgtEl>
-                                        <p:attrNameLst>
-                                          <p:attrName>style.visibility</p:attrName>
-                                        </p:attrNameLst>
-                                      </p:cBhvr>
-                                      <p:to>
-                                        <p:strVal val="visible"/>
-                                      </p:to>
-                                    </p:set>
-                                    <p:animEffect transition="in" filter="fade">
-                                      <p:cBhvr>
-                                        <p:cTn id="22" dur="500"/>
-                                        <p:tgtEl>
-                                          <p:spTgt spid="3">
-                                            <p:txEl>
-                                              <p:pRg st="4" end="4"/>
-                                            </p:txEl>
-                                          </p:spTgt>
-                                        </p:tgtEl>
-                                      </p:cBhvr>
-                                    </p:animEffect>
-                                  </p:childTnLst>
-                                </p:cTn>
-                              </p:par>
-                            </p:childTnLst>
-                          </p:cTn>
-                        </p:par>
-                      </p:childTnLst>
-                    </p:cTn>
-                  </p:par>
-                  <p:par>
-                    <p:cTn id="23" fill="hold">
-                      <p:stCondLst>
-                        <p:cond delay="indefinite"/>
-                      </p:stCondLst>
-                      <p:childTnLst>
-                        <p:par>
-                          <p:cTn id="24" fill="hold">
-                            <p:stCondLst>
-                              <p:cond delay="0"/>
-                            </p:stCondLst>
-                            <p:childTnLst>
-                              <p:par>
-                                <p:cTn id="25" presetID="10" presetClass="entr" presetSubtype="0" fill="hold" grpId="0" nodeType="clickEffect">
-                                  <p:stCondLst>
-                                    <p:cond delay="0"/>
-                                  </p:stCondLst>
-                                  <p:childTnLst>
-                                    <p:set>
-                                      <p:cBhvr>
-                                        <p:cTn id="26" dur="1" fill="hold">
-                                          <p:stCondLst>
-                                            <p:cond delay="0"/>
-                                          </p:stCondLst>
-                                        </p:cTn>
-                                        <p:tgtEl>
-                                          <p:spTgt spid="3">
-                                            <p:txEl>
-                                              <p:pRg st="5" end="5"/>
-                                            </p:txEl>
-                                          </p:spTgt>
-                                        </p:tgtEl>
-                                        <p:attrNameLst>
-                                          <p:attrName>style.visibility</p:attrName>
-                                        </p:attrNameLst>
-                                      </p:cBhvr>
-                                      <p:to>
-                                        <p:strVal val="visible"/>
-                                      </p:to>
-                                    </p:set>
-                                    <p:animEffect transition="in" filter="fade">
-                                      <p:cBhvr>
-                                        <p:cTn id="27" dur="500"/>
-                                        <p:tgtEl>
-                                          <p:spTgt spid="3">
-                                            <p:txEl>
-                                              <p:pRg st="5" end="5"/>
-                                            </p:txEl>
-                                          </p:spTgt>
-                                        </p:tgtEl>
-                                      </p:cBhvr>
-                                    </p:animEffect>
-                                  </p:childTnLst>
-                                </p:cTn>
-                              </p:par>
-                              <p:par>
-                                <p:cTn id="28" presetID="10" presetClass="entr" presetSubtype="0" fill="hold" grpId="0" nodeType="withEffect">
-                                  <p:stCondLst>
-                                    <p:cond delay="0"/>
-                                  </p:stCondLst>
-                                  <p:childTnLst>
-                                    <p:set>
-                                      <p:cBhvr>
-                                        <p:cTn id="29" dur="1" fill="hold">
-                                          <p:stCondLst>
-                                            <p:cond delay="0"/>
-                                          </p:stCondLst>
-                                        </p:cTn>
-                                        <p:tgtEl>
-                                          <p:spTgt spid="3">
-                                            <p:txEl>
-                                              <p:pRg st="6" end="6"/>
-                                            </p:txEl>
-                                          </p:spTgt>
-                                        </p:tgtEl>
-                                        <p:attrNameLst>
-                                          <p:attrName>style.visibility</p:attrName>
-                                        </p:attrNameLst>
-                                      </p:cBhvr>
-                                      <p:to>
-                                        <p:strVal val="visible"/>
-                                      </p:to>
-                                    </p:set>
-                                    <p:animEffect transition="in" filter="fade">
-                                      <p:cBhvr>
-                                        <p:cTn id="30" dur="500"/>
-                                        <p:tgtEl>
-                                          <p:spTgt spid="3">
-                                            <p:txEl>
-                                              <p:pRg st="6" end="6"/>
-                                            </p:txEl>
-                                          </p:spTgt>
-                                        </p:tgtEl>
-                                      </p:cBhvr>
-                                    </p:animEffect>
-                                  </p:childTnLst>
-                                </p:cTn>
-                              </p:par>
-                              <p:par>
-                                <p:cTn id="31" presetID="10" presetClass="entr" presetSubtype="0" fill="hold" grpId="0" nodeType="withEffect">
-                                  <p:stCondLst>
-                                    <p:cond delay="0"/>
-                                  </p:stCondLst>
-                                  <p:childTnLst>
-                                    <p:set>
-                                      <p:cBhvr>
-                                        <p:cTn id="32" dur="1" fill="hold">
-                                          <p:stCondLst>
-                                            <p:cond delay="0"/>
-                                          </p:stCondLst>
-                                        </p:cTn>
-                                        <p:tgtEl>
-                                          <p:spTgt spid="3">
-                                            <p:txEl>
-                                              <p:pRg st="7" end="7"/>
-                                            </p:txEl>
-                                          </p:spTgt>
-                                        </p:tgtEl>
-                                        <p:attrNameLst>
-                                          <p:attrName>style.visibility</p:attrName>
-                                        </p:attrNameLst>
-                                      </p:cBhvr>
-                                      <p:to>
-                                        <p:strVal val="visible"/>
-                                      </p:to>
-                                    </p:set>
-                                    <p:animEffect transition="in" filter="fade">
-                                      <p:cBhvr>
-                                        <p:cTn id="33" dur="500"/>
-                                        <p:tgtEl>
-                                          <p:spTgt spid="3">
-                                            <p:txEl>
-                                              <p:pRg st="7" end="7"/>
-                                            </p:txEl>
-                                          </p:spTgt>
-                                        </p:tgtEl>
-                                      </p:cBhvr>
-                                    </p:animEffect>
-                                  </p:childTnLst>
-                                </p:cTn>
-                              </p:par>
-                              <p:par>
-                                <p:cTn id="34" presetID="10" presetClass="entr" presetSubtype="0" fill="hold" grpId="0" nodeType="withEffect">
-                                  <p:stCondLst>
-                                    <p:cond delay="0"/>
-                                  </p:stCondLst>
-                                  <p:childTnLst>
-                                    <p:set>
-                                      <p:cBhvr>
-                                        <p:cTn id="35" dur="1" fill="hold">
-                                          <p:stCondLst>
-                                            <p:cond delay="0"/>
-                                          </p:stCondLst>
-                                        </p:cTn>
-                                        <p:tgtEl>
-                                          <p:spTgt spid="3">
-                                            <p:txEl>
-                                              <p:pRg st="8" end="8"/>
-                                            </p:txEl>
-                                          </p:spTgt>
-                                        </p:tgtEl>
-                                        <p:attrNameLst>
-                                          <p:attrName>style.visibility</p:attrName>
-                                        </p:attrNameLst>
-                                      </p:cBhvr>
-                                      <p:to>
-                                        <p:strVal val="visible"/>
-                                      </p:to>
-                                    </p:set>
-                                    <p:animEffect transition="in" filter="fade">
-                                      <p:cBhvr>
-                                        <p:cTn id="36" dur="500"/>
-                                        <p:tgtEl>
-                                          <p:spTgt spid="3">
-                                            <p:txEl>
-                                              <p:pRg st="8" end="8"/>
-                                            </p:txEl>
-                                          </p:spTgt>
-                                        </p:tgtEl>
-                                      </p:cBhvr>
-                                    </p:animEffect>
-                                  </p:childTnLst>
-                                </p:cTn>
-                              </p:par>
-                            </p:childTnLst>
-                          </p:cTn>
-                        </p:par>
-                      </p:childTnLst>
-                    </p:cTn>
-                  </p:par>
-                </p:childTnLst>
-              </p:cTn>
-              <p:prevCondLst>
-                <p:cond evt="onPrev" delay="0">
-                  <p:tgtEl>
-                    <p:sldTgt/>
-                  </p:tgtEl>
-                </p:cond>
-              </p:prevCondLst>
-              <p:nextCondLst>
-                <p:cond evt="onNext" delay="0">
-                  <p:tgtEl>
-                    <p:sldTgt/>
-                  </p:tgtEl>
-                </p:cond>
-              </p:nextCondLst>
-            </p:seq>
-          </p:childTnLst>
-        </p:cTn>
-      </p:par>
-    </p:tnLst>
-    <p:bldLst>
-      <p:bldP spid="3" grpId="0" build="p"/>
-    </p:bldLst>
-  </p:timing>
-</p:sld>
-</file>
-
-<file path=ppt/slides/slide4.xml><?xml version="1.0" encoding="utf-8"?>
-<p:sld xmlns:a="http://schemas.openxmlformats.org/drawingml/2006/main" xmlns:r="http://schemas.openxmlformats.org/officeDocument/2006/relationships" xmlns:p="http://schemas.openxmlformats.org/presentationml/2006/main">
-  <p:cSld>
-    <p:spTree>
-      <p:nvGrpSpPr>
-        <p:cNvPr id="1" name=""/>
-        <p:cNvGrpSpPr/>
-        <p:nvPr/>
-      </p:nvGrpSpPr>
-      <p:grpSpPr>
-        <a:xfrm>
-          <a:off x="0" y="0"/>
-          <a:ext cx="0" cy="0"/>
-          <a:chOff x="0" y="0"/>
-          <a:chExt cx="0" cy="0"/>
-        </a:xfrm>
-      </p:grpSpPr>
-      <p:sp>
-        <p:nvSpPr>
-          <p:cNvPr id="3" name="Substituent conținut 2">
-            <a:extLst>
-              <a:ext uri="{FF2B5EF4-FFF2-40B4-BE49-F238E27FC236}">
-                <a16:creationId xmlns:a16="http://schemas.microsoft.com/office/drawing/2014/main" id="{D16CE89E-4AD8-72F8-C35E-23D4BB9AE332}"/>
-              </a:ext>
-            </a:extLst>
-          </p:cNvPr>
-          <p:cNvSpPr>
-            <a:spLocks noGrp="1"/>
-          </p:cNvSpPr>
-          <p:nvPr>
-            <p:ph idx="1"/>
-          </p:nvPr>
-        </p:nvSpPr>
-        <p:spPr>
-          <a:xfrm>
-            <a:off x="685800" y="1173480"/>
-            <a:ext cx="11170920" cy="5045205"/>
-          </a:xfrm>
-        </p:spPr>
-        <p:txBody>
-          <a:bodyPr/>
-          <a:lstStyle/>
-          <a:p>
-            <a:pPr marL="457200" lvl="1" indent="0">
-              <a:buNone/>
-            </a:pPr>
-            <a:endParaRPr lang="en-US" dirty="0"/>
-          </a:p>
-          <a:p>
-            <a:pPr marL="0" indent="0">
-              <a:buNone/>
-            </a:pPr>
-            <a:r>
-              <a:rPr lang="en-US" dirty="0"/>
-              <a:t>Forma </a:t>
-            </a:r>
-            <a:r>
-              <a:rPr lang="en-US" dirty="0" err="1"/>
-              <a:t>este</a:t>
-            </a:r>
-            <a:r>
-              <a:rPr lang="en-US" dirty="0"/>
-              <a:t> </a:t>
-            </a:r>
-            <a:r>
-              <a:rPr lang="en-US" dirty="0" err="1"/>
-              <a:t>desenată</a:t>
-            </a:r>
-            <a:r>
-              <a:rPr lang="en-US" dirty="0"/>
-              <a:t> pixel cu pixel </a:t>
-            </a:r>
-            <a:r>
-              <a:rPr lang="en-US" dirty="0" err="1"/>
-              <a:t>folosind</a:t>
-            </a:r>
-            <a:r>
-              <a:rPr lang="en-US" dirty="0"/>
-              <a:t> INT 10h / AH=0Ch.</a:t>
-            </a:r>
-          </a:p>
-          <a:p>
-            <a:pPr marL="0" indent="0">
-              <a:buNone/>
-            </a:pPr>
-            <a:r>
-              <a:rPr lang="en-US" dirty="0" err="1"/>
-              <a:t>Programul</a:t>
-            </a:r>
-            <a:r>
-              <a:rPr lang="en-US" dirty="0"/>
-              <a:t> </a:t>
-            </a:r>
-            <a:r>
-              <a:rPr lang="en-US" dirty="0" err="1"/>
-              <a:t>funcționează</a:t>
-            </a:r>
-            <a:r>
-              <a:rPr lang="en-US" dirty="0"/>
-              <a:t> </a:t>
-            </a:r>
-            <a:r>
-              <a:rPr lang="en-US" dirty="0" err="1"/>
-              <a:t>într</a:t>
-            </a:r>
-            <a:r>
-              <a:rPr lang="en-US" dirty="0"/>
-              <a:t>-un mod </a:t>
-            </a:r>
-            <a:r>
-              <a:rPr lang="en-US" dirty="0" err="1"/>
-              <a:t>grafic</a:t>
-            </a:r>
-            <a:r>
-              <a:rPr lang="en-US" dirty="0"/>
-              <a:t> </a:t>
-            </a:r>
-            <a:r>
-              <a:rPr lang="en-US" dirty="0" err="1"/>
-              <a:t>simplu</a:t>
-            </a:r>
-            <a:r>
-              <a:rPr lang="en-US" dirty="0"/>
-              <a:t>, 320x200 </a:t>
-            </a:r>
-            <a:r>
-              <a:rPr lang="en-US" dirty="0" err="1"/>
-              <a:t>pixeli</a:t>
-            </a:r>
-            <a:r>
-              <a:rPr lang="en-US" dirty="0"/>
-              <a:t>, </a:t>
-            </a:r>
-            <a:r>
-              <a:rPr lang="en-US" dirty="0" err="1"/>
-              <a:t>unde</a:t>
-            </a:r>
-            <a:r>
-              <a:rPr lang="en-US" dirty="0"/>
-              <a:t> </a:t>
-            </a:r>
-            <a:r>
-              <a:rPr lang="en-US" dirty="0" err="1"/>
-              <a:t>fiecare</a:t>
-            </a:r>
-            <a:r>
-              <a:rPr lang="en-US" dirty="0"/>
-              <a:t> pixel are o </a:t>
-            </a:r>
-            <a:r>
-              <a:rPr lang="en-US" dirty="0" err="1"/>
-              <a:t>valoare</a:t>
-            </a:r>
-            <a:r>
-              <a:rPr lang="en-US" dirty="0"/>
-              <a:t> de </a:t>
-            </a:r>
-            <a:r>
-              <a:rPr lang="en-US" dirty="0" err="1"/>
-              <a:t>culoare</a:t>
-            </a:r>
-            <a:r>
-              <a:rPr lang="en-US" dirty="0"/>
-              <a:t> </a:t>
-            </a:r>
-            <a:r>
-              <a:rPr lang="en-US" dirty="0" err="1"/>
-              <a:t>între</a:t>
-            </a:r>
-            <a:r>
-              <a:rPr lang="en-US" dirty="0"/>
-              <a:t> 0 </a:t>
-            </a:r>
-            <a:r>
-              <a:rPr lang="en-US" dirty="0" err="1"/>
-              <a:t>și</a:t>
-            </a:r>
-            <a:r>
-              <a:rPr lang="en-US" dirty="0"/>
-              <a:t> 255.</a:t>
-            </a:r>
-            <a:br>
-              <a:rPr lang="en-US" dirty="0"/>
-            </a:br>
-            <a:r>
-              <a:rPr lang="en-US" dirty="0" err="1"/>
-              <a:t>Fiecare</a:t>
-            </a:r>
-            <a:r>
-              <a:rPr lang="en-US" dirty="0"/>
-              <a:t> </a:t>
-            </a:r>
-            <a:r>
-              <a:rPr lang="en-US" dirty="0" err="1"/>
-              <a:t>formă</a:t>
-            </a:r>
-            <a:r>
-              <a:rPr lang="en-US" dirty="0"/>
-              <a:t> se </a:t>
-            </a:r>
-            <a:r>
-              <a:rPr lang="en-US" dirty="0" err="1"/>
-              <a:t>desenează</a:t>
-            </a:r>
-            <a:r>
-              <a:rPr lang="en-US" dirty="0"/>
-              <a:t> </a:t>
-            </a:r>
-            <a:r>
-              <a:rPr lang="en-US" dirty="0" err="1"/>
-              <a:t>printr</a:t>
-            </a:r>
-            <a:r>
-              <a:rPr lang="en-US" dirty="0"/>
-              <a:t>-un </a:t>
-            </a:r>
-            <a:r>
-              <a:rPr lang="en-US" dirty="0" err="1"/>
-              <a:t>apel</a:t>
-            </a:r>
-            <a:r>
-              <a:rPr lang="en-US" dirty="0"/>
-              <a:t> la o </a:t>
-            </a:r>
-            <a:r>
-              <a:rPr lang="en-US" dirty="0" err="1"/>
-              <a:t>întrerupere</a:t>
-            </a:r>
-            <a:r>
-              <a:rPr lang="en-US" dirty="0"/>
-              <a:t> video, care </a:t>
-            </a:r>
-            <a:r>
-              <a:rPr lang="en-US" dirty="0" err="1"/>
-              <a:t>colorează</a:t>
-            </a:r>
-            <a:r>
-              <a:rPr lang="en-US" dirty="0"/>
-              <a:t> un </a:t>
-            </a:r>
-            <a:r>
-              <a:rPr lang="en-US" dirty="0" err="1"/>
-              <a:t>singur</a:t>
-            </a:r>
-            <a:r>
-              <a:rPr lang="en-US" dirty="0"/>
-              <a:t> pixel.</a:t>
-            </a:r>
-            <a:br>
-              <a:rPr lang="en-US" dirty="0"/>
-            </a:br>
-            <a:r>
-              <a:rPr lang="en-US" dirty="0" err="1"/>
-              <a:t>Pentru</a:t>
-            </a:r>
-            <a:r>
-              <a:rPr lang="en-US" dirty="0"/>
-              <a:t> a </a:t>
-            </a:r>
-            <a:r>
-              <a:rPr lang="en-US" dirty="0" err="1"/>
-              <a:t>desena</a:t>
-            </a:r>
-            <a:r>
-              <a:rPr lang="en-US" dirty="0"/>
-              <a:t> o </a:t>
-            </a:r>
-            <a:r>
-              <a:rPr lang="en-US" dirty="0" err="1"/>
-              <a:t>linie</a:t>
-            </a:r>
-            <a:r>
-              <a:rPr lang="en-US" dirty="0"/>
-              <a:t> </a:t>
-            </a:r>
-            <a:r>
-              <a:rPr lang="en-US" dirty="0" err="1"/>
-              <a:t>sau</a:t>
-            </a:r>
-            <a:r>
-              <a:rPr lang="en-US" dirty="0"/>
-              <a:t> un </a:t>
-            </a:r>
-            <a:r>
-              <a:rPr lang="en-US" dirty="0" err="1"/>
-              <a:t>pătrat</a:t>
-            </a:r>
-            <a:r>
-              <a:rPr lang="en-US" dirty="0"/>
-              <a:t>, </a:t>
-            </a:r>
-            <a:r>
-              <a:rPr lang="en-US" dirty="0" err="1"/>
-              <a:t>programul</a:t>
-            </a:r>
-            <a:r>
-              <a:rPr lang="en-US" dirty="0"/>
-              <a:t> </a:t>
-            </a:r>
-            <a:r>
-              <a:rPr lang="en-US" dirty="0" err="1"/>
-              <a:t>repetă</a:t>
-            </a:r>
-            <a:r>
-              <a:rPr lang="en-US" dirty="0"/>
-              <a:t> </a:t>
-            </a:r>
-            <a:r>
-              <a:rPr lang="en-US" dirty="0" err="1"/>
-              <a:t>aceste</a:t>
-            </a:r>
-            <a:r>
-              <a:rPr lang="en-US" dirty="0"/>
-              <a:t> </a:t>
-            </a:r>
-            <a:r>
-              <a:rPr lang="en-US" dirty="0" err="1"/>
-              <a:t>apeluri</a:t>
-            </a:r>
-            <a:r>
-              <a:rPr lang="en-US" dirty="0"/>
-              <a:t> </a:t>
-            </a:r>
-            <a:r>
-              <a:rPr lang="en-US" dirty="0" err="1"/>
-              <a:t>în</a:t>
-            </a:r>
-            <a:r>
-              <a:rPr lang="en-US" dirty="0"/>
-              <a:t> </a:t>
-            </a:r>
-            <a:r>
-              <a:rPr lang="en-US" dirty="0" err="1"/>
-              <a:t>buclă</a:t>
-            </a:r>
-            <a:r>
-              <a:rPr lang="en-US" dirty="0"/>
-              <a:t>, </a:t>
-            </a:r>
-            <a:r>
-              <a:rPr lang="en-US" dirty="0" err="1"/>
-              <a:t>calculând</a:t>
-            </a:r>
-            <a:r>
-              <a:rPr lang="en-US" dirty="0"/>
-              <a:t> </a:t>
-            </a:r>
-            <a:r>
-              <a:rPr lang="en-US" dirty="0" err="1"/>
-              <a:t>pozițiile</a:t>
-            </a:r>
-            <a:r>
-              <a:rPr lang="en-US" dirty="0"/>
-              <a:t> </a:t>
-            </a:r>
-            <a:r>
-              <a:rPr lang="en-US" dirty="0" err="1"/>
-              <a:t>corecte</a:t>
-            </a:r>
-            <a:r>
-              <a:rPr lang="en-US" dirty="0"/>
-              <a:t> ale </a:t>
-            </a:r>
-            <a:r>
-              <a:rPr lang="en-US" dirty="0" err="1"/>
-              <a:t>pixelilor</a:t>
-            </a:r>
-            <a:r>
-              <a:rPr lang="en-US" dirty="0"/>
-              <a:t>.</a:t>
-            </a:r>
-            <a:br>
-              <a:rPr lang="en-US" dirty="0"/>
-            </a:br>
-            <a:r>
-              <a:rPr lang="en-US" dirty="0" err="1"/>
-              <a:t>Totul</a:t>
-            </a:r>
-            <a:r>
-              <a:rPr lang="en-US" dirty="0"/>
-              <a:t> </a:t>
-            </a:r>
-            <a:r>
-              <a:rPr lang="en-US" dirty="0" err="1"/>
-              <a:t>este</a:t>
-            </a:r>
-            <a:r>
-              <a:rPr lang="en-US" dirty="0"/>
-              <a:t> </a:t>
-            </a:r>
-            <a:r>
-              <a:rPr lang="en-US" dirty="0" err="1"/>
-              <a:t>controlat</a:t>
-            </a:r>
-            <a:r>
-              <a:rPr lang="en-US" dirty="0"/>
-              <a:t> de </a:t>
-            </a:r>
-            <a:r>
-              <a:rPr lang="en-US" dirty="0" err="1"/>
-              <a:t>utilizator</a:t>
-            </a:r>
-            <a:r>
-              <a:rPr lang="en-US" dirty="0"/>
-              <a:t> </a:t>
-            </a:r>
-            <a:r>
-              <a:rPr lang="en-US" dirty="0" err="1"/>
-              <a:t>printr</a:t>
-            </a:r>
-            <a:r>
-              <a:rPr lang="en-US" dirty="0"/>
-              <a:t>-un </a:t>
-            </a:r>
-            <a:r>
-              <a:rPr lang="en-US" dirty="0" err="1"/>
-              <a:t>meniu</a:t>
-            </a:r>
-            <a:r>
-              <a:rPr lang="en-US" dirty="0"/>
-              <a:t> text.</a:t>
-            </a:r>
-          </a:p>
-          <a:p>
-            <a:endParaRPr lang="en-US" dirty="0"/>
-          </a:p>
-        </p:txBody>
-      </p:sp>
-    </p:spTree>
-    <p:extLst>
-      <p:ext uri="{BB962C8B-B14F-4D97-AF65-F5344CB8AC3E}">
-        <p14:creationId xmlns:p14="http://schemas.microsoft.com/office/powerpoint/2010/main" val="267052179"/>
-      </p:ext>
-    </p:extLst>
-  </p:cSld>
-  <p:clrMapOvr>
-    <a:masterClrMapping/>
-  </p:clrMapOvr>
-  <mc:AlternateContent xmlns:mc="http://schemas.openxmlformats.org/markup-compatibility/2006" xmlns:p159="http://schemas.microsoft.com/office/powerpoint/2015/09/main">
-    <mc:Choice Requires="p159">
-      <p:transition xmlns:p14="http://schemas.microsoft.com/office/powerpoint/2010/main" spd="slow" p14:dur="2000">
-        <p159:morph option="byObject"/>
-      </p:transition>
-    </mc:Choice>
-    <mc:Fallback xmlns="">
-      <p:transition spd="slow">
-        <p:fade/>
-      </p:transition>
-    </mc:Fallback>
-  </mc:AlternateContent>
-  <p:timing>
-    <p:tnLst>
-      <p:par>
-        <p:cTn id="1" dur="indefinite" restart="never" nodeType="tmRoot">
-          <p:childTnLst>
-            <p:seq concurrent="1" nextAc="seek">
-              <p:cTn id="2" dur="indefinite" nodeType="mainSeq">
-                <p:childTnLst>
-                  <p:par>
-                    <p:cTn id="3" fill="hold">
-                      <p:stCondLst>
-                        <p:cond delay="indefinite"/>
-                      </p:stCondLst>
-                      <p:childTnLst>
-                        <p:par>
-                          <p:cTn id="4" fill="hold">
-                            <p:stCondLst>
-                              <p:cond delay="0"/>
-                            </p:stCondLst>
-                            <p:childTnLst>
-                              <p:par>
-                                <p:cTn id="5" presetID="10" presetClass="entr" presetSubtype="0" fill="hold" grpId="0" nodeType="clickEffect">
-                                  <p:stCondLst>
-                                    <p:cond delay="0"/>
-                                  </p:stCondLst>
-                                  <p:childTnLst>
-                                    <p:set>
-                                      <p:cBhvr>
-                                        <p:cTn id="6" dur="1" fill="hold">
-                                          <p:stCondLst>
-                                            <p:cond delay="0"/>
-                                          </p:stCondLst>
-                                        </p:cTn>
-                                        <p:tgtEl>
-                                          <p:spTgt spid="3">
-                                            <p:txEl>
-                                              <p:pRg st="1" end="1"/>
-                                            </p:txEl>
-                                          </p:spTgt>
-                                        </p:tgtEl>
-                                        <p:attrNameLst>
-                                          <p:attrName>style.visibility</p:attrName>
-                                        </p:attrNameLst>
-                                      </p:cBhvr>
-                                      <p:to>
-                                        <p:strVal val="visible"/>
-                                      </p:to>
-                                    </p:set>
-                                    <p:animEffect transition="in" filter="fade">
-                                      <p:cBhvr>
-                                        <p:cTn id="7" dur="500"/>
-                                        <p:tgtEl>
-                                          <p:spTgt spid="3">
-                                            <p:txEl>
-                                              <p:pRg st="1" end="1"/>
-                                            </p:txEl>
-                                          </p:spTgt>
-                                        </p:tgtEl>
-                                      </p:cBhvr>
-                                    </p:animEffect>
-                                  </p:childTnLst>
-                                </p:cTn>
-                              </p:par>
-                            </p:childTnLst>
-                          </p:cTn>
-                        </p:par>
-                      </p:childTnLst>
-                    </p:cTn>
-                  </p:par>
-                  <p:par>
-                    <p:cTn id="8" fill="hold">
-                      <p:stCondLst>
-                        <p:cond delay="indefinite"/>
-                      </p:stCondLst>
-                      <p:childTnLst>
-                        <p:par>
-                          <p:cTn id="9" fill="hold">
-                            <p:stCondLst>
-                              <p:cond delay="0"/>
-                            </p:stCondLst>
-                            <p:childTnLst>
-                              <p:par>
-                                <p:cTn id="10" presetID="10" presetClass="entr" presetSubtype="0" fill="hold" grpId="0" nodeType="clickEffect">
-                                  <p:stCondLst>
-                                    <p:cond delay="0"/>
-                                  </p:stCondLst>
-                                  <p:childTnLst>
-                                    <p:set>
-                                      <p:cBhvr>
-                                        <p:cTn id="11" dur="1" fill="hold">
-                                          <p:stCondLst>
-                                            <p:cond delay="0"/>
-                                          </p:stCondLst>
-                                        </p:cTn>
-                                        <p:tgtEl>
-                                          <p:spTgt spid="3">
-                                            <p:txEl>
-                                              <p:pRg st="2" end="2"/>
-                                            </p:txEl>
-                                          </p:spTgt>
-                                        </p:tgtEl>
-                                        <p:attrNameLst>
-                                          <p:attrName>style.visibility</p:attrName>
-                                        </p:attrNameLst>
-                                      </p:cBhvr>
-                                      <p:to>
-                                        <p:strVal val="visible"/>
-                                      </p:to>
-                                    </p:set>
-                                    <p:animEffect transition="in" filter="fade">
-                                      <p:cBhvr>
-                                        <p:cTn id="12" dur="500"/>
-                                        <p:tgtEl>
-                                          <p:spTgt spid="3">
-                                            <p:txEl>
-                                              <p:pRg st="2" end="2"/>
-                                            </p:txEl>
-                                          </p:spTgt>
-                                        </p:tgtEl>
-                                      </p:cBhvr>
-                                    </p:animEffect>
-                                  </p:childTnLst>
-                                </p:cTn>
-                              </p:par>
-                            </p:childTnLst>
-                          </p:cTn>
-                        </p:par>
-                      </p:childTnLst>
-                    </p:cTn>
-                  </p:par>
-                </p:childTnLst>
-              </p:cTn>
-              <p:prevCondLst>
-                <p:cond evt="onPrev" delay="0">
-                  <p:tgtEl>
-                    <p:sldTgt/>
-                  </p:tgtEl>
-                </p:cond>
-              </p:prevCondLst>
-              <p:nextCondLst>
-                <p:cond evt="onNext" delay="0">
-                  <p:tgtEl>
-                    <p:sldTgt/>
-                  </p:tgtEl>
-                </p:cond>
-              </p:nextCondLst>
-            </p:seq>
-          </p:childTnLst>
-        </p:cTn>
-      </p:par>
-    </p:tnLst>
-    <p:bldLst>
-      <p:bldP spid="3" grpId="0" build="p"/>
-    </p:bldLst>
-  </p:timing>
-</p:sld>
-</file>
-
-<file path=ppt/slides/slide5.xml><?xml version="1.0" encoding="utf-8"?>
-<p:sld xmlns:a="http://schemas.openxmlformats.org/drawingml/2006/main" xmlns:r="http://schemas.openxmlformats.org/officeDocument/2006/relationships" xmlns:p="http://schemas.openxmlformats.org/presentationml/2006/main">
-  <p:cSld>
-    <p:spTree>
-      <p:nvGrpSpPr>
-        <p:cNvPr id="1" name=""/>
-        <p:cNvGrpSpPr/>
-        <p:nvPr/>
-      </p:nvGrpSpPr>
-      <p:grpSpPr>
-        <a:xfrm>
-          <a:off x="0" y="0"/>
-          <a:ext cx="0" cy="0"/>
-          <a:chOff x="0" y="0"/>
-          <a:chExt cx="0" cy="0"/>
-        </a:xfrm>
-      </p:grpSpPr>
-      <p:sp>
-        <p:nvSpPr>
-          <p:cNvPr id="3" name="Substituent conținut 2">
-            <a:extLst>
-              <a:ext uri="{FF2B5EF4-FFF2-40B4-BE49-F238E27FC236}">
-                <a16:creationId xmlns:a16="http://schemas.microsoft.com/office/drawing/2014/main" id="{7C74F9ED-19E3-58EF-303A-A5CC63A9A5CE}"/>
-              </a:ext>
-            </a:extLst>
-          </p:cNvPr>
-          <p:cNvSpPr>
-            <a:spLocks noGrp="1"/>
-          </p:cNvSpPr>
-          <p:nvPr>
-            <p:ph idx="1"/>
-          </p:nvPr>
-        </p:nvSpPr>
-        <p:spPr>
-          <a:xfrm>
-            <a:off x="320040" y="670559"/>
-            <a:ext cx="11551920" cy="5842327"/>
-          </a:xfrm>
-        </p:spPr>
-        <p:txBody>
-          <a:bodyPr>
-            <a:normAutofit/>
-          </a:bodyPr>
-          <a:lstStyle/>
-          <a:p>
-            <a:pPr marL="0" indent="0">
-              <a:buNone/>
-            </a:pPr>
-            <a:r>
-              <a:rPr lang="en-US" sz="4800" b="1" dirty="0" err="1"/>
-              <a:t>Structura</a:t>
-            </a:r>
-            <a:r>
-              <a:rPr lang="en-US" sz="4800" b="1" dirty="0"/>
-              <a:t> </a:t>
-            </a:r>
-            <a:r>
-              <a:rPr lang="en-US" sz="4800" b="1" dirty="0" err="1"/>
-              <a:t>și</a:t>
-            </a:r>
-            <a:r>
-              <a:rPr lang="en-US" sz="4800" b="1" dirty="0"/>
-              <a:t> </a:t>
-            </a:r>
-            <a:r>
-              <a:rPr lang="en-US" sz="4800" b="1" dirty="0" err="1"/>
-              <a:t>organizarea</a:t>
-            </a:r>
-            <a:r>
-              <a:rPr lang="en-US" sz="4800" b="1" dirty="0"/>
-              <a:t> </a:t>
-            </a:r>
-            <a:r>
-              <a:rPr lang="en-US" sz="4800" b="1" dirty="0" err="1"/>
-              <a:t>codului</a:t>
-            </a:r>
-            <a:endParaRPr lang="en-US" sz="4800" b="1" dirty="0"/>
-          </a:p>
-          <a:p>
-            <a:pPr marL="0" indent="0">
-              <a:buNone/>
-            </a:pPr>
-            <a:endParaRPr lang="en-US" sz="2000" b="1" dirty="0"/>
-          </a:p>
-          <a:p>
-            <a:pPr marL="0" indent="0">
-              <a:buNone/>
-            </a:pPr>
-            <a:r>
-              <a:rPr lang="en-US" dirty="0"/>
-              <a:t>Am </a:t>
-            </a:r>
-            <a:r>
-              <a:rPr lang="en-US" dirty="0" err="1"/>
-              <a:t>organizat</a:t>
-            </a:r>
-            <a:r>
-              <a:rPr lang="en-US" dirty="0"/>
-              <a:t> </a:t>
-            </a:r>
-            <a:r>
-              <a:rPr lang="en-US" dirty="0" err="1"/>
-              <a:t>proiectul</a:t>
-            </a:r>
-            <a:r>
-              <a:rPr lang="en-US" dirty="0"/>
-              <a:t> </a:t>
-            </a:r>
-            <a:r>
-              <a:rPr lang="en-US" dirty="0" err="1"/>
-              <a:t>în</a:t>
-            </a:r>
-            <a:r>
-              <a:rPr lang="en-US" dirty="0"/>
-              <a:t> </a:t>
-            </a:r>
-            <a:r>
-              <a:rPr lang="en-US" dirty="0" err="1"/>
-              <a:t>fișiere</a:t>
-            </a:r>
-            <a:r>
-              <a:rPr lang="en-US" dirty="0"/>
-              <a:t> separate </a:t>
-            </a:r>
-            <a:r>
-              <a:rPr lang="en-US" dirty="0" err="1"/>
-              <a:t>pentru</a:t>
-            </a:r>
-            <a:r>
-              <a:rPr lang="en-US" dirty="0"/>
-              <a:t> a </a:t>
-            </a:r>
-            <a:r>
-              <a:rPr lang="en-US" dirty="0" err="1"/>
-              <a:t>păstra</a:t>
-            </a:r>
-            <a:r>
-              <a:rPr lang="en-US" dirty="0"/>
-              <a:t> </a:t>
-            </a:r>
-            <a:r>
-              <a:rPr lang="en-US" dirty="0" err="1"/>
-              <a:t>claritatea</a:t>
-            </a:r>
-            <a:r>
-              <a:rPr lang="en-US" dirty="0"/>
-              <a:t> </a:t>
-            </a:r>
-            <a:r>
-              <a:rPr lang="en-US" dirty="0" err="1"/>
-              <a:t>codului</a:t>
-            </a:r>
-            <a:r>
-              <a:rPr lang="en-US" dirty="0"/>
-              <a:t>. </a:t>
-            </a:r>
-          </a:p>
-          <a:p>
-            <a:pPr marL="0" indent="0">
-              <a:buNone/>
-            </a:pPr>
-            <a:endParaRPr lang="en-US" sz="2400" dirty="0"/>
-          </a:p>
-          <a:p>
-            <a:pPr marL="0" indent="0">
-              <a:buNone/>
-            </a:pPr>
-            <a:r>
-              <a:rPr lang="en-US" sz="2400" dirty="0"/>
-              <a:t>MAIN.ASM – </a:t>
-            </a:r>
-            <a:r>
-              <a:rPr lang="en-US" sz="2400" dirty="0" err="1"/>
-              <a:t>programul</a:t>
-            </a:r>
-            <a:r>
-              <a:rPr lang="en-US" sz="2400" dirty="0"/>
-              <a:t> principal, </a:t>
-            </a:r>
-            <a:r>
-              <a:rPr lang="en-US" sz="2400" dirty="0" err="1"/>
-              <a:t>meniurile</a:t>
-            </a:r>
-            <a:r>
-              <a:rPr lang="en-US" sz="2400" dirty="0"/>
-              <a:t> </a:t>
-            </a:r>
-            <a:r>
-              <a:rPr lang="en-US" sz="2400" dirty="0" err="1"/>
-              <a:t>și</a:t>
-            </a:r>
-            <a:r>
-              <a:rPr lang="en-US" sz="2400" dirty="0"/>
-              <a:t> </a:t>
-            </a:r>
-            <a:r>
-              <a:rPr lang="en-US" sz="2400" dirty="0" err="1"/>
-              <a:t>logica</a:t>
-            </a:r>
-            <a:r>
-              <a:rPr lang="en-US" sz="2400" dirty="0"/>
-              <a:t> </a:t>
-            </a:r>
-            <a:r>
-              <a:rPr lang="en-US" sz="2400" dirty="0" err="1"/>
-              <a:t>generală</a:t>
-            </a:r>
-            <a:r>
-              <a:rPr lang="en-US" sz="2400" dirty="0"/>
-              <a:t>.</a:t>
-            </a:r>
-          </a:p>
-          <a:p>
-            <a:pPr marL="0" indent="0">
-              <a:buNone/>
-            </a:pPr>
-            <a:r>
-              <a:rPr lang="en-US" sz="2400" dirty="0"/>
-              <a:t>DATA.ASM – </a:t>
-            </a:r>
-            <a:r>
-              <a:rPr lang="en-US" sz="2400" dirty="0" err="1"/>
-              <a:t>constante</a:t>
-            </a:r>
-            <a:r>
-              <a:rPr lang="en-US" sz="2400" dirty="0"/>
-              <a:t>, </a:t>
-            </a:r>
-            <a:r>
-              <a:rPr lang="en-US" sz="2400" dirty="0" err="1"/>
-              <a:t>variabile</a:t>
-            </a:r>
-            <a:r>
-              <a:rPr lang="en-US" sz="2400" dirty="0"/>
-              <a:t> </a:t>
-            </a:r>
-            <a:r>
-              <a:rPr lang="en-US" sz="2400" dirty="0" err="1"/>
-              <a:t>și</a:t>
-            </a:r>
-            <a:r>
-              <a:rPr lang="en-US" sz="2400" dirty="0"/>
-              <a:t> </a:t>
-            </a:r>
-            <a:r>
-              <a:rPr lang="en-US" sz="2400" dirty="0" err="1"/>
-              <a:t>mesaje</a:t>
-            </a:r>
-            <a:r>
-              <a:rPr lang="en-US" sz="2400" dirty="0"/>
-              <a:t>.</a:t>
-            </a:r>
-          </a:p>
-          <a:p>
-            <a:pPr marL="0" indent="0">
-              <a:buNone/>
-            </a:pPr>
-            <a:r>
-              <a:rPr lang="en-US" sz="2400" dirty="0"/>
-              <a:t>IO.ASM – </a:t>
-            </a:r>
-            <a:r>
-              <a:rPr lang="en-US" sz="2400" dirty="0" err="1"/>
-              <a:t>funcții</a:t>
-            </a:r>
-            <a:r>
-              <a:rPr lang="en-US" sz="2400" dirty="0"/>
-              <a:t> </a:t>
-            </a:r>
-            <a:r>
-              <a:rPr lang="en-US" sz="2400" dirty="0" err="1"/>
-              <a:t>pentru</a:t>
-            </a:r>
-            <a:r>
-              <a:rPr lang="en-US" sz="2400" dirty="0"/>
-              <a:t> </a:t>
-            </a:r>
-            <a:r>
-              <a:rPr lang="en-US" sz="2400" dirty="0" err="1"/>
-              <a:t>citire</a:t>
-            </a:r>
-            <a:r>
-              <a:rPr lang="en-US" sz="2400" dirty="0"/>
-              <a:t> </a:t>
-            </a:r>
-            <a:r>
-              <a:rPr lang="en-US" sz="2400" dirty="0" err="1"/>
-              <a:t>și</a:t>
-            </a:r>
-            <a:r>
-              <a:rPr lang="en-US" sz="2400" dirty="0"/>
-              <a:t> </a:t>
-            </a:r>
-            <a:r>
-              <a:rPr lang="en-US" sz="2400" dirty="0" err="1"/>
-              <a:t>afișare</a:t>
-            </a:r>
-            <a:r>
-              <a:rPr lang="en-US" sz="2400" dirty="0"/>
-              <a:t> text.</a:t>
-            </a:r>
-          </a:p>
-          <a:p>
-            <a:pPr marL="0" indent="0">
-              <a:buNone/>
-            </a:pPr>
-            <a:r>
-              <a:rPr lang="en-US" sz="2400" dirty="0"/>
-              <a:t>INP.ASM – </a:t>
-            </a:r>
-            <a:r>
-              <a:rPr lang="en-US" sz="2400" dirty="0" err="1"/>
-              <a:t>conversii</a:t>
-            </a:r>
-            <a:r>
-              <a:rPr lang="en-US" sz="2400" dirty="0"/>
-              <a:t> </a:t>
-            </a:r>
-            <a:r>
-              <a:rPr lang="en-US" sz="2400" dirty="0" err="1"/>
-              <a:t>și</a:t>
-            </a:r>
-            <a:r>
-              <a:rPr lang="en-US" sz="2400" dirty="0"/>
-              <a:t> </a:t>
-            </a:r>
-            <a:r>
-              <a:rPr lang="en-US" sz="2400" dirty="0" err="1"/>
-              <a:t>validare</a:t>
-            </a:r>
-            <a:r>
-              <a:rPr lang="en-US" sz="2400" dirty="0"/>
-              <a:t> input numeric.</a:t>
-            </a:r>
-          </a:p>
-          <a:p>
-            <a:pPr marL="0" indent="0">
-              <a:buNone/>
-            </a:pPr>
-            <a:r>
-              <a:rPr lang="en-US" sz="2400" dirty="0"/>
-              <a:t>DRAWS.ASM – </a:t>
-            </a:r>
-            <a:r>
-              <a:rPr lang="en-US" sz="2400" dirty="0" err="1"/>
-              <a:t>desenarea</a:t>
-            </a:r>
-            <a:r>
-              <a:rPr lang="en-US" sz="2400" dirty="0"/>
-              <a:t> </a:t>
-            </a:r>
-            <a:r>
-              <a:rPr lang="en-US" sz="2400" dirty="0" err="1"/>
-              <a:t>pătratelor</a:t>
-            </a:r>
-            <a:r>
-              <a:rPr lang="en-US" sz="2400" dirty="0"/>
-              <a:t>.</a:t>
-            </a:r>
-          </a:p>
-          <a:p>
-            <a:pPr marL="0" indent="0">
-              <a:buNone/>
-            </a:pPr>
-            <a:r>
-              <a:rPr lang="en-US" sz="2400" dirty="0"/>
-              <a:t>DRAWL.ASM – </a:t>
-            </a:r>
-            <a:r>
-              <a:rPr lang="en-US" sz="2400" dirty="0" err="1"/>
-              <a:t>desenarea</a:t>
-            </a:r>
-            <a:r>
-              <a:rPr lang="en-US" sz="2400" dirty="0"/>
-              <a:t> </a:t>
-            </a:r>
-            <a:r>
-              <a:rPr lang="en-US" sz="2400" dirty="0" err="1"/>
-              <a:t>liniilor</a:t>
-            </a:r>
-            <a:r>
-              <a:rPr lang="en-US" sz="2400" dirty="0"/>
-              <a:t>.</a:t>
-            </a:r>
-          </a:p>
-          <a:p>
-            <a:pPr marL="0" indent="0">
-              <a:buNone/>
-            </a:pPr>
-            <a:r>
-              <a:rPr lang="en-US" sz="2400" dirty="0"/>
-              <a:t>MENU.ASM – </a:t>
-            </a:r>
-            <a:r>
-              <a:rPr lang="en-US" sz="2400" dirty="0" err="1"/>
-              <a:t>interfața</a:t>
-            </a:r>
-            <a:r>
-              <a:rPr lang="en-US" sz="2400" dirty="0"/>
-              <a:t> </a:t>
-            </a:r>
-            <a:r>
-              <a:rPr lang="en-US" sz="2400" dirty="0" err="1"/>
-              <a:t>utilizatorului</a:t>
-            </a:r>
-            <a:r>
-              <a:rPr lang="en-US" sz="2400" dirty="0"/>
-              <a:t>.</a:t>
-            </a:r>
-          </a:p>
-          <a:p>
-            <a:pPr marL="0" indent="0">
-              <a:buNone/>
-            </a:pPr>
-            <a:endParaRPr lang="en-US" b="1" dirty="0"/>
-          </a:p>
-          <a:p>
-            <a:pPr marL="0" indent="0">
-              <a:buNone/>
-            </a:pPr>
-            <a:endParaRPr lang="en-US" b="1" dirty="0"/>
-          </a:p>
-        </p:txBody>
-      </p:sp>
-    </p:spTree>
-    <p:extLst>
-      <p:ext uri="{BB962C8B-B14F-4D97-AF65-F5344CB8AC3E}">
-        <p14:creationId xmlns:p14="http://schemas.microsoft.com/office/powerpoint/2010/main" val="1869119558"/>
       </p:ext>
     </p:extLst>
   </p:cSld>
@@ -9553,33 +6962,15 @@
                                   </p:childTnLst>
                                 </p:cTn>
                               </p:par>
-                            </p:childTnLst>
-                          </p:cTn>
-                        </p:par>
-                      </p:childTnLst>
-                    </p:cTn>
-                  </p:par>
-                  <p:par>
-                    <p:cTn id="18" fill="hold">
-                      <p:stCondLst>
-                        <p:cond delay="indefinite"/>
-                      </p:stCondLst>
-                      <p:childTnLst>
-                        <p:par>
-                          <p:cTn id="19" fill="hold">
-                            <p:stCondLst>
-                              <p:cond delay="0"/>
-                            </p:stCondLst>
-                            <p:childTnLst>
                               <p:par>
-                                <p:cTn id="20" presetID="10" presetClass="entr" presetSubtype="0" fill="hold" grpId="0" nodeType="clickEffect">
+                                <p:cTn id="18" presetID="10" presetClass="entr" presetSubtype="0" fill="hold" grpId="0" nodeType="withEffect">
                                   <p:stCondLst>
                                     <p:cond delay="0"/>
                                   </p:stCondLst>
                                   <p:childTnLst>
                                     <p:set>
                                       <p:cBhvr>
-                                        <p:cTn id="21" dur="1" fill="hold">
+                                        <p:cTn id="19" dur="1" fill="hold">
                                           <p:stCondLst>
                                             <p:cond delay="0"/>
                                           </p:stCondLst>
@@ -9601,11 +6992,140 @@
                                     </p:set>
                                     <p:animEffect transition="in" filter="fade">
                                       <p:cBhvr>
-                                        <p:cTn id="22" dur="500"/>
+                                        <p:cTn id="20" dur="500"/>
                                         <p:tgtEl>
                                           <p:spTgt spid="3">
                                             <p:txEl>
                                               <p:pRg st="5" end="5"/>
+                                            </p:txEl>
+                                          </p:spTgt>
+                                        </p:tgtEl>
+                                      </p:cBhvr>
+                                    </p:animEffect>
+                                  </p:childTnLst>
+                                </p:cTn>
+                              </p:par>
+                              <p:par>
+                                <p:cTn id="21" presetID="10" presetClass="entr" presetSubtype="0" fill="hold" grpId="0" nodeType="withEffect">
+                                  <p:stCondLst>
+                                    <p:cond delay="0"/>
+                                  </p:stCondLst>
+                                  <p:childTnLst>
+                                    <p:set>
+                                      <p:cBhvr>
+                                        <p:cTn id="22" dur="1" fill="hold">
+                                          <p:stCondLst>
+                                            <p:cond delay="0"/>
+                                          </p:stCondLst>
+                                        </p:cTn>
+                                        <p:tgtEl>
+                                          <p:spTgt spid="3">
+                                            <p:txEl>
+                                              <p:pRg st="6" end="6"/>
+                                            </p:txEl>
+                                          </p:spTgt>
+                                        </p:tgtEl>
+                                        <p:attrNameLst>
+                                          <p:attrName>style.visibility</p:attrName>
+                                        </p:attrNameLst>
+                                      </p:cBhvr>
+                                      <p:to>
+                                        <p:strVal val="visible"/>
+                                      </p:to>
+                                    </p:set>
+                                    <p:animEffect transition="in" filter="fade">
+                                      <p:cBhvr>
+                                        <p:cTn id="23" dur="500"/>
+                                        <p:tgtEl>
+                                          <p:spTgt spid="3">
+                                            <p:txEl>
+                                              <p:pRg st="6" end="6"/>
+                                            </p:txEl>
+                                          </p:spTgt>
+                                        </p:tgtEl>
+                                      </p:cBhvr>
+                                    </p:animEffect>
+                                  </p:childTnLst>
+                                </p:cTn>
+                              </p:par>
+                              <p:par>
+                                <p:cTn id="24" presetID="10" presetClass="entr" presetSubtype="0" fill="hold" grpId="0" nodeType="withEffect">
+                                  <p:stCondLst>
+                                    <p:cond delay="0"/>
+                                  </p:stCondLst>
+                                  <p:childTnLst>
+                                    <p:set>
+                                      <p:cBhvr>
+                                        <p:cTn id="25" dur="1" fill="hold">
+                                          <p:stCondLst>
+                                            <p:cond delay="0"/>
+                                          </p:stCondLst>
+                                        </p:cTn>
+                                        <p:tgtEl>
+                                          <p:spTgt spid="3">
+                                            <p:txEl>
+                                              <p:pRg st="7" end="7"/>
+                                            </p:txEl>
+                                          </p:spTgt>
+                                        </p:tgtEl>
+                                        <p:attrNameLst>
+                                          <p:attrName>style.visibility</p:attrName>
+                                        </p:attrNameLst>
+                                      </p:cBhvr>
+                                      <p:to>
+                                        <p:strVal val="visible"/>
+                                      </p:to>
+                                    </p:set>
+                                    <p:animEffect transition="in" filter="fade">
+                                      <p:cBhvr>
+                                        <p:cTn id="26" dur="500"/>
+                                        <p:tgtEl>
+                                          <p:spTgt spid="3">
+                                            <p:txEl>
+                                              <p:pRg st="7" end="7"/>
+                                            </p:txEl>
+                                          </p:spTgt>
+                                        </p:tgtEl>
+                                      </p:cBhvr>
+                                    </p:animEffect>
+                                  </p:childTnLst>
+                                </p:cTn>
+                              </p:par>
+                              <p:par>
+                                <p:cTn id="27" presetID="10" presetClass="entr" presetSubtype="0" fill="hold" grpId="0" nodeType="withEffect">
+                                  <p:stCondLst>
+                                    <p:cond delay="0"/>
+                                  </p:stCondLst>
+                                  <p:childTnLst>
+                                    <p:set>
+                                      <p:cBhvr>
+                                        <p:cTn id="28" dur="1" fill="hold">
+                                          <p:stCondLst>
+                                            <p:cond delay="0"/>
+                                          </p:stCondLst>
+                                        </p:cTn>
+                                        <p:tgtEl>
+                                          <p:spTgt spid="3">
+                                            <p:txEl>
+                                              <p:pRg st="8" end="8"/>
+                                            </p:txEl>
+                                          </p:spTgt>
+                                        </p:tgtEl>
+                                        <p:attrNameLst>
+                                          <p:attrName>style.visibility</p:attrName>
+                                        </p:attrNameLst>
+                                      </p:cBhvr>
+                                      <p:to>
+                                        <p:strVal val="visible"/>
+                                      </p:to>
+                                    </p:set>
+                                    <p:animEffect transition="in" filter="fade">
+                                      <p:cBhvr>
+                                        <p:cTn id="29" dur="500"/>
+                                        <p:tgtEl>
+                                          <p:spTgt spid="3">
+                                            <p:txEl>
+                                              <p:pRg st="8" end="8"/>
                                             </p:txEl>
                                           </p:spTgt>
                                         </p:tgtEl>
@@ -9621,19 +7141,3883 @@
                     </p:cTn>
                   </p:par>
                   <p:par>
-                    <p:cTn id="23" fill="hold">
+                    <p:cTn id="30" fill="hold">
                       <p:stCondLst>
                         <p:cond delay="indefinite"/>
                       </p:stCondLst>
                       <p:childTnLst>
                         <p:par>
-                          <p:cTn id="24" fill="hold">
+                          <p:cTn id="31" fill="hold">
                             <p:stCondLst>
                               <p:cond delay="0"/>
                             </p:stCondLst>
                             <p:childTnLst>
                               <p:par>
-                                <p:cTn id="25" presetID="10" presetClass="entr" presetSubtype="0" fill="hold" grpId="0" nodeType="clickEffect">
+                                <p:cTn id="32" presetID="10" presetClass="entr" presetSubtype="0" fill="hold" grpId="0" nodeType="clickEffect">
+                                  <p:stCondLst>
+                                    <p:cond delay="0"/>
+                                  </p:stCondLst>
+                                  <p:childTnLst>
+                                    <p:set>
+                                      <p:cBhvr>
+                                        <p:cTn id="33" dur="1" fill="hold">
+                                          <p:stCondLst>
+                                            <p:cond delay="0"/>
+                                          </p:stCondLst>
+                                        </p:cTn>
+                                        <p:tgtEl>
+                                          <p:spTgt spid="3">
+                                            <p:txEl>
+                                              <p:pRg st="10" end="10"/>
+                                            </p:txEl>
+                                          </p:spTgt>
+                                        </p:tgtEl>
+                                        <p:attrNameLst>
+                                          <p:attrName>style.visibility</p:attrName>
+                                        </p:attrNameLst>
+                                      </p:cBhvr>
+                                      <p:to>
+                                        <p:strVal val="visible"/>
+                                      </p:to>
+                                    </p:set>
+                                    <p:animEffect transition="in" filter="fade">
+                                      <p:cBhvr>
+                                        <p:cTn id="34" dur="500"/>
+                                        <p:tgtEl>
+                                          <p:spTgt spid="3">
+                                            <p:txEl>
+                                              <p:pRg st="10" end="10"/>
+                                            </p:txEl>
+                                          </p:spTgt>
+                                        </p:tgtEl>
+                                      </p:cBhvr>
+                                    </p:animEffect>
+                                  </p:childTnLst>
+                                </p:cTn>
+                              </p:par>
+                            </p:childTnLst>
+                          </p:cTn>
+                        </p:par>
+                      </p:childTnLst>
+                    </p:cTn>
+                  </p:par>
+                </p:childTnLst>
+              </p:cTn>
+              <p:prevCondLst>
+                <p:cond evt="onPrev" delay="0">
+                  <p:tgtEl>
+                    <p:sldTgt/>
+                  </p:tgtEl>
+                </p:cond>
+              </p:prevCondLst>
+              <p:nextCondLst>
+                <p:cond evt="onNext" delay="0">
+                  <p:tgtEl>
+                    <p:sldTgt/>
+                  </p:tgtEl>
+                </p:cond>
+              </p:nextCondLst>
+            </p:seq>
+          </p:childTnLst>
+        </p:cTn>
+      </p:par>
+    </p:tnLst>
+    <p:bldLst>
+      <p:bldP spid="3" grpId="0" build="p"/>
+    </p:bldLst>
+  </p:timing>
+</p:sld>
+</file>
+
+<file path=ppt/slides/slide3.xml><?xml version="1.0" encoding="utf-8"?>
+<p:sld xmlns:a="http://schemas.openxmlformats.org/drawingml/2006/main" xmlns:r="http://schemas.openxmlformats.org/officeDocument/2006/relationships" xmlns:p="http://schemas.openxmlformats.org/presentationml/2006/main">
+  <p:cSld>
+    <p:spTree>
+      <p:nvGrpSpPr>
+        <p:cNvPr id="1" name=""/>
+        <p:cNvGrpSpPr/>
+        <p:nvPr/>
+      </p:nvGrpSpPr>
+      <p:grpSpPr>
+        <a:xfrm>
+          <a:off x="0" y="0"/>
+          <a:ext cx="0" cy="0"/>
+          <a:chOff x="0" y="0"/>
+          <a:chExt cx="0" cy="0"/>
+        </a:xfrm>
+      </p:grpSpPr>
+      <p:sp>
+        <p:nvSpPr>
+          <p:cNvPr id="2" name="Titlu 1">
+            <a:extLst>
+              <a:ext uri="{FF2B5EF4-FFF2-40B4-BE49-F238E27FC236}">
+                <a16:creationId xmlns:a16="http://schemas.microsoft.com/office/drawing/2014/main" id="{A9459D8E-009A-9B1F-E240-D11A88B98370}"/>
+              </a:ext>
+            </a:extLst>
+          </p:cNvPr>
+          <p:cNvSpPr>
+            <a:spLocks noGrp="1"/>
+          </p:cNvSpPr>
+          <p:nvPr>
+            <p:ph type="title"/>
+          </p:nvPr>
+        </p:nvSpPr>
+        <p:spPr>
+          <a:xfrm>
+            <a:off x="599769" y="764373"/>
+            <a:ext cx="10906432" cy="1293028"/>
+          </a:xfrm>
+        </p:spPr>
+        <p:txBody>
+          <a:bodyPr>
+            <a:normAutofit/>
+          </a:bodyPr>
+          <a:lstStyle/>
+          <a:p>
+            <a:pPr algn="ctr"/>
+            <a:r>
+              <a:rPr lang="en-US" b="1" dirty="0" err="1"/>
+              <a:t>Arhitectura</a:t>
+            </a:r>
+            <a:r>
+              <a:rPr lang="en-US" b="1" dirty="0"/>
+              <a:t> </a:t>
+            </a:r>
+            <a:r>
+              <a:rPr lang="en-US" b="1" dirty="0" err="1"/>
+              <a:t>Modulară</a:t>
+            </a:r>
+            <a:r>
+              <a:rPr lang="en-US" b="1" dirty="0"/>
+              <a:t> </a:t>
+            </a:r>
+            <a:br>
+              <a:rPr lang="en-US" b="1" dirty="0"/>
+            </a:br>
+            <a:endParaRPr lang="en-US" dirty="0"/>
+          </a:p>
+        </p:txBody>
+      </p:sp>
+      <p:sp>
+        <p:nvSpPr>
+          <p:cNvPr id="3" name="Substituent conținut 2">
+            <a:extLst>
+              <a:ext uri="{FF2B5EF4-FFF2-40B4-BE49-F238E27FC236}">
+                <a16:creationId xmlns:a16="http://schemas.microsoft.com/office/drawing/2014/main" id="{44B774D2-94C1-1021-7A89-5D90852367E0}"/>
+              </a:ext>
+            </a:extLst>
+          </p:cNvPr>
+          <p:cNvSpPr>
+            <a:spLocks noGrp="1"/>
+          </p:cNvSpPr>
+          <p:nvPr>
+            <p:ph idx="1"/>
+          </p:nvPr>
+        </p:nvSpPr>
+        <p:spPr/>
+        <p:txBody>
+          <a:bodyPr>
+            <a:normAutofit/>
+          </a:bodyPr>
+          <a:lstStyle/>
+          <a:p>
+            <a:r>
+              <a:rPr lang="en-US" b="1" dirty="0"/>
+              <a:t>MAIN.ASM:</a:t>
+            </a:r>
+            <a:r>
+              <a:rPr lang="en-US" dirty="0"/>
+              <a:t> </a:t>
+            </a:r>
+            <a:r>
+              <a:rPr lang="en-US" dirty="0" err="1"/>
+              <a:t>Inițializare</a:t>
+            </a:r>
+            <a:r>
+              <a:rPr lang="en-US" dirty="0"/>
+              <a:t> </a:t>
+            </a:r>
+            <a:r>
+              <a:rPr lang="en-US" dirty="0" err="1"/>
+              <a:t>și</a:t>
+            </a:r>
+            <a:r>
+              <a:rPr lang="en-US" dirty="0"/>
+              <a:t> </a:t>
+            </a:r>
+            <a:r>
+              <a:rPr lang="en-US" dirty="0" err="1"/>
+              <a:t>curățare</a:t>
+            </a:r>
+            <a:r>
+              <a:rPr lang="en-US" dirty="0"/>
+              <a:t> </a:t>
+            </a:r>
+            <a:r>
+              <a:rPr lang="en-US" dirty="0" err="1"/>
+              <a:t>memorie</a:t>
+            </a:r>
+            <a:r>
+              <a:rPr lang="en-US" dirty="0"/>
+              <a:t>.</a:t>
+            </a:r>
+          </a:p>
+          <a:p>
+            <a:endParaRPr lang="en-US" dirty="0"/>
+          </a:p>
+          <a:p>
+            <a:r>
+              <a:rPr lang="en-US" b="1" dirty="0"/>
+              <a:t>MENU.ASM:</a:t>
+            </a:r>
+            <a:r>
+              <a:rPr lang="en-US" dirty="0"/>
+              <a:t> Hub-ul central de </a:t>
+            </a:r>
+            <a:r>
+              <a:rPr lang="en-US" dirty="0" err="1"/>
+              <a:t>navigare</a:t>
+            </a:r>
+            <a:r>
+              <a:rPr lang="en-US" dirty="0"/>
+              <a:t>.</a:t>
+            </a:r>
+          </a:p>
+          <a:p>
+            <a:endParaRPr lang="en-US" dirty="0"/>
+          </a:p>
+          <a:p>
+            <a:r>
+              <a:rPr lang="en-US" b="1" dirty="0"/>
+              <a:t>SHAPES.ASM &amp; PIXEL.ASM:</a:t>
+            </a:r>
+            <a:r>
+              <a:rPr lang="en-US" dirty="0"/>
+              <a:t> </a:t>
+            </a:r>
+            <a:r>
+              <a:rPr lang="en-US" dirty="0" err="1"/>
+              <a:t>Motorul</a:t>
+            </a:r>
+            <a:r>
+              <a:rPr lang="en-US" dirty="0"/>
+              <a:t> de </a:t>
+            </a:r>
+            <a:r>
+              <a:rPr lang="en-US" dirty="0" err="1"/>
+              <a:t>randare</a:t>
+            </a:r>
+            <a:r>
+              <a:rPr lang="en-US" dirty="0"/>
+              <a:t>.</a:t>
+            </a:r>
+          </a:p>
+          <a:p>
+            <a:endParaRPr lang="en-US" dirty="0"/>
+          </a:p>
+          <a:p>
+            <a:r>
+              <a:rPr lang="en-US" b="1" dirty="0"/>
+              <a:t>FILE.ASM:</a:t>
+            </a:r>
+            <a:r>
+              <a:rPr lang="en-US" dirty="0"/>
+              <a:t> </a:t>
+            </a:r>
+            <a:r>
+              <a:rPr lang="en-US" dirty="0" err="1"/>
+              <a:t>Gestionarea</a:t>
+            </a:r>
+            <a:r>
+              <a:rPr lang="en-US" dirty="0"/>
+              <a:t> </a:t>
+            </a:r>
+            <a:r>
+              <a:rPr lang="en-US" dirty="0" err="1"/>
+              <a:t>fișierului</a:t>
+            </a:r>
+            <a:r>
+              <a:rPr lang="en-US" dirty="0"/>
+              <a:t> IMAGE.BIN (Save/Load/Preview).</a:t>
+            </a:r>
+          </a:p>
+          <a:p>
+            <a:endParaRPr lang="en-US" dirty="0"/>
+          </a:p>
+          <a:p>
+            <a:r>
+              <a:rPr lang="en-US" b="1" dirty="0"/>
+              <a:t>INP.ASM:</a:t>
+            </a:r>
+            <a:r>
+              <a:rPr lang="en-US" dirty="0"/>
+              <a:t> </a:t>
+            </a:r>
+            <a:r>
+              <a:rPr lang="en-US" dirty="0" err="1"/>
+              <a:t>Conversia</a:t>
+            </a:r>
+            <a:r>
+              <a:rPr lang="en-US" dirty="0"/>
+              <a:t> ASCII -&gt; Numeric </a:t>
+            </a:r>
+            <a:r>
+              <a:rPr lang="en-US" dirty="0" err="1"/>
+              <a:t>pentru</a:t>
+            </a:r>
+            <a:r>
+              <a:rPr lang="en-US" dirty="0"/>
+              <a:t> </a:t>
+            </a:r>
+            <a:r>
+              <a:rPr lang="en-US" dirty="0" err="1"/>
+              <a:t>coordonate</a:t>
+            </a:r>
+            <a:r>
+              <a:rPr lang="en-US" dirty="0"/>
+              <a:t>.</a:t>
+            </a:r>
+          </a:p>
+        </p:txBody>
+      </p:sp>
+    </p:spTree>
+    <p:extLst>
+      <p:ext uri="{BB962C8B-B14F-4D97-AF65-F5344CB8AC3E}">
+        <p14:creationId xmlns:p14="http://schemas.microsoft.com/office/powerpoint/2010/main" val="3376443882"/>
+      </p:ext>
+    </p:extLst>
+  </p:cSld>
+  <p:clrMapOvr>
+    <a:masterClrMapping/>
+  </p:clrMapOvr>
+  <p:timing>
+    <p:tnLst>
+      <p:par>
+        <p:cTn id="1" dur="indefinite" restart="never" nodeType="tmRoot">
+          <p:childTnLst>
+            <p:seq concurrent="1" nextAc="seek">
+              <p:cTn id="2" dur="indefinite" nodeType="mainSeq">
+                <p:childTnLst>
+                  <p:par>
+                    <p:cTn id="3" fill="hold">
+                      <p:stCondLst>
+                        <p:cond delay="indefinite"/>
+                      </p:stCondLst>
+                      <p:childTnLst>
+                        <p:par>
+                          <p:cTn id="4" fill="hold">
+                            <p:stCondLst>
+                              <p:cond delay="0"/>
+                            </p:stCondLst>
+                            <p:childTnLst>
+                              <p:par>
+                                <p:cTn id="5" presetID="42" presetClass="entr" presetSubtype="0" fill="hold" grpId="0" nodeType="clickEffect">
+                                  <p:stCondLst>
+                                    <p:cond delay="0"/>
+                                  </p:stCondLst>
+                                  <p:childTnLst>
+                                    <p:set>
+                                      <p:cBhvr>
+                                        <p:cTn id="6" dur="1" fill="hold">
+                                          <p:stCondLst>
+                                            <p:cond delay="0"/>
+                                          </p:stCondLst>
+                                        </p:cTn>
+                                        <p:tgtEl>
+                                          <p:spTgt spid="3">
+                                            <p:txEl>
+                                              <p:pRg st="0" end="0"/>
+                                            </p:txEl>
+                                          </p:spTgt>
+                                        </p:tgtEl>
+                                        <p:attrNameLst>
+                                          <p:attrName>style.visibility</p:attrName>
+                                        </p:attrNameLst>
+                                      </p:cBhvr>
+                                      <p:to>
+                                        <p:strVal val="visible"/>
+                                      </p:to>
+                                    </p:set>
+                                    <p:animEffect transition="in" filter="fade">
+                                      <p:cBhvr>
+                                        <p:cTn id="7" dur="1000"/>
+                                        <p:tgtEl>
+                                          <p:spTgt spid="3">
+                                            <p:txEl>
+                                              <p:pRg st="0" end="0"/>
+                                            </p:txEl>
+                                          </p:spTgt>
+                                        </p:tgtEl>
+                                      </p:cBhvr>
+                                    </p:animEffect>
+                                    <p:anim calcmode="lin" valueType="num">
+                                      <p:cBhvr>
+                                        <p:cTn id="8" dur="1000" fill="hold"/>
+                                        <p:tgtEl>
+                                          <p:spTgt spid="3">
+                                            <p:txEl>
+                                              <p:pRg st="0" end="0"/>
+                                            </p:txEl>
+                                          </p:spTgt>
+                                        </p:tgtEl>
+                                        <p:attrNameLst>
+                                          <p:attrName>ppt_x</p:attrName>
+                                        </p:attrNameLst>
+                                      </p:cBhvr>
+                                      <p:tavLst>
+                                        <p:tav tm="0">
+                                          <p:val>
+                                            <p:strVal val="#ppt_x"/>
+                                          </p:val>
+                                        </p:tav>
+                                        <p:tav tm="100000">
+                                          <p:val>
+                                            <p:strVal val="#ppt_x"/>
+                                          </p:val>
+                                        </p:tav>
+                                      </p:tavLst>
+                                    </p:anim>
+                                    <p:anim calcmode="lin" valueType="num">
+                                      <p:cBhvr>
+                                        <p:cTn id="9" dur="1000" fill="hold"/>
+                                        <p:tgtEl>
+                                          <p:spTgt spid="3">
+                                            <p:txEl>
+                                              <p:pRg st="0" end="0"/>
+                                            </p:txEl>
+                                          </p:spTgt>
+                                        </p:tgtEl>
+                                        <p:attrNameLst>
+                                          <p:attrName>ppt_y</p:attrName>
+                                        </p:attrNameLst>
+                                      </p:cBhvr>
+                                      <p:tavLst>
+                                        <p:tav tm="0">
+                                          <p:val>
+                                            <p:strVal val="#ppt_y+.1"/>
+                                          </p:val>
+                                        </p:tav>
+                                        <p:tav tm="100000">
+                                          <p:val>
+                                            <p:strVal val="#ppt_y"/>
+                                          </p:val>
+                                        </p:tav>
+                                      </p:tavLst>
+                                    </p:anim>
+                                  </p:childTnLst>
+                                </p:cTn>
+                              </p:par>
+                            </p:childTnLst>
+                          </p:cTn>
+                        </p:par>
+                      </p:childTnLst>
+                    </p:cTn>
+                  </p:par>
+                  <p:par>
+                    <p:cTn id="10" fill="hold">
+                      <p:stCondLst>
+                        <p:cond delay="indefinite"/>
+                      </p:stCondLst>
+                      <p:childTnLst>
+                        <p:par>
+                          <p:cTn id="11" fill="hold">
+                            <p:stCondLst>
+                              <p:cond delay="0"/>
+                            </p:stCondLst>
+                            <p:childTnLst>
+                              <p:par>
+                                <p:cTn id="12" presetID="42" presetClass="entr" presetSubtype="0" fill="hold" grpId="0" nodeType="clickEffect">
+                                  <p:stCondLst>
+                                    <p:cond delay="0"/>
+                                  </p:stCondLst>
+                                  <p:childTnLst>
+                                    <p:set>
+                                      <p:cBhvr>
+                                        <p:cTn id="13" dur="1" fill="hold">
+                                          <p:stCondLst>
+                                            <p:cond delay="0"/>
+                                          </p:stCondLst>
+                                        </p:cTn>
+                                        <p:tgtEl>
+                                          <p:spTgt spid="3">
+                                            <p:txEl>
+                                              <p:pRg st="2" end="2"/>
+                                            </p:txEl>
+                                          </p:spTgt>
+                                        </p:tgtEl>
+                                        <p:attrNameLst>
+                                          <p:attrName>style.visibility</p:attrName>
+                                        </p:attrNameLst>
+                                      </p:cBhvr>
+                                      <p:to>
+                                        <p:strVal val="visible"/>
+                                      </p:to>
+                                    </p:set>
+                                    <p:animEffect transition="in" filter="fade">
+                                      <p:cBhvr>
+                                        <p:cTn id="14" dur="1000"/>
+                                        <p:tgtEl>
+                                          <p:spTgt spid="3">
+                                            <p:txEl>
+                                              <p:pRg st="2" end="2"/>
+                                            </p:txEl>
+                                          </p:spTgt>
+                                        </p:tgtEl>
+                                      </p:cBhvr>
+                                    </p:animEffect>
+                                    <p:anim calcmode="lin" valueType="num">
+                                      <p:cBhvr>
+                                        <p:cTn id="15" dur="1000" fill="hold"/>
+                                        <p:tgtEl>
+                                          <p:spTgt spid="3">
+                                            <p:txEl>
+                                              <p:pRg st="2" end="2"/>
+                                            </p:txEl>
+                                          </p:spTgt>
+                                        </p:tgtEl>
+                                        <p:attrNameLst>
+                                          <p:attrName>ppt_x</p:attrName>
+                                        </p:attrNameLst>
+                                      </p:cBhvr>
+                                      <p:tavLst>
+                                        <p:tav tm="0">
+                                          <p:val>
+                                            <p:strVal val="#ppt_x"/>
+                                          </p:val>
+                                        </p:tav>
+                                        <p:tav tm="100000">
+                                          <p:val>
+                                            <p:strVal val="#ppt_x"/>
+                                          </p:val>
+                                        </p:tav>
+                                      </p:tavLst>
+                                    </p:anim>
+                                    <p:anim calcmode="lin" valueType="num">
+                                      <p:cBhvr>
+                                        <p:cTn id="16" dur="1000" fill="hold"/>
+                                        <p:tgtEl>
+                                          <p:spTgt spid="3">
+                                            <p:txEl>
+                                              <p:pRg st="2" end="2"/>
+                                            </p:txEl>
+                                          </p:spTgt>
+                                        </p:tgtEl>
+                                        <p:attrNameLst>
+                                          <p:attrName>ppt_y</p:attrName>
+                                        </p:attrNameLst>
+                                      </p:cBhvr>
+                                      <p:tavLst>
+                                        <p:tav tm="0">
+                                          <p:val>
+                                            <p:strVal val="#ppt_y+.1"/>
+                                          </p:val>
+                                        </p:tav>
+                                        <p:tav tm="100000">
+                                          <p:val>
+                                            <p:strVal val="#ppt_y"/>
+                                          </p:val>
+                                        </p:tav>
+                                      </p:tavLst>
+                                    </p:anim>
+                                  </p:childTnLst>
+                                </p:cTn>
+                              </p:par>
+                            </p:childTnLst>
+                          </p:cTn>
+                        </p:par>
+                      </p:childTnLst>
+                    </p:cTn>
+                  </p:par>
+                  <p:par>
+                    <p:cTn id="17" fill="hold">
+                      <p:stCondLst>
+                        <p:cond delay="indefinite"/>
+                      </p:stCondLst>
+                      <p:childTnLst>
+                        <p:par>
+                          <p:cTn id="18" fill="hold">
+                            <p:stCondLst>
+                              <p:cond delay="0"/>
+                            </p:stCondLst>
+                            <p:childTnLst>
+                              <p:par>
+                                <p:cTn id="19" presetID="42" presetClass="entr" presetSubtype="0" fill="hold" grpId="0" nodeType="clickEffect">
+                                  <p:stCondLst>
+                                    <p:cond delay="0"/>
+                                  </p:stCondLst>
+                                  <p:childTnLst>
+                                    <p:set>
+                                      <p:cBhvr>
+                                        <p:cTn id="20" dur="1" fill="hold">
+                                          <p:stCondLst>
+                                            <p:cond delay="0"/>
+                                          </p:stCondLst>
+                                        </p:cTn>
+                                        <p:tgtEl>
+                                          <p:spTgt spid="3">
+                                            <p:txEl>
+                                              <p:pRg st="4" end="4"/>
+                                            </p:txEl>
+                                          </p:spTgt>
+                                        </p:tgtEl>
+                                        <p:attrNameLst>
+                                          <p:attrName>style.visibility</p:attrName>
+                                        </p:attrNameLst>
+                                      </p:cBhvr>
+                                      <p:to>
+                                        <p:strVal val="visible"/>
+                                      </p:to>
+                                    </p:set>
+                                    <p:animEffect transition="in" filter="fade">
+                                      <p:cBhvr>
+                                        <p:cTn id="21" dur="1000"/>
+                                        <p:tgtEl>
+                                          <p:spTgt spid="3">
+                                            <p:txEl>
+                                              <p:pRg st="4" end="4"/>
+                                            </p:txEl>
+                                          </p:spTgt>
+                                        </p:tgtEl>
+                                      </p:cBhvr>
+                                    </p:animEffect>
+                                    <p:anim calcmode="lin" valueType="num">
+                                      <p:cBhvr>
+                                        <p:cTn id="22" dur="1000" fill="hold"/>
+                                        <p:tgtEl>
+                                          <p:spTgt spid="3">
+                                            <p:txEl>
+                                              <p:pRg st="4" end="4"/>
+                                            </p:txEl>
+                                          </p:spTgt>
+                                        </p:tgtEl>
+                                        <p:attrNameLst>
+                                          <p:attrName>ppt_x</p:attrName>
+                                        </p:attrNameLst>
+                                      </p:cBhvr>
+                                      <p:tavLst>
+                                        <p:tav tm="0">
+                                          <p:val>
+                                            <p:strVal val="#ppt_x"/>
+                                          </p:val>
+                                        </p:tav>
+                                        <p:tav tm="100000">
+                                          <p:val>
+                                            <p:strVal val="#ppt_x"/>
+                                          </p:val>
+                                        </p:tav>
+                                      </p:tavLst>
+                                    </p:anim>
+                                    <p:anim calcmode="lin" valueType="num">
+                                      <p:cBhvr>
+                                        <p:cTn id="23" dur="1000" fill="hold"/>
+                                        <p:tgtEl>
+                                          <p:spTgt spid="3">
+                                            <p:txEl>
+                                              <p:pRg st="4" end="4"/>
+                                            </p:txEl>
+                                          </p:spTgt>
+                                        </p:tgtEl>
+                                        <p:attrNameLst>
+                                          <p:attrName>ppt_y</p:attrName>
+                                        </p:attrNameLst>
+                                      </p:cBhvr>
+                                      <p:tavLst>
+                                        <p:tav tm="0">
+                                          <p:val>
+                                            <p:strVal val="#ppt_y+.1"/>
+                                          </p:val>
+                                        </p:tav>
+                                        <p:tav tm="100000">
+                                          <p:val>
+                                            <p:strVal val="#ppt_y"/>
+                                          </p:val>
+                                        </p:tav>
+                                      </p:tavLst>
+                                    </p:anim>
+                                  </p:childTnLst>
+                                </p:cTn>
+                              </p:par>
+                            </p:childTnLst>
+                          </p:cTn>
+                        </p:par>
+                      </p:childTnLst>
+                    </p:cTn>
+                  </p:par>
+                  <p:par>
+                    <p:cTn id="24" fill="hold">
+                      <p:stCondLst>
+                        <p:cond delay="indefinite"/>
+                      </p:stCondLst>
+                      <p:childTnLst>
+                        <p:par>
+                          <p:cTn id="25" fill="hold">
+                            <p:stCondLst>
+                              <p:cond delay="0"/>
+                            </p:stCondLst>
+                            <p:childTnLst>
+                              <p:par>
+                                <p:cTn id="26" presetID="42" presetClass="entr" presetSubtype="0" fill="hold" grpId="0" nodeType="clickEffect">
+                                  <p:stCondLst>
+                                    <p:cond delay="0"/>
+                                  </p:stCondLst>
+                                  <p:childTnLst>
+                                    <p:set>
+                                      <p:cBhvr>
+                                        <p:cTn id="27" dur="1" fill="hold">
+                                          <p:stCondLst>
+                                            <p:cond delay="0"/>
+                                          </p:stCondLst>
+                                        </p:cTn>
+                                        <p:tgtEl>
+                                          <p:spTgt spid="3">
+                                            <p:txEl>
+                                              <p:pRg st="6" end="6"/>
+                                            </p:txEl>
+                                          </p:spTgt>
+                                        </p:tgtEl>
+                                        <p:attrNameLst>
+                                          <p:attrName>style.visibility</p:attrName>
+                                        </p:attrNameLst>
+                                      </p:cBhvr>
+                                      <p:to>
+                                        <p:strVal val="visible"/>
+                                      </p:to>
+                                    </p:set>
+                                    <p:animEffect transition="in" filter="fade">
+                                      <p:cBhvr>
+                                        <p:cTn id="28" dur="1000"/>
+                                        <p:tgtEl>
+                                          <p:spTgt spid="3">
+                                            <p:txEl>
+                                              <p:pRg st="6" end="6"/>
+                                            </p:txEl>
+                                          </p:spTgt>
+                                        </p:tgtEl>
+                                      </p:cBhvr>
+                                    </p:animEffect>
+                                    <p:anim calcmode="lin" valueType="num">
+                                      <p:cBhvr>
+                                        <p:cTn id="29" dur="1000" fill="hold"/>
+                                        <p:tgtEl>
+                                          <p:spTgt spid="3">
+                                            <p:txEl>
+                                              <p:pRg st="6" end="6"/>
+                                            </p:txEl>
+                                          </p:spTgt>
+                                        </p:tgtEl>
+                                        <p:attrNameLst>
+                                          <p:attrName>ppt_x</p:attrName>
+                                        </p:attrNameLst>
+                                      </p:cBhvr>
+                                      <p:tavLst>
+                                        <p:tav tm="0">
+                                          <p:val>
+                                            <p:strVal val="#ppt_x"/>
+                                          </p:val>
+                                        </p:tav>
+                                        <p:tav tm="100000">
+                                          <p:val>
+                                            <p:strVal val="#ppt_x"/>
+                                          </p:val>
+                                        </p:tav>
+                                      </p:tavLst>
+                                    </p:anim>
+                                    <p:anim calcmode="lin" valueType="num">
+                                      <p:cBhvr>
+                                        <p:cTn id="30" dur="1000" fill="hold"/>
+                                        <p:tgtEl>
+                                          <p:spTgt spid="3">
+                                            <p:txEl>
+                                              <p:pRg st="6" end="6"/>
+                                            </p:txEl>
+                                          </p:spTgt>
+                                        </p:tgtEl>
+                                        <p:attrNameLst>
+                                          <p:attrName>ppt_y</p:attrName>
+                                        </p:attrNameLst>
+                                      </p:cBhvr>
+                                      <p:tavLst>
+                                        <p:tav tm="0">
+                                          <p:val>
+                                            <p:strVal val="#ppt_y+.1"/>
+                                          </p:val>
+                                        </p:tav>
+                                        <p:tav tm="100000">
+                                          <p:val>
+                                            <p:strVal val="#ppt_y"/>
+                                          </p:val>
+                                        </p:tav>
+                                      </p:tavLst>
+                                    </p:anim>
+                                  </p:childTnLst>
+                                </p:cTn>
+                              </p:par>
+                            </p:childTnLst>
+                          </p:cTn>
+                        </p:par>
+                      </p:childTnLst>
+                    </p:cTn>
+                  </p:par>
+                  <p:par>
+                    <p:cTn id="31" fill="hold">
+                      <p:stCondLst>
+                        <p:cond delay="indefinite"/>
+                      </p:stCondLst>
+                      <p:childTnLst>
+                        <p:par>
+                          <p:cTn id="32" fill="hold">
+                            <p:stCondLst>
+                              <p:cond delay="0"/>
+                            </p:stCondLst>
+                            <p:childTnLst>
+                              <p:par>
+                                <p:cTn id="33" presetID="42" presetClass="entr" presetSubtype="0" fill="hold" grpId="0" nodeType="clickEffect">
+                                  <p:stCondLst>
+                                    <p:cond delay="0"/>
+                                  </p:stCondLst>
+                                  <p:childTnLst>
+                                    <p:set>
+                                      <p:cBhvr>
+                                        <p:cTn id="34" dur="1" fill="hold">
+                                          <p:stCondLst>
+                                            <p:cond delay="0"/>
+                                          </p:stCondLst>
+                                        </p:cTn>
+                                        <p:tgtEl>
+                                          <p:spTgt spid="3">
+                                            <p:txEl>
+                                              <p:pRg st="8" end="8"/>
+                                            </p:txEl>
+                                          </p:spTgt>
+                                        </p:tgtEl>
+                                        <p:attrNameLst>
+                                          <p:attrName>style.visibility</p:attrName>
+                                        </p:attrNameLst>
+                                      </p:cBhvr>
+                                      <p:to>
+                                        <p:strVal val="visible"/>
+                                      </p:to>
+                                    </p:set>
+                                    <p:animEffect transition="in" filter="fade">
+                                      <p:cBhvr>
+                                        <p:cTn id="35" dur="1000"/>
+                                        <p:tgtEl>
+                                          <p:spTgt spid="3">
+                                            <p:txEl>
+                                              <p:pRg st="8" end="8"/>
+                                            </p:txEl>
+                                          </p:spTgt>
+                                        </p:tgtEl>
+                                      </p:cBhvr>
+                                    </p:animEffect>
+                                    <p:anim calcmode="lin" valueType="num">
+                                      <p:cBhvr>
+                                        <p:cTn id="36" dur="1000" fill="hold"/>
+                                        <p:tgtEl>
+                                          <p:spTgt spid="3">
+                                            <p:txEl>
+                                              <p:pRg st="8" end="8"/>
+                                            </p:txEl>
+                                          </p:spTgt>
+                                        </p:tgtEl>
+                                        <p:attrNameLst>
+                                          <p:attrName>ppt_x</p:attrName>
+                                        </p:attrNameLst>
+                                      </p:cBhvr>
+                                      <p:tavLst>
+                                        <p:tav tm="0">
+                                          <p:val>
+                                            <p:strVal val="#ppt_x"/>
+                                          </p:val>
+                                        </p:tav>
+                                        <p:tav tm="100000">
+                                          <p:val>
+                                            <p:strVal val="#ppt_x"/>
+                                          </p:val>
+                                        </p:tav>
+                                      </p:tavLst>
+                                    </p:anim>
+                                    <p:anim calcmode="lin" valueType="num">
+                                      <p:cBhvr>
+                                        <p:cTn id="37" dur="1000" fill="hold"/>
+                                        <p:tgtEl>
+                                          <p:spTgt spid="3">
+                                            <p:txEl>
+                                              <p:pRg st="8" end="8"/>
+                                            </p:txEl>
+                                          </p:spTgt>
+                                        </p:tgtEl>
+                                        <p:attrNameLst>
+                                          <p:attrName>ppt_y</p:attrName>
+                                        </p:attrNameLst>
+                                      </p:cBhvr>
+                                      <p:tavLst>
+                                        <p:tav tm="0">
+                                          <p:val>
+                                            <p:strVal val="#ppt_y+.1"/>
+                                          </p:val>
+                                        </p:tav>
+                                        <p:tav tm="100000">
+                                          <p:val>
+                                            <p:strVal val="#ppt_y"/>
+                                          </p:val>
+                                        </p:tav>
+                                      </p:tavLst>
+                                    </p:anim>
+                                  </p:childTnLst>
+                                </p:cTn>
+                              </p:par>
+                            </p:childTnLst>
+                          </p:cTn>
+                        </p:par>
+                      </p:childTnLst>
+                    </p:cTn>
+                  </p:par>
+                </p:childTnLst>
+              </p:cTn>
+              <p:prevCondLst>
+                <p:cond evt="onPrev" delay="0">
+                  <p:tgtEl>
+                    <p:sldTgt/>
+                  </p:tgtEl>
+                </p:cond>
+              </p:prevCondLst>
+              <p:nextCondLst>
+                <p:cond evt="onNext" delay="0">
+                  <p:tgtEl>
+                    <p:sldTgt/>
+                  </p:tgtEl>
+                </p:cond>
+              </p:nextCondLst>
+            </p:seq>
+          </p:childTnLst>
+        </p:cTn>
+      </p:par>
+    </p:tnLst>
+    <p:bldLst>
+      <p:bldP spid="3" grpId="0" build="p"/>
+    </p:bldLst>
+  </p:timing>
+</p:sld>
+</file>
+
+<file path=ppt/slides/slide4.xml><?xml version="1.0" encoding="utf-8"?>
+<p:sld xmlns:a="http://schemas.openxmlformats.org/drawingml/2006/main" xmlns:r="http://schemas.openxmlformats.org/officeDocument/2006/relationships" xmlns:p="http://schemas.openxmlformats.org/presentationml/2006/main">
+  <p:cSld>
+    <p:spTree>
+      <p:nvGrpSpPr>
+        <p:cNvPr id="1" name=""/>
+        <p:cNvGrpSpPr/>
+        <p:nvPr/>
+      </p:nvGrpSpPr>
+      <p:grpSpPr>
+        <a:xfrm>
+          <a:off x="0" y="0"/>
+          <a:ext cx="0" cy="0"/>
+          <a:chOff x="0" y="0"/>
+          <a:chExt cx="0" cy="0"/>
+        </a:xfrm>
+      </p:grpSpPr>
+      <p:sp>
+        <p:nvSpPr>
+          <p:cNvPr id="3" name="Substituent conținut 2">
+            <a:extLst>
+              <a:ext uri="{FF2B5EF4-FFF2-40B4-BE49-F238E27FC236}">
+                <a16:creationId xmlns:a16="http://schemas.microsoft.com/office/drawing/2014/main" id="{0F4E7739-59A7-D3AC-A460-33A621F3B7C1}"/>
+              </a:ext>
+            </a:extLst>
+          </p:cNvPr>
+          <p:cNvSpPr>
+            <a:spLocks noGrp="1"/>
+          </p:cNvSpPr>
+          <p:nvPr>
+            <p:ph idx="1"/>
+          </p:nvPr>
+        </p:nvSpPr>
+        <p:spPr>
+          <a:xfrm>
+            <a:off x="685800" y="540774"/>
+            <a:ext cx="10820400" cy="5702710"/>
+          </a:xfrm>
+        </p:spPr>
+        <p:txBody>
+          <a:bodyPr>
+            <a:normAutofit/>
+          </a:bodyPr>
+          <a:lstStyle/>
+          <a:p>
+            <a:pPr marL="0" indent="0">
+              <a:buNone/>
+            </a:pPr>
+            <a:r>
+              <a:rPr lang="en-US" sz="4400" b="1" dirty="0" err="1"/>
+              <a:t>Algoritmi</a:t>
+            </a:r>
+            <a:r>
+              <a:rPr lang="en-US" sz="4400" b="1" dirty="0"/>
+              <a:t> de </a:t>
+            </a:r>
+            <a:r>
+              <a:rPr lang="en-US" sz="4400" b="1" dirty="0" err="1"/>
+              <a:t>Desenare</a:t>
+            </a:r>
+            <a:r>
+              <a:rPr lang="en-US" sz="4400" b="1" dirty="0"/>
+              <a:t> (SHAPES.ASM)</a:t>
+            </a:r>
+          </a:p>
+          <a:p>
+            <a:pPr marL="0" indent="0">
+              <a:buNone/>
+            </a:pPr>
+            <a:endParaRPr lang="en-US" sz="4400" b="1" dirty="0"/>
+          </a:p>
+          <a:p>
+            <a:r>
+              <a:rPr lang="en-US" b="1" dirty="0" err="1"/>
+              <a:t>Desenare</a:t>
+            </a:r>
+            <a:r>
+              <a:rPr lang="en-US" b="1" dirty="0"/>
+              <a:t> Linie:</a:t>
+            </a:r>
+            <a:endParaRPr lang="en-US" dirty="0"/>
+          </a:p>
+          <a:p>
+            <a:pPr lvl="1"/>
+            <a:r>
+              <a:rPr lang="en-US" dirty="0" err="1"/>
+              <a:t>Buclă</a:t>
+            </a:r>
+            <a:r>
+              <a:rPr lang="en-US" dirty="0"/>
+              <a:t> (Loop) care </a:t>
+            </a:r>
+            <a:r>
+              <a:rPr lang="en-US" dirty="0" err="1"/>
+              <a:t>incrementează</a:t>
+            </a:r>
+            <a:r>
+              <a:rPr lang="en-US" dirty="0"/>
+              <a:t> X (</a:t>
+            </a:r>
+            <a:r>
+              <a:rPr lang="en-US" dirty="0" err="1"/>
+              <a:t>orizontal</a:t>
+            </a:r>
+            <a:r>
+              <a:rPr lang="en-US" dirty="0"/>
+              <a:t>) </a:t>
+            </a:r>
+            <a:r>
+              <a:rPr lang="en-US" dirty="0" err="1"/>
+              <a:t>sau</a:t>
+            </a:r>
+            <a:r>
+              <a:rPr lang="en-US" dirty="0"/>
+              <a:t> Y (vertical).</a:t>
+            </a:r>
+          </a:p>
+          <a:p>
+            <a:pPr lvl="1"/>
+            <a:endParaRPr lang="en-US" dirty="0"/>
+          </a:p>
+          <a:p>
+            <a:r>
+              <a:rPr lang="en-US" b="1" dirty="0" err="1"/>
+              <a:t>Desenare</a:t>
+            </a:r>
+            <a:r>
+              <a:rPr lang="en-US" b="1" dirty="0"/>
+              <a:t> </a:t>
+            </a:r>
+            <a:r>
+              <a:rPr lang="en-US" b="1" dirty="0" err="1"/>
+              <a:t>Pătrat</a:t>
+            </a:r>
+            <a:r>
+              <a:rPr lang="en-US" b="1" dirty="0"/>
+              <a:t> (</a:t>
+            </a:r>
+            <a:r>
+              <a:rPr lang="en-US" b="1" dirty="0" err="1"/>
+              <a:t>Plin</a:t>
+            </a:r>
+            <a:r>
+              <a:rPr lang="en-US" b="1" dirty="0"/>
+              <a:t>):</a:t>
+            </a:r>
+            <a:endParaRPr lang="en-US" dirty="0"/>
+          </a:p>
+          <a:p>
+            <a:pPr lvl="1"/>
+            <a:r>
+              <a:rPr lang="en-US" dirty="0" err="1"/>
+              <a:t>Buclă</a:t>
+            </a:r>
+            <a:r>
+              <a:rPr lang="en-US" dirty="0"/>
+              <a:t> </a:t>
+            </a:r>
+            <a:r>
+              <a:rPr lang="en-US" dirty="0" err="1"/>
+              <a:t>imbricată</a:t>
+            </a:r>
+            <a:r>
+              <a:rPr lang="en-US" dirty="0"/>
+              <a:t>: </a:t>
+            </a:r>
+            <a:r>
+              <a:rPr lang="en-US" dirty="0" err="1"/>
+              <a:t>Desenează</a:t>
+            </a:r>
+            <a:r>
+              <a:rPr lang="en-US" dirty="0"/>
+              <a:t> </a:t>
+            </a:r>
+            <a:r>
+              <a:rPr lang="en-US" dirty="0" err="1"/>
+              <a:t>linii</a:t>
+            </a:r>
+            <a:r>
+              <a:rPr lang="en-US" dirty="0"/>
+              <a:t> </a:t>
+            </a:r>
+            <a:r>
+              <a:rPr lang="en-US" dirty="0" err="1"/>
+              <a:t>orizontale</a:t>
+            </a:r>
+            <a:r>
+              <a:rPr lang="en-US" dirty="0"/>
+              <a:t> </a:t>
+            </a:r>
+            <a:r>
+              <a:rPr lang="en-US" dirty="0" err="1"/>
+              <a:t>una</a:t>
+            </a:r>
+            <a:r>
+              <a:rPr lang="en-US" dirty="0"/>
+              <a:t> sub </a:t>
+            </a:r>
+            <a:r>
+              <a:rPr lang="en-US" dirty="0" err="1"/>
+              <a:t>alta.</a:t>
+            </a:r>
+            <a:endParaRPr lang="en-US" dirty="0"/>
+          </a:p>
+          <a:p>
+            <a:pPr lvl="1"/>
+            <a:endParaRPr lang="en-US" dirty="0"/>
+          </a:p>
+          <a:p>
+            <a:r>
+              <a:rPr lang="en-US" b="1" dirty="0" err="1"/>
+              <a:t>Desenare</a:t>
+            </a:r>
+            <a:r>
+              <a:rPr lang="en-US" b="1" dirty="0"/>
+              <a:t> </a:t>
+            </a:r>
+            <a:r>
+              <a:rPr lang="en-US" b="1" dirty="0" err="1"/>
+              <a:t>Pătrat</a:t>
+            </a:r>
+            <a:r>
+              <a:rPr lang="en-US" b="1" dirty="0"/>
+              <a:t> (</a:t>
+            </a:r>
+            <a:r>
+              <a:rPr lang="en-US" b="1" dirty="0" err="1"/>
+              <a:t>Contur</a:t>
+            </a:r>
+            <a:r>
+              <a:rPr lang="en-US" b="1" dirty="0"/>
+              <a:t>):</a:t>
+            </a:r>
+            <a:endParaRPr lang="en-US" dirty="0"/>
+          </a:p>
+          <a:p>
+            <a:pPr lvl="1"/>
+            <a:r>
+              <a:rPr lang="en-US" dirty="0" err="1"/>
+              <a:t>Desenează</a:t>
+            </a:r>
+            <a:r>
+              <a:rPr lang="en-US" dirty="0"/>
+              <a:t> 4 </a:t>
+            </a:r>
+            <a:r>
+              <a:rPr lang="en-US" dirty="0" err="1"/>
+              <a:t>linii</a:t>
+            </a:r>
+            <a:r>
+              <a:rPr lang="en-US" dirty="0"/>
+              <a:t> separate (Sus, Jos, </a:t>
+            </a:r>
+            <a:r>
+              <a:rPr lang="en-US" dirty="0" err="1"/>
+              <a:t>Stânga</a:t>
+            </a:r>
+            <a:r>
+              <a:rPr lang="en-US" dirty="0"/>
+              <a:t>, </a:t>
+            </a:r>
+            <a:r>
+              <a:rPr lang="en-US" dirty="0" err="1"/>
+              <a:t>Dreapta</a:t>
+            </a:r>
+            <a:r>
+              <a:rPr lang="en-US" dirty="0"/>
+              <a:t>).</a:t>
+            </a:r>
+          </a:p>
+          <a:p>
+            <a:pPr lvl="1"/>
+            <a:endParaRPr lang="en-US" dirty="0"/>
+          </a:p>
+          <a:p>
+            <a:r>
+              <a:rPr lang="en-US" b="1" dirty="0"/>
+              <a:t>Input:</a:t>
+            </a:r>
+            <a:r>
+              <a:rPr lang="en-US" dirty="0"/>
+              <a:t> </a:t>
+            </a:r>
+            <a:r>
+              <a:rPr lang="en-US" dirty="0" err="1"/>
+              <a:t>Coordonate</a:t>
+            </a:r>
+            <a:r>
+              <a:rPr lang="en-US" dirty="0"/>
+              <a:t> </a:t>
+            </a:r>
+            <a:r>
+              <a:rPr lang="en-US" dirty="0" err="1"/>
+              <a:t>citite</a:t>
+            </a:r>
+            <a:r>
+              <a:rPr lang="en-US" dirty="0"/>
+              <a:t> </a:t>
+            </a:r>
+            <a:r>
+              <a:rPr lang="en-US" dirty="0" err="1"/>
+              <a:t>și</a:t>
+            </a:r>
+            <a:r>
+              <a:rPr lang="en-US" dirty="0"/>
+              <a:t> validate </a:t>
+            </a:r>
+            <a:r>
+              <a:rPr lang="en-US" dirty="0" err="1"/>
+              <a:t>prin</a:t>
+            </a:r>
+            <a:r>
+              <a:rPr lang="en-US" dirty="0"/>
+              <a:t> INP.ASM.</a:t>
+            </a:r>
+          </a:p>
+        </p:txBody>
+      </p:sp>
+    </p:spTree>
+    <p:extLst>
+      <p:ext uri="{BB962C8B-B14F-4D97-AF65-F5344CB8AC3E}">
+        <p14:creationId xmlns:p14="http://schemas.microsoft.com/office/powerpoint/2010/main" val="1377543111"/>
+      </p:ext>
+    </p:extLst>
+  </p:cSld>
+  <p:clrMapOvr>
+    <a:masterClrMapping/>
+  </p:clrMapOvr>
+  <mc:AlternateContent xmlns:mc="http://schemas.openxmlformats.org/markup-compatibility/2006" xmlns:p159="http://schemas.microsoft.com/office/powerpoint/2015/09/main">
+    <mc:Choice Requires="p159">
+      <p:transition xmlns:p14="http://schemas.microsoft.com/office/powerpoint/2010/main" spd="slow" p14:dur="2000">
+        <p159:morph option="byObject"/>
+      </p:transition>
+    </mc:Choice>
+    <mc:Fallback xmlns="">
+      <p:transition spd="slow">
+        <p:fade/>
+      </p:transition>
+    </mc:Fallback>
+  </mc:AlternateContent>
+  <p:timing>
+    <p:tnLst>
+      <p:par>
+        <p:cTn id="1" dur="indefinite" restart="never" nodeType="tmRoot">
+          <p:childTnLst>
+            <p:seq concurrent="1" nextAc="seek">
+              <p:cTn id="2" dur="indefinite" nodeType="mainSeq">
+                <p:childTnLst>
+                  <p:par>
+                    <p:cTn id="3" fill="hold">
+                      <p:stCondLst>
+                        <p:cond delay="indefinite"/>
+                      </p:stCondLst>
+                      <p:childTnLst>
+                        <p:par>
+                          <p:cTn id="4" fill="hold">
+                            <p:stCondLst>
+                              <p:cond delay="0"/>
+                            </p:stCondLst>
+                            <p:childTnLst>
+                              <p:par>
+                                <p:cTn id="5" presetID="10" presetClass="entr" presetSubtype="0" fill="hold" grpId="0" nodeType="clickEffect">
+                                  <p:stCondLst>
+                                    <p:cond delay="0"/>
+                                  </p:stCondLst>
+                                  <p:childTnLst>
+                                    <p:set>
+                                      <p:cBhvr>
+                                        <p:cTn id="6" dur="1" fill="hold">
+                                          <p:stCondLst>
+                                            <p:cond delay="0"/>
+                                          </p:stCondLst>
+                                        </p:cTn>
+                                        <p:tgtEl>
+                                          <p:spTgt spid="3">
+                                            <p:txEl>
+                                              <p:pRg st="0" end="0"/>
+                                            </p:txEl>
+                                          </p:spTgt>
+                                        </p:tgtEl>
+                                        <p:attrNameLst>
+                                          <p:attrName>style.visibility</p:attrName>
+                                        </p:attrNameLst>
+                                      </p:cBhvr>
+                                      <p:to>
+                                        <p:strVal val="visible"/>
+                                      </p:to>
+                                    </p:set>
+                                    <p:animEffect transition="in" filter="fade">
+                                      <p:cBhvr>
+                                        <p:cTn id="7" dur="500"/>
+                                        <p:tgtEl>
+                                          <p:spTgt spid="3">
+                                            <p:txEl>
+                                              <p:pRg st="0" end="0"/>
+                                            </p:txEl>
+                                          </p:spTgt>
+                                        </p:tgtEl>
+                                      </p:cBhvr>
+                                    </p:animEffect>
+                                  </p:childTnLst>
+                                </p:cTn>
+                              </p:par>
+                            </p:childTnLst>
+                          </p:cTn>
+                        </p:par>
+                      </p:childTnLst>
+                    </p:cTn>
+                  </p:par>
+                  <p:par>
+                    <p:cTn id="8" fill="hold">
+                      <p:stCondLst>
+                        <p:cond delay="indefinite"/>
+                      </p:stCondLst>
+                      <p:childTnLst>
+                        <p:par>
+                          <p:cTn id="9" fill="hold">
+                            <p:stCondLst>
+                              <p:cond delay="0"/>
+                            </p:stCondLst>
+                            <p:childTnLst>
+                              <p:par>
+                                <p:cTn id="10" presetID="10" presetClass="entr" presetSubtype="0" fill="hold" grpId="0" nodeType="clickEffect">
+                                  <p:stCondLst>
+                                    <p:cond delay="0"/>
+                                  </p:stCondLst>
+                                  <p:childTnLst>
+                                    <p:set>
+                                      <p:cBhvr>
+                                        <p:cTn id="11" dur="1" fill="hold">
+                                          <p:stCondLst>
+                                            <p:cond delay="0"/>
+                                          </p:stCondLst>
+                                        </p:cTn>
+                                        <p:tgtEl>
+                                          <p:spTgt spid="3">
+                                            <p:txEl>
+                                              <p:pRg st="2" end="2"/>
+                                            </p:txEl>
+                                          </p:spTgt>
+                                        </p:tgtEl>
+                                        <p:attrNameLst>
+                                          <p:attrName>style.visibility</p:attrName>
+                                        </p:attrNameLst>
+                                      </p:cBhvr>
+                                      <p:to>
+                                        <p:strVal val="visible"/>
+                                      </p:to>
+                                    </p:set>
+                                    <p:animEffect transition="in" filter="fade">
+                                      <p:cBhvr>
+                                        <p:cTn id="12" dur="500"/>
+                                        <p:tgtEl>
+                                          <p:spTgt spid="3">
+                                            <p:txEl>
+                                              <p:pRg st="2" end="2"/>
+                                            </p:txEl>
+                                          </p:spTgt>
+                                        </p:tgtEl>
+                                      </p:cBhvr>
+                                    </p:animEffect>
+                                  </p:childTnLst>
+                                </p:cTn>
+                              </p:par>
+                              <p:par>
+                                <p:cTn id="13" presetID="10" presetClass="entr" presetSubtype="0" fill="hold" grpId="0" nodeType="withEffect">
+                                  <p:stCondLst>
+                                    <p:cond delay="0"/>
+                                  </p:stCondLst>
+                                  <p:childTnLst>
+                                    <p:set>
+                                      <p:cBhvr>
+                                        <p:cTn id="14" dur="1" fill="hold">
+                                          <p:stCondLst>
+                                            <p:cond delay="0"/>
+                                          </p:stCondLst>
+                                        </p:cTn>
+                                        <p:tgtEl>
+                                          <p:spTgt spid="3">
+                                            <p:txEl>
+                                              <p:pRg st="3" end="3"/>
+                                            </p:txEl>
+                                          </p:spTgt>
+                                        </p:tgtEl>
+                                        <p:attrNameLst>
+                                          <p:attrName>style.visibility</p:attrName>
+                                        </p:attrNameLst>
+                                      </p:cBhvr>
+                                      <p:to>
+                                        <p:strVal val="visible"/>
+                                      </p:to>
+                                    </p:set>
+                                    <p:animEffect transition="in" filter="fade">
+                                      <p:cBhvr>
+                                        <p:cTn id="15" dur="500"/>
+                                        <p:tgtEl>
+                                          <p:spTgt spid="3">
+                                            <p:txEl>
+                                              <p:pRg st="3" end="3"/>
+                                            </p:txEl>
+                                          </p:spTgt>
+                                        </p:tgtEl>
+                                      </p:cBhvr>
+                                    </p:animEffect>
+                                  </p:childTnLst>
+                                </p:cTn>
+                              </p:par>
+                            </p:childTnLst>
+                          </p:cTn>
+                        </p:par>
+                      </p:childTnLst>
+                    </p:cTn>
+                  </p:par>
+                  <p:par>
+                    <p:cTn id="16" fill="hold">
+                      <p:stCondLst>
+                        <p:cond delay="indefinite"/>
+                      </p:stCondLst>
+                      <p:childTnLst>
+                        <p:par>
+                          <p:cTn id="17" fill="hold">
+                            <p:stCondLst>
+                              <p:cond delay="0"/>
+                            </p:stCondLst>
+                            <p:childTnLst>
+                              <p:par>
+                                <p:cTn id="18" presetID="10" presetClass="entr" presetSubtype="0" fill="hold" grpId="0" nodeType="clickEffect">
+                                  <p:stCondLst>
+                                    <p:cond delay="0"/>
+                                  </p:stCondLst>
+                                  <p:childTnLst>
+                                    <p:set>
+                                      <p:cBhvr>
+                                        <p:cTn id="19" dur="1" fill="hold">
+                                          <p:stCondLst>
+                                            <p:cond delay="0"/>
+                                          </p:stCondLst>
+                                        </p:cTn>
+                                        <p:tgtEl>
+                                          <p:spTgt spid="3">
+                                            <p:txEl>
+                                              <p:pRg st="5" end="5"/>
+                                            </p:txEl>
+                                          </p:spTgt>
+                                        </p:tgtEl>
+                                        <p:attrNameLst>
+                                          <p:attrName>style.visibility</p:attrName>
+                                        </p:attrNameLst>
+                                      </p:cBhvr>
+                                      <p:to>
+                                        <p:strVal val="visible"/>
+                                      </p:to>
+                                    </p:set>
+                                    <p:animEffect transition="in" filter="fade">
+                                      <p:cBhvr>
+                                        <p:cTn id="20" dur="500"/>
+                                        <p:tgtEl>
+                                          <p:spTgt spid="3">
+                                            <p:txEl>
+                                              <p:pRg st="5" end="5"/>
+                                            </p:txEl>
+                                          </p:spTgt>
+                                        </p:tgtEl>
+                                      </p:cBhvr>
+                                    </p:animEffect>
+                                  </p:childTnLst>
+                                </p:cTn>
+                              </p:par>
+                              <p:par>
+                                <p:cTn id="21" presetID="10" presetClass="entr" presetSubtype="0" fill="hold" grpId="0" nodeType="withEffect">
+                                  <p:stCondLst>
+                                    <p:cond delay="0"/>
+                                  </p:stCondLst>
+                                  <p:childTnLst>
+                                    <p:set>
+                                      <p:cBhvr>
+                                        <p:cTn id="22" dur="1" fill="hold">
+                                          <p:stCondLst>
+                                            <p:cond delay="0"/>
+                                          </p:stCondLst>
+                                        </p:cTn>
+                                        <p:tgtEl>
+                                          <p:spTgt spid="3">
+                                            <p:txEl>
+                                              <p:pRg st="6" end="6"/>
+                                            </p:txEl>
+                                          </p:spTgt>
+                                        </p:tgtEl>
+                                        <p:attrNameLst>
+                                          <p:attrName>style.visibility</p:attrName>
+                                        </p:attrNameLst>
+                                      </p:cBhvr>
+                                      <p:to>
+                                        <p:strVal val="visible"/>
+                                      </p:to>
+                                    </p:set>
+                                    <p:animEffect transition="in" filter="fade">
+                                      <p:cBhvr>
+                                        <p:cTn id="23" dur="500"/>
+                                        <p:tgtEl>
+                                          <p:spTgt spid="3">
+                                            <p:txEl>
+                                              <p:pRg st="6" end="6"/>
+                                            </p:txEl>
+                                          </p:spTgt>
+                                        </p:tgtEl>
+                                      </p:cBhvr>
+                                    </p:animEffect>
+                                  </p:childTnLst>
+                                </p:cTn>
+                              </p:par>
+                            </p:childTnLst>
+                          </p:cTn>
+                        </p:par>
+                      </p:childTnLst>
+                    </p:cTn>
+                  </p:par>
+                  <p:par>
+                    <p:cTn id="24" fill="hold">
+                      <p:stCondLst>
+                        <p:cond delay="indefinite"/>
+                      </p:stCondLst>
+                      <p:childTnLst>
+                        <p:par>
+                          <p:cTn id="25" fill="hold">
+                            <p:stCondLst>
+                              <p:cond delay="0"/>
+                            </p:stCondLst>
+                            <p:childTnLst>
+                              <p:par>
+                                <p:cTn id="26" presetID="10" presetClass="entr" presetSubtype="0" fill="hold" grpId="0" nodeType="clickEffect">
+                                  <p:stCondLst>
+                                    <p:cond delay="0"/>
+                                  </p:stCondLst>
+                                  <p:childTnLst>
+                                    <p:set>
+                                      <p:cBhvr>
+                                        <p:cTn id="27" dur="1" fill="hold">
+                                          <p:stCondLst>
+                                            <p:cond delay="0"/>
+                                          </p:stCondLst>
+                                        </p:cTn>
+                                        <p:tgtEl>
+                                          <p:spTgt spid="3">
+                                            <p:txEl>
+                                              <p:pRg st="8" end="8"/>
+                                            </p:txEl>
+                                          </p:spTgt>
+                                        </p:tgtEl>
+                                        <p:attrNameLst>
+                                          <p:attrName>style.visibility</p:attrName>
+                                        </p:attrNameLst>
+                                      </p:cBhvr>
+                                      <p:to>
+                                        <p:strVal val="visible"/>
+                                      </p:to>
+                                    </p:set>
+                                    <p:animEffect transition="in" filter="fade">
+                                      <p:cBhvr>
+                                        <p:cTn id="28" dur="500"/>
+                                        <p:tgtEl>
+                                          <p:spTgt spid="3">
+                                            <p:txEl>
+                                              <p:pRg st="8" end="8"/>
+                                            </p:txEl>
+                                          </p:spTgt>
+                                        </p:tgtEl>
+                                      </p:cBhvr>
+                                    </p:animEffect>
+                                  </p:childTnLst>
+                                </p:cTn>
+                              </p:par>
+                              <p:par>
+                                <p:cTn id="29" presetID="10" presetClass="entr" presetSubtype="0" fill="hold" grpId="0" nodeType="withEffect">
+                                  <p:stCondLst>
+                                    <p:cond delay="0"/>
+                                  </p:stCondLst>
+                                  <p:childTnLst>
+                                    <p:set>
+                                      <p:cBhvr>
+                                        <p:cTn id="30" dur="1" fill="hold">
+                                          <p:stCondLst>
+                                            <p:cond delay="0"/>
+                                          </p:stCondLst>
+                                        </p:cTn>
+                                        <p:tgtEl>
+                                          <p:spTgt spid="3">
+                                            <p:txEl>
+                                              <p:pRg st="9" end="9"/>
+                                            </p:txEl>
+                                          </p:spTgt>
+                                        </p:tgtEl>
+                                        <p:attrNameLst>
+                                          <p:attrName>style.visibility</p:attrName>
+                                        </p:attrNameLst>
+                                      </p:cBhvr>
+                                      <p:to>
+                                        <p:strVal val="visible"/>
+                                      </p:to>
+                                    </p:set>
+                                    <p:animEffect transition="in" filter="fade">
+                                      <p:cBhvr>
+                                        <p:cTn id="31" dur="500"/>
+                                        <p:tgtEl>
+                                          <p:spTgt spid="3">
+                                            <p:txEl>
+                                              <p:pRg st="9" end="9"/>
+                                            </p:txEl>
+                                          </p:spTgt>
+                                        </p:tgtEl>
+                                      </p:cBhvr>
+                                    </p:animEffect>
+                                  </p:childTnLst>
+                                </p:cTn>
+                              </p:par>
+                            </p:childTnLst>
+                          </p:cTn>
+                        </p:par>
+                      </p:childTnLst>
+                    </p:cTn>
+                  </p:par>
+                  <p:par>
+                    <p:cTn id="32" fill="hold">
+                      <p:stCondLst>
+                        <p:cond delay="indefinite"/>
+                      </p:stCondLst>
+                      <p:childTnLst>
+                        <p:par>
+                          <p:cTn id="33" fill="hold">
+                            <p:stCondLst>
+                              <p:cond delay="0"/>
+                            </p:stCondLst>
+                            <p:childTnLst>
+                              <p:par>
+                                <p:cTn id="34" presetID="10" presetClass="entr" presetSubtype="0" fill="hold" grpId="0" nodeType="clickEffect">
+                                  <p:stCondLst>
+                                    <p:cond delay="0"/>
+                                  </p:stCondLst>
+                                  <p:childTnLst>
+                                    <p:set>
+                                      <p:cBhvr>
+                                        <p:cTn id="35" dur="1" fill="hold">
+                                          <p:stCondLst>
+                                            <p:cond delay="0"/>
+                                          </p:stCondLst>
+                                        </p:cTn>
+                                        <p:tgtEl>
+                                          <p:spTgt spid="3">
+                                            <p:txEl>
+                                              <p:pRg st="11" end="11"/>
+                                            </p:txEl>
+                                          </p:spTgt>
+                                        </p:tgtEl>
+                                        <p:attrNameLst>
+                                          <p:attrName>style.visibility</p:attrName>
+                                        </p:attrNameLst>
+                                      </p:cBhvr>
+                                      <p:to>
+                                        <p:strVal val="visible"/>
+                                      </p:to>
+                                    </p:set>
+                                    <p:animEffect transition="in" filter="fade">
+                                      <p:cBhvr>
+                                        <p:cTn id="36" dur="500"/>
+                                        <p:tgtEl>
+                                          <p:spTgt spid="3">
+                                            <p:txEl>
+                                              <p:pRg st="11" end="11"/>
+                                            </p:txEl>
+                                          </p:spTgt>
+                                        </p:tgtEl>
+                                      </p:cBhvr>
+                                    </p:animEffect>
+                                  </p:childTnLst>
+                                </p:cTn>
+                              </p:par>
+                            </p:childTnLst>
+                          </p:cTn>
+                        </p:par>
+                      </p:childTnLst>
+                    </p:cTn>
+                  </p:par>
+                </p:childTnLst>
+              </p:cTn>
+              <p:prevCondLst>
+                <p:cond evt="onPrev" delay="0">
+                  <p:tgtEl>
+                    <p:sldTgt/>
+                  </p:tgtEl>
+                </p:cond>
+              </p:prevCondLst>
+              <p:nextCondLst>
+                <p:cond evt="onNext" delay="0">
+                  <p:tgtEl>
+                    <p:sldTgt/>
+                  </p:tgtEl>
+                </p:cond>
+              </p:nextCondLst>
+            </p:seq>
+          </p:childTnLst>
+        </p:cTn>
+      </p:par>
+    </p:tnLst>
+    <p:bldLst>
+      <p:bldP spid="3" grpId="0" build="p"/>
+    </p:bldLst>
+  </p:timing>
+</p:sld>
+</file>
+
+<file path=ppt/slides/slide5.xml><?xml version="1.0" encoding="utf-8"?>
+<p:sld xmlns:a="http://schemas.openxmlformats.org/drawingml/2006/main" xmlns:r="http://schemas.openxmlformats.org/officeDocument/2006/relationships" xmlns:p="http://schemas.openxmlformats.org/presentationml/2006/main">
+  <p:cSld>
+    <p:spTree>
+      <p:nvGrpSpPr>
+        <p:cNvPr id="1" name=""/>
+        <p:cNvGrpSpPr/>
+        <p:nvPr/>
+      </p:nvGrpSpPr>
+      <p:grpSpPr>
+        <a:xfrm>
+          <a:off x="0" y="0"/>
+          <a:ext cx="0" cy="0"/>
+          <a:chOff x="0" y="0"/>
+          <a:chExt cx="0" cy="0"/>
+        </a:xfrm>
+      </p:grpSpPr>
+      <p:sp>
+        <p:nvSpPr>
+          <p:cNvPr id="3" name="Substituent conținut 2">
+            <a:extLst>
+              <a:ext uri="{FF2B5EF4-FFF2-40B4-BE49-F238E27FC236}">
+                <a16:creationId xmlns:a16="http://schemas.microsoft.com/office/drawing/2014/main" id="{D16CE89E-4AD8-72F8-C35E-23D4BB9AE332}"/>
+              </a:ext>
+            </a:extLst>
+          </p:cNvPr>
+          <p:cNvSpPr>
+            <a:spLocks noGrp="1"/>
+          </p:cNvSpPr>
+          <p:nvPr>
+            <p:ph idx="1"/>
+          </p:nvPr>
+        </p:nvSpPr>
+        <p:spPr>
+          <a:xfrm>
+            <a:off x="675968" y="906397"/>
+            <a:ext cx="11170920" cy="5045205"/>
+          </a:xfrm>
+        </p:spPr>
+        <p:txBody>
+          <a:bodyPr>
+            <a:normAutofit lnSpcReduction="10000"/>
+          </a:bodyPr>
+          <a:lstStyle/>
+          <a:p>
+            <a:pPr marL="457200" lvl="1" indent="0">
+              <a:buNone/>
+            </a:pPr>
+            <a:endParaRPr lang="en-US" dirty="0"/>
+          </a:p>
+          <a:p>
+            <a:pPr marL="0" indent="0">
+              <a:buNone/>
+            </a:pPr>
+            <a:r>
+              <a:rPr lang="en-US" sz="4000" b="1" dirty="0" err="1"/>
+              <a:t>Sistemul</a:t>
+            </a:r>
+            <a:r>
+              <a:rPr lang="en-US" sz="4000" b="1" dirty="0"/>
+              <a:t> de </a:t>
+            </a:r>
+            <a:r>
+              <a:rPr lang="en-US" sz="4000" b="1" dirty="0" err="1"/>
+              <a:t>Fișiere</a:t>
+            </a:r>
+            <a:r>
+              <a:rPr lang="en-US" sz="4000" b="1" dirty="0"/>
+              <a:t> </a:t>
+            </a:r>
+            <a:r>
+              <a:rPr lang="en-US" sz="4000" b="1" dirty="0" err="1"/>
+              <a:t>și</a:t>
+            </a:r>
+            <a:r>
+              <a:rPr lang="en-US" sz="4000" b="1" dirty="0"/>
+              <a:t> "Preview" (FILE.ASM)</a:t>
+            </a:r>
+          </a:p>
+          <a:p>
+            <a:pPr marL="0" indent="0">
+              <a:buNone/>
+            </a:pPr>
+            <a:endParaRPr lang="en-US" sz="4000" b="1" dirty="0"/>
+          </a:p>
+          <a:p>
+            <a:r>
+              <a:rPr lang="en-US" b="1" dirty="0" err="1"/>
+              <a:t>Salvare</a:t>
+            </a:r>
+            <a:r>
+              <a:rPr lang="en-US" b="1" dirty="0"/>
+              <a:t>:</a:t>
+            </a:r>
+            <a:endParaRPr lang="en-US" dirty="0"/>
+          </a:p>
+          <a:p>
+            <a:pPr lvl="1"/>
+            <a:r>
+              <a:rPr lang="en-US" dirty="0"/>
+              <a:t>Dump de </a:t>
+            </a:r>
+            <a:r>
+              <a:rPr lang="en-US" dirty="0" err="1"/>
+              <a:t>memorie</a:t>
+            </a:r>
+            <a:r>
+              <a:rPr lang="en-US" dirty="0"/>
+              <a:t>: </a:t>
+            </a:r>
+            <a:r>
+              <a:rPr lang="en-US" dirty="0" err="1"/>
+              <a:t>Copiază</a:t>
+            </a:r>
+            <a:r>
+              <a:rPr lang="en-US" dirty="0"/>
+              <a:t> 64.000 bytes din VRAM -&gt; </a:t>
+            </a:r>
+            <a:r>
+              <a:rPr lang="en-US" dirty="0" err="1"/>
+              <a:t>Fișier</a:t>
+            </a:r>
+            <a:r>
+              <a:rPr lang="en-US" dirty="0"/>
+              <a:t> (IMAGE.BIN).</a:t>
+            </a:r>
+          </a:p>
+          <a:p>
+            <a:pPr lvl="1"/>
+            <a:endParaRPr lang="en-US" dirty="0"/>
+          </a:p>
+          <a:p>
+            <a:r>
+              <a:rPr lang="en-US" b="1" dirty="0" err="1"/>
+              <a:t>Încărcare</a:t>
+            </a:r>
+            <a:r>
+              <a:rPr lang="en-US" b="1" dirty="0"/>
+              <a:t>:</a:t>
+            </a:r>
+            <a:endParaRPr lang="en-US" dirty="0"/>
+          </a:p>
+          <a:p>
+            <a:pPr lvl="1"/>
+            <a:r>
+              <a:rPr lang="en-US" dirty="0" err="1"/>
+              <a:t>Citește</a:t>
+            </a:r>
+            <a:r>
+              <a:rPr lang="en-US" dirty="0"/>
+              <a:t> </a:t>
+            </a:r>
+            <a:r>
+              <a:rPr lang="en-US" dirty="0" err="1"/>
+              <a:t>binar</a:t>
+            </a:r>
+            <a:r>
+              <a:rPr lang="en-US" dirty="0"/>
+              <a:t> -&gt; VRAM.</a:t>
+            </a:r>
+          </a:p>
+          <a:p>
+            <a:pPr lvl="1"/>
+            <a:endParaRPr lang="en-US" dirty="0"/>
+          </a:p>
+          <a:p>
+            <a:r>
+              <a:rPr lang="en-US" b="1" dirty="0" err="1"/>
+              <a:t>Funcția</a:t>
+            </a:r>
+            <a:r>
+              <a:rPr lang="en-US" b="1" dirty="0"/>
+              <a:t> Smart Preview:</a:t>
+            </a:r>
+            <a:endParaRPr lang="en-US" dirty="0"/>
+          </a:p>
+          <a:p>
+            <a:pPr lvl="1"/>
+            <a:r>
+              <a:rPr lang="en-US" dirty="0"/>
+              <a:t>La </a:t>
+            </a:r>
+            <a:r>
+              <a:rPr lang="en-US" dirty="0" err="1"/>
+              <a:t>intrarea</a:t>
+            </a:r>
+            <a:r>
+              <a:rPr lang="en-US" dirty="0"/>
+              <a:t> </a:t>
+            </a:r>
+            <a:r>
+              <a:rPr lang="en-US" dirty="0" err="1"/>
+              <a:t>în</a:t>
+            </a:r>
+            <a:r>
+              <a:rPr lang="en-US" dirty="0"/>
+              <a:t> </a:t>
+            </a:r>
+            <a:r>
+              <a:rPr lang="en-US" dirty="0" err="1"/>
+              <a:t>meniul</a:t>
+            </a:r>
+            <a:r>
+              <a:rPr lang="en-US" dirty="0"/>
+              <a:t> Draw, </a:t>
+            </a:r>
+            <a:r>
+              <a:rPr lang="en-US" dirty="0" err="1"/>
+              <a:t>verifică</a:t>
+            </a:r>
+            <a:r>
+              <a:rPr lang="en-US" dirty="0"/>
+              <a:t> automat </a:t>
+            </a:r>
+            <a:r>
+              <a:rPr lang="en-US" dirty="0" err="1"/>
+              <a:t>existența</a:t>
+            </a:r>
+            <a:r>
+              <a:rPr lang="en-US" dirty="0"/>
+              <a:t> </a:t>
+            </a:r>
+            <a:r>
+              <a:rPr lang="en-US" dirty="0" err="1"/>
+              <a:t>fișierului</a:t>
+            </a:r>
+            <a:r>
+              <a:rPr lang="en-US" dirty="0"/>
+              <a:t>.</a:t>
+            </a:r>
+          </a:p>
+          <a:p>
+            <a:pPr lvl="1"/>
+            <a:r>
+              <a:rPr lang="en-US" dirty="0" err="1"/>
+              <a:t>Utilizatorul</a:t>
+            </a:r>
+            <a:r>
+              <a:rPr lang="en-US" dirty="0"/>
+              <a:t> poate </a:t>
+            </a:r>
+            <a:r>
+              <a:rPr lang="en-US" dirty="0" err="1"/>
+              <a:t>alege</a:t>
+            </a:r>
+            <a:r>
+              <a:rPr lang="en-US" dirty="0"/>
+              <a:t> să </a:t>
+            </a:r>
+            <a:r>
+              <a:rPr lang="en-US" dirty="0" err="1"/>
+              <a:t>vadă</a:t>
+            </a:r>
+            <a:r>
+              <a:rPr lang="en-US" dirty="0"/>
+              <a:t> </a:t>
+            </a:r>
+            <a:r>
+              <a:rPr lang="en-US" dirty="0" err="1"/>
+              <a:t>imaginea</a:t>
+            </a:r>
+            <a:r>
+              <a:rPr lang="en-US" dirty="0"/>
+              <a:t> </a:t>
+            </a:r>
+            <a:r>
+              <a:rPr lang="en-US" dirty="0" err="1"/>
+              <a:t>veche</a:t>
+            </a:r>
+            <a:r>
+              <a:rPr lang="en-US" dirty="0"/>
+              <a:t> </a:t>
+            </a:r>
+            <a:r>
+              <a:rPr lang="en-US" dirty="0" err="1"/>
+              <a:t>înainte</a:t>
+            </a:r>
+            <a:r>
+              <a:rPr lang="en-US" dirty="0"/>
+              <a:t> de a </a:t>
+            </a:r>
+            <a:r>
+              <a:rPr lang="en-US" dirty="0" err="1"/>
+              <a:t>desena</a:t>
+            </a:r>
+            <a:r>
+              <a:rPr lang="en-US" dirty="0"/>
+              <a:t> </a:t>
+            </a:r>
+            <a:r>
+              <a:rPr lang="en-US" dirty="0" err="1"/>
+              <a:t>peste</a:t>
+            </a:r>
+            <a:r>
+              <a:rPr lang="en-US" dirty="0"/>
+              <a:t> ea.</a:t>
+            </a:r>
+          </a:p>
+          <a:p>
+            <a:pPr lvl="1"/>
+            <a:r>
+              <a:rPr lang="en-US" dirty="0" err="1"/>
+              <a:t>Folosește</a:t>
+            </a:r>
+            <a:r>
+              <a:rPr lang="en-US" dirty="0"/>
+              <a:t> un </a:t>
+            </a:r>
+            <a:r>
+              <a:rPr lang="en-US" b="1" dirty="0"/>
+              <a:t>Buffer</a:t>
+            </a:r>
+            <a:r>
+              <a:rPr lang="en-US" dirty="0"/>
+              <a:t> </a:t>
+            </a:r>
+            <a:r>
+              <a:rPr lang="en-US" dirty="0" err="1"/>
+              <a:t>intermediar</a:t>
+            </a:r>
+            <a:r>
+              <a:rPr lang="en-US" dirty="0"/>
+              <a:t> </a:t>
+            </a:r>
+            <a:r>
+              <a:rPr lang="en-US" dirty="0" err="1"/>
+              <a:t>pentru</a:t>
+            </a:r>
+            <a:r>
+              <a:rPr lang="en-US" dirty="0"/>
+              <a:t> a nu </a:t>
+            </a:r>
+            <a:r>
+              <a:rPr lang="en-US" dirty="0" err="1"/>
+              <a:t>pierde</a:t>
+            </a:r>
+            <a:r>
+              <a:rPr lang="en-US" dirty="0"/>
+              <a:t> </a:t>
+            </a:r>
+            <a:r>
+              <a:rPr lang="en-US" dirty="0" err="1"/>
+              <a:t>datele</a:t>
+            </a:r>
+            <a:r>
+              <a:rPr lang="en-US" dirty="0"/>
+              <a:t>.</a:t>
+            </a:r>
+          </a:p>
+          <a:p>
+            <a:endParaRPr lang="en-US" dirty="0"/>
+          </a:p>
+        </p:txBody>
+      </p:sp>
+    </p:spTree>
+    <p:extLst>
+      <p:ext uri="{BB962C8B-B14F-4D97-AF65-F5344CB8AC3E}">
+        <p14:creationId xmlns:p14="http://schemas.microsoft.com/office/powerpoint/2010/main" val="267052179"/>
+      </p:ext>
+    </p:extLst>
+  </p:cSld>
+  <p:clrMapOvr>
+    <a:masterClrMapping/>
+  </p:clrMapOvr>
+  <mc:AlternateContent xmlns:mc="http://schemas.openxmlformats.org/markup-compatibility/2006" xmlns:p159="http://schemas.microsoft.com/office/powerpoint/2015/09/main">
+    <mc:Choice Requires="p159">
+      <p:transition xmlns:p14="http://schemas.microsoft.com/office/powerpoint/2010/main" spd="slow" p14:dur="2000">
+        <p159:morph option="byObject"/>
+      </p:transition>
+    </mc:Choice>
+    <mc:Fallback xmlns="">
+      <p:transition spd="slow">
+        <p:fade/>
+      </p:transition>
+    </mc:Fallback>
+  </mc:AlternateContent>
+  <p:timing>
+    <p:tnLst>
+      <p:par>
+        <p:cTn id="1" dur="indefinite" restart="never" nodeType="tmRoot">
+          <p:childTnLst>
+            <p:seq concurrent="1" nextAc="seek">
+              <p:cTn id="2" dur="indefinite" nodeType="mainSeq">
+                <p:childTnLst>
+                  <p:par>
+                    <p:cTn id="3" fill="hold">
+                      <p:stCondLst>
+                        <p:cond delay="indefinite"/>
+                      </p:stCondLst>
+                      <p:childTnLst>
+                        <p:par>
+                          <p:cTn id="4" fill="hold">
+                            <p:stCondLst>
+                              <p:cond delay="0"/>
+                            </p:stCondLst>
+                            <p:childTnLst>
+                              <p:par>
+                                <p:cTn id="5" presetID="2" presetClass="entr" presetSubtype="4" fill="hold" grpId="0" nodeType="clickEffect">
+                                  <p:stCondLst>
+                                    <p:cond delay="0"/>
+                                  </p:stCondLst>
+                                  <p:childTnLst>
+                                    <p:set>
+                                      <p:cBhvr>
+                                        <p:cTn id="6" dur="1" fill="hold">
+                                          <p:stCondLst>
+                                            <p:cond delay="0"/>
+                                          </p:stCondLst>
+                                        </p:cTn>
+                                        <p:tgtEl>
+                                          <p:spTgt spid="3">
+                                            <p:txEl>
+                                              <p:pRg st="1" end="1"/>
+                                            </p:txEl>
+                                          </p:spTgt>
+                                        </p:tgtEl>
+                                        <p:attrNameLst>
+                                          <p:attrName>style.visibility</p:attrName>
+                                        </p:attrNameLst>
+                                      </p:cBhvr>
+                                      <p:to>
+                                        <p:strVal val="visible"/>
+                                      </p:to>
+                                    </p:set>
+                                    <p:anim calcmode="lin" valueType="num">
+                                      <p:cBhvr additive="base">
+                                        <p:cTn id="7" dur="500" fill="hold"/>
+                                        <p:tgtEl>
+                                          <p:spTgt spid="3">
+                                            <p:txEl>
+                                              <p:pRg st="1" end="1"/>
+                                            </p:txEl>
+                                          </p:spTgt>
+                                        </p:tgtEl>
+                                        <p:attrNameLst>
+                                          <p:attrName>ppt_x</p:attrName>
+                                        </p:attrNameLst>
+                                      </p:cBhvr>
+                                      <p:tavLst>
+                                        <p:tav tm="0">
+                                          <p:val>
+                                            <p:strVal val="#ppt_x"/>
+                                          </p:val>
+                                        </p:tav>
+                                        <p:tav tm="100000">
+                                          <p:val>
+                                            <p:strVal val="#ppt_x"/>
+                                          </p:val>
+                                        </p:tav>
+                                      </p:tavLst>
+                                    </p:anim>
+                                    <p:anim calcmode="lin" valueType="num">
+                                      <p:cBhvr additive="base">
+                                        <p:cTn id="8" dur="500" fill="hold"/>
+                                        <p:tgtEl>
+                                          <p:spTgt spid="3">
+                                            <p:txEl>
+                                              <p:pRg st="1" end="1"/>
+                                            </p:txEl>
+                                          </p:spTgt>
+                                        </p:tgtEl>
+                                        <p:attrNameLst>
+                                          <p:attrName>ppt_y</p:attrName>
+                                        </p:attrNameLst>
+                                      </p:cBhvr>
+                                      <p:tavLst>
+                                        <p:tav tm="0">
+                                          <p:val>
+                                            <p:strVal val="1+#ppt_h/2"/>
+                                          </p:val>
+                                        </p:tav>
+                                        <p:tav tm="100000">
+                                          <p:val>
+                                            <p:strVal val="#ppt_y"/>
+                                          </p:val>
+                                        </p:tav>
+                                      </p:tavLst>
+                                    </p:anim>
+                                  </p:childTnLst>
+                                </p:cTn>
+                              </p:par>
+                            </p:childTnLst>
+                          </p:cTn>
+                        </p:par>
+                      </p:childTnLst>
+                    </p:cTn>
+                  </p:par>
+                  <p:par>
+                    <p:cTn id="9" fill="hold">
+                      <p:stCondLst>
+                        <p:cond delay="indefinite"/>
+                      </p:stCondLst>
+                      <p:childTnLst>
+                        <p:par>
+                          <p:cTn id="10" fill="hold">
+                            <p:stCondLst>
+                              <p:cond delay="0"/>
+                            </p:stCondLst>
+                            <p:childTnLst>
+                              <p:par>
+                                <p:cTn id="11" presetID="2" presetClass="entr" presetSubtype="4" fill="hold" grpId="0" nodeType="clickEffect">
+                                  <p:stCondLst>
+                                    <p:cond delay="0"/>
+                                  </p:stCondLst>
+                                  <p:childTnLst>
+                                    <p:set>
+                                      <p:cBhvr>
+                                        <p:cTn id="12" dur="1" fill="hold">
+                                          <p:stCondLst>
+                                            <p:cond delay="0"/>
+                                          </p:stCondLst>
+                                        </p:cTn>
+                                        <p:tgtEl>
+                                          <p:spTgt spid="3">
+                                            <p:txEl>
+                                              <p:pRg st="3" end="3"/>
+                                            </p:txEl>
+                                          </p:spTgt>
+                                        </p:tgtEl>
+                                        <p:attrNameLst>
+                                          <p:attrName>style.visibility</p:attrName>
+                                        </p:attrNameLst>
+                                      </p:cBhvr>
+                                      <p:to>
+                                        <p:strVal val="visible"/>
+                                      </p:to>
+                                    </p:set>
+                                    <p:anim calcmode="lin" valueType="num">
+                                      <p:cBhvr additive="base">
+                                        <p:cTn id="13" dur="500" fill="hold"/>
+                                        <p:tgtEl>
+                                          <p:spTgt spid="3">
+                                            <p:txEl>
+                                              <p:pRg st="3" end="3"/>
+                                            </p:txEl>
+                                          </p:spTgt>
+                                        </p:tgtEl>
+                                        <p:attrNameLst>
+                                          <p:attrName>ppt_x</p:attrName>
+                                        </p:attrNameLst>
+                                      </p:cBhvr>
+                                      <p:tavLst>
+                                        <p:tav tm="0">
+                                          <p:val>
+                                            <p:strVal val="#ppt_x"/>
+                                          </p:val>
+                                        </p:tav>
+                                        <p:tav tm="100000">
+                                          <p:val>
+                                            <p:strVal val="#ppt_x"/>
+                                          </p:val>
+                                        </p:tav>
+                                      </p:tavLst>
+                                    </p:anim>
+                                    <p:anim calcmode="lin" valueType="num">
+                                      <p:cBhvr additive="base">
+                                        <p:cTn id="14" dur="500" fill="hold"/>
+                                        <p:tgtEl>
+                                          <p:spTgt spid="3">
+                                            <p:txEl>
+                                              <p:pRg st="3" end="3"/>
+                                            </p:txEl>
+                                          </p:spTgt>
+                                        </p:tgtEl>
+                                        <p:attrNameLst>
+                                          <p:attrName>ppt_y</p:attrName>
+                                        </p:attrNameLst>
+                                      </p:cBhvr>
+                                      <p:tavLst>
+                                        <p:tav tm="0">
+                                          <p:val>
+                                            <p:strVal val="1+#ppt_h/2"/>
+                                          </p:val>
+                                        </p:tav>
+                                        <p:tav tm="100000">
+                                          <p:val>
+                                            <p:strVal val="#ppt_y"/>
+                                          </p:val>
+                                        </p:tav>
+                                      </p:tavLst>
+                                    </p:anim>
+                                  </p:childTnLst>
+                                </p:cTn>
+                              </p:par>
+                              <p:par>
+                                <p:cTn id="15" presetID="2" presetClass="entr" presetSubtype="4" fill="hold" grpId="0" nodeType="withEffect">
+                                  <p:stCondLst>
+                                    <p:cond delay="0"/>
+                                  </p:stCondLst>
+                                  <p:childTnLst>
+                                    <p:set>
+                                      <p:cBhvr>
+                                        <p:cTn id="16" dur="1" fill="hold">
+                                          <p:stCondLst>
+                                            <p:cond delay="0"/>
+                                          </p:stCondLst>
+                                        </p:cTn>
+                                        <p:tgtEl>
+                                          <p:spTgt spid="3">
+                                            <p:txEl>
+                                              <p:pRg st="4" end="4"/>
+                                            </p:txEl>
+                                          </p:spTgt>
+                                        </p:tgtEl>
+                                        <p:attrNameLst>
+                                          <p:attrName>style.visibility</p:attrName>
+                                        </p:attrNameLst>
+                                      </p:cBhvr>
+                                      <p:to>
+                                        <p:strVal val="visible"/>
+                                      </p:to>
+                                    </p:set>
+                                    <p:anim calcmode="lin" valueType="num">
+                                      <p:cBhvr additive="base">
+                                        <p:cTn id="17" dur="500" fill="hold"/>
+                                        <p:tgtEl>
+                                          <p:spTgt spid="3">
+                                            <p:txEl>
+                                              <p:pRg st="4" end="4"/>
+                                            </p:txEl>
+                                          </p:spTgt>
+                                        </p:tgtEl>
+                                        <p:attrNameLst>
+                                          <p:attrName>ppt_x</p:attrName>
+                                        </p:attrNameLst>
+                                      </p:cBhvr>
+                                      <p:tavLst>
+                                        <p:tav tm="0">
+                                          <p:val>
+                                            <p:strVal val="#ppt_x"/>
+                                          </p:val>
+                                        </p:tav>
+                                        <p:tav tm="100000">
+                                          <p:val>
+                                            <p:strVal val="#ppt_x"/>
+                                          </p:val>
+                                        </p:tav>
+                                      </p:tavLst>
+                                    </p:anim>
+                                    <p:anim calcmode="lin" valueType="num">
+                                      <p:cBhvr additive="base">
+                                        <p:cTn id="18" dur="500" fill="hold"/>
+                                        <p:tgtEl>
+                                          <p:spTgt spid="3">
+                                            <p:txEl>
+                                              <p:pRg st="4" end="4"/>
+                                            </p:txEl>
+                                          </p:spTgt>
+                                        </p:tgtEl>
+                                        <p:attrNameLst>
+                                          <p:attrName>ppt_y</p:attrName>
+                                        </p:attrNameLst>
+                                      </p:cBhvr>
+                                      <p:tavLst>
+                                        <p:tav tm="0">
+                                          <p:val>
+                                            <p:strVal val="1+#ppt_h/2"/>
+                                          </p:val>
+                                        </p:tav>
+                                        <p:tav tm="100000">
+                                          <p:val>
+                                            <p:strVal val="#ppt_y"/>
+                                          </p:val>
+                                        </p:tav>
+                                      </p:tavLst>
+                                    </p:anim>
+                                  </p:childTnLst>
+                                </p:cTn>
+                              </p:par>
+                            </p:childTnLst>
+                          </p:cTn>
+                        </p:par>
+                      </p:childTnLst>
+                    </p:cTn>
+                  </p:par>
+                  <p:par>
+                    <p:cTn id="19" fill="hold">
+                      <p:stCondLst>
+                        <p:cond delay="indefinite"/>
+                      </p:stCondLst>
+                      <p:childTnLst>
+                        <p:par>
+                          <p:cTn id="20" fill="hold">
+                            <p:stCondLst>
+                              <p:cond delay="0"/>
+                            </p:stCondLst>
+                            <p:childTnLst>
+                              <p:par>
+                                <p:cTn id="21" presetID="2" presetClass="entr" presetSubtype="4" fill="hold" grpId="0" nodeType="clickEffect">
+                                  <p:stCondLst>
+                                    <p:cond delay="0"/>
+                                  </p:stCondLst>
+                                  <p:childTnLst>
+                                    <p:set>
+                                      <p:cBhvr>
+                                        <p:cTn id="22" dur="1" fill="hold">
+                                          <p:stCondLst>
+                                            <p:cond delay="0"/>
+                                          </p:stCondLst>
+                                        </p:cTn>
+                                        <p:tgtEl>
+                                          <p:spTgt spid="3">
+                                            <p:txEl>
+                                              <p:pRg st="6" end="6"/>
+                                            </p:txEl>
+                                          </p:spTgt>
+                                        </p:tgtEl>
+                                        <p:attrNameLst>
+                                          <p:attrName>style.visibility</p:attrName>
+                                        </p:attrNameLst>
+                                      </p:cBhvr>
+                                      <p:to>
+                                        <p:strVal val="visible"/>
+                                      </p:to>
+                                    </p:set>
+                                    <p:anim calcmode="lin" valueType="num">
+                                      <p:cBhvr additive="base">
+                                        <p:cTn id="23" dur="500" fill="hold"/>
+                                        <p:tgtEl>
+                                          <p:spTgt spid="3">
+                                            <p:txEl>
+                                              <p:pRg st="6" end="6"/>
+                                            </p:txEl>
+                                          </p:spTgt>
+                                        </p:tgtEl>
+                                        <p:attrNameLst>
+                                          <p:attrName>ppt_x</p:attrName>
+                                        </p:attrNameLst>
+                                      </p:cBhvr>
+                                      <p:tavLst>
+                                        <p:tav tm="0">
+                                          <p:val>
+                                            <p:strVal val="#ppt_x"/>
+                                          </p:val>
+                                        </p:tav>
+                                        <p:tav tm="100000">
+                                          <p:val>
+                                            <p:strVal val="#ppt_x"/>
+                                          </p:val>
+                                        </p:tav>
+                                      </p:tavLst>
+                                    </p:anim>
+                                    <p:anim calcmode="lin" valueType="num">
+                                      <p:cBhvr additive="base">
+                                        <p:cTn id="24" dur="500" fill="hold"/>
+                                        <p:tgtEl>
+                                          <p:spTgt spid="3">
+                                            <p:txEl>
+                                              <p:pRg st="6" end="6"/>
+                                            </p:txEl>
+                                          </p:spTgt>
+                                        </p:tgtEl>
+                                        <p:attrNameLst>
+                                          <p:attrName>ppt_y</p:attrName>
+                                        </p:attrNameLst>
+                                      </p:cBhvr>
+                                      <p:tavLst>
+                                        <p:tav tm="0">
+                                          <p:val>
+                                            <p:strVal val="1+#ppt_h/2"/>
+                                          </p:val>
+                                        </p:tav>
+                                        <p:tav tm="100000">
+                                          <p:val>
+                                            <p:strVal val="#ppt_y"/>
+                                          </p:val>
+                                        </p:tav>
+                                      </p:tavLst>
+                                    </p:anim>
+                                  </p:childTnLst>
+                                </p:cTn>
+                              </p:par>
+                              <p:par>
+                                <p:cTn id="25" presetID="2" presetClass="entr" presetSubtype="4" fill="hold" grpId="0" nodeType="withEffect">
+                                  <p:stCondLst>
+                                    <p:cond delay="0"/>
+                                  </p:stCondLst>
+                                  <p:childTnLst>
+                                    <p:set>
+                                      <p:cBhvr>
+                                        <p:cTn id="26" dur="1" fill="hold">
+                                          <p:stCondLst>
+                                            <p:cond delay="0"/>
+                                          </p:stCondLst>
+                                        </p:cTn>
+                                        <p:tgtEl>
+                                          <p:spTgt spid="3">
+                                            <p:txEl>
+                                              <p:pRg st="7" end="7"/>
+                                            </p:txEl>
+                                          </p:spTgt>
+                                        </p:tgtEl>
+                                        <p:attrNameLst>
+                                          <p:attrName>style.visibility</p:attrName>
+                                        </p:attrNameLst>
+                                      </p:cBhvr>
+                                      <p:to>
+                                        <p:strVal val="visible"/>
+                                      </p:to>
+                                    </p:set>
+                                    <p:anim calcmode="lin" valueType="num">
+                                      <p:cBhvr additive="base">
+                                        <p:cTn id="27" dur="500" fill="hold"/>
+                                        <p:tgtEl>
+                                          <p:spTgt spid="3">
+                                            <p:txEl>
+                                              <p:pRg st="7" end="7"/>
+                                            </p:txEl>
+                                          </p:spTgt>
+                                        </p:tgtEl>
+                                        <p:attrNameLst>
+                                          <p:attrName>ppt_x</p:attrName>
+                                        </p:attrNameLst>
+                                      </p:cBhvr>
+                                      <p:tavLst>
+                                        <p:tav tm="0">
+                                          <p:val>
+                                            <p:strVal val="#ppt_x"/>
+                                          </p:val>
+                                        </p:tav>
+                                        <p:tav tm="100000">
+                                          <p:val>
+                                            <p:strVal val="#ppt_x"/>
+                                          </p:val>
+                                        </p:tav>
+                                      </p:tavLst>
+                                    </p:anim>
+                                    <p:anim calcmode="lin" valueType="num">
+                                      <p:cBhvr additive="base">
+                                        <p:cTn id="28" dur="500" fill="hold"/>
+                                        <p:tgtEl>
+                                          <p:spTgt spid="3">
+                                            <p:txEl>
+                                              <p:pRg st="7" end="7"/>
+                                            </p:txEl>
+                                          </p:spTgt>
+                                        </p:tgtEl>
+                                        <p:attrNameLst>
+                                          <p:attrName>ppt_y</p:attrName>
+                                        </p:attrNameLst>
+                                      </p:cBhvr>
+                                      <p:tavLst>
+                                        <p:tav tm="0">
+                                          <p:val>
+                                            <p:strVal val="1+#ppt_h/2"/>
+                                          </p:val>
+                                        </p:tav>
+                                        <p:tav tm="100000">
+                                          <p:val>
+                                            <p:strVal val="#ppt_y"/>
+                                          </p:val>
+                                        </p:tav>
+                                      </p:tavLst>
+                                    </p:anim>
+                                  </p:childTnLst>
+                                </p:cTn>
+                              </p:par>
+                            </p:childTnLst>
+                          </p:cTn>
+                        </p:par>
+                      </p:childTnLst>
+                    </p:cTn>
+                  </p:par>
+                  <p:par>
+                    <p:cTn id="29" fill="hold">
+                      <p:stCondLst>
+                        <p:cond delay="indefinite"/>
+                      </p:stCondLst>
+                      <p:childTnLst>
+                        <p:par>
+                          <p:cTn id="30" fill="hold">
+                            <p:stCondLst>
+                              <p:cond delay="0"/>
+                            </p:stCondLst>
+                            <p:childTnLst>
+                              <p:par>
+                                <p:cTn id="31" presetID="2" presetClass="entr" presetSubtype="4" fill="hold" grpId="0" nodeType="clickEffect">
+                                  <p:stCondLst>
+                                    <p:cond delay="0"/>
+                                  </p:stCondLst>
+                                  <p:childTnLst>
+                                    <p:set>
+                                      <p:cBhvr>
+                                        <p:cTn id="32" dur="1" fill="hold">
+                                          <p:stCondLst>
+                                            <p:cond delay="0"/>
+                                          </p:stCondLst>
+                                        </p:cTn>
+                                        <p:tgtEl>
+                                          <p:spTgt spid="3">
+                                            <p:txEl>
+                                              <p:pRg st="9" end="9"/>
+                                            </p:txEl>
+                                          </p:spTgt>
+                                        </p:tgtEl>
+                                        <p:attrNameLst>
+                                          <p:attrName>style.visibility</p:attrName>
+                                        </p:attrNameLst>
+                                      </p:cBhvr>
+                                      <p:to>
+                                        <p:strVal val="visible"/>
+                                      </p:to>
+                                    </p:set>
+                                    <p:anim calcmode="lin" valueType="num">
+                                      <p:cBhvr additive="base">
+                                        <p:cTn id="33" dur="500" fill="hold"/>
+                                        <p:tgtEl>
+                                          <p:spTgt spid="3">
+                                            <p:txEl>
+                                              <p:pRg st="9" end="9"/>
+                                            </p:txEl>
+                                          </p:spTgt>
+                                        </p:tgtEl>
+                                        <p:attrNameLst>
+                                          <p:attrName>ppt_x</p:attrName>
+                                        </p:attrNameLst>
+                                      </p:cBhvr>
+                                      <p:tavLst>
+                                        <p:tav tm="0">
+                                          <p:val>
+                                            <p:strVal val="#ppt_x"/>
+                                          </p:val>
+                                        </p:tav>
+                                        <p:tav tm="100000">
+                                          <p:val>
+                                            <p:strVal val="#ppt_x"/>
+                                          </p:val>
+                                        </p:tav>
+                                      </p:tavLst>
+                                    </p:anim>
+                                    <p:anim calcmode="lin" valueType="num">
+                                      <p:cBhvr additive="base">
+                                        <p:cTn id="34" dur="500" fill="hold"/>
+                                        <p:tgtEl>
+                                          <p:spTgt spid="3">
+                                            <p:txEl>
+                                              <p:pRg st="9" end="9"/>
+                                            </p:txEl>
+                                          </p:spTgt>
+                                        </p:tgtEl>
+                                        <p:attrNameLst>
+                                          <p:attrName>ppt_y</p:attrName>
+                                        </p:attrNameLst>
+                                      </p:cBhvr>
+                                      <p:tavLst>
+                                        <p:tav tm="0">
+                                          <p:val>
+                                            <p:strVal val="1+#ppt_h/2"/>
+                                          </p:val>
+                                        </p:tav>
+                                        <p:tav tm="100000">
+                                          <p:val>
+                                            <p:strVal val="#ppt_y"/>
+                                          </p:val>
+                                        </p:tav>
+                                      </p:tavLst>
+                                    </p:anim>
+                                  </p:childTnLst>
+                                </p:cTn>
+                              </p:par>
+                              <p:par>
+                                <p:cTn id="35" presetID="2" presetClass="entr" presetSubtype="4" fill="hold" grpId="0" nodeType="withEffect">
+                                  <p:stCondLst>
+                                    <p:cond delay="0"/>
+                                  </p:stCondLst>
+                                  <p:childTnLst>
+                                    <p:set>
+                                      <p:cBhvr>
+                                        <p:cTn id="36" dur="1" fill="hold">
+                                          <p:stCondLst>
+                                            <p:cond delay="0"/>
+                                          </p:stCondLst>
+                                        </p:cTn>
+                                        <p:tgtEl>
+                                          <p:spTgt spid="3">
+                                            <p:txEl>
+                                              <p:pRg st="10" end="10"/>
+                                            </p:txEl>
+                                          </p:spTgt>
+                                        </p:tgtEl>
+                                        <p:attrNameLst>
+                                          <p:attrName>style.visibility</p:attrName>
+                                        </p:attrNameLst>
+                                      </p:cBhvr>
+                                      <p:to>
+                                        <p:strVal val="visible"/>
+                                      </p:to>
+                                    </p:set>
+                                    <p:anim calcmode="lin" valueType="num">
+                                      <p:cBhvr additive="base">
+                                        <p:cTn id="37" dur="500" fill="hold"/>
+                                        <p:tgtEl>
+                                          <p:spTgt spid="3">
+                                            <p:txEl>
+                                              <p:pRg st="10" end="10"/>
+                                            </p:txEl>
+                                          </p:spTgt>
+                                        </p:tgtEl>
+                                        <p:attrNameLst>
+                                          <p:attrName>ppt_x</p:attrName>
+                                        </p:attrNameLst>
+                                      </p:cBhvr>
+                                      <p:tavLst>
+                                        <p:tav tm="0">
+                                          <p:val>
+                                            <p:strVal val="#ppt_x"/>
+                                          </p:val>
+                                        </p:tav>
+                                        <p:tav tm="100000">
+                                          <p:val>
+                                            <p:strVal val="#ppt_x"/>
+                                          </p:val>
+                                        </p:tav>
+                                      </p:tavLst>
+                                    </p:anim>
+                                    <p:anim calcmode="lin" valueType="num">
+                                      <p:cBhvr additive="base">
+                                        <p:cTn id="38" dur="500" fill="hold"/>
+                                        <p:tgtEl>
+                                          <p:spTgt spid="3">
+                                            <p:txEl>
+                                              <p:pRg st="10" end="10"/>
+                                            </p:txEl>
+                                          </p:spTgt>
+                                        </p:tgtEl>
+                                        <p:attrNameLst>
+                                          <p:attrName>ppt_y</p:attrName>
+                                        </p:attrNameLst>
+                                      </p:cBhvr>
+                                      <p:tavLst>
+                                        <p:tav tm="0">
+                                          <p:val>
+                                            <p:strVal val="1+#ppt_h/2"/>
+                                          </p:val>
+                                        </p:tav>
+                                        <p:tav tm="100000">
+                                          <p:val>
+                                            <p:strVal val="#ppt_y"/>
+                                          </p:val>
+                                        </p:tav>
+                                      </p:tavLst>
+                                    </p:anim>
+                                  </p:childTnLst>
+                                </p:cTn>
+                              </p:par>
+                              <p:par>
+                                <p:cTn id="39" presetID="2" presetClass="entr" presetSubtype="4" fill="hold" grpId="0" nodeType="withEffect">
+                                  <p:stCondLst>
+                                    <p:cond delay="0"/>
+                                  </p:stCondLst>
+                                  <p:childTnLst>
+                                    <p:set>
+                                      <p:cBhvr>
+                                        <p:cTn id="40" dur="1" fill="hold">
+                                          <p:stCondLst>
+                                            <p:cond delay="0"/>
+                                          </p:stCondLst>
+                                        </p:cTn>
+                                        <p:tgtEl>
+                                          <p:spTgt spid="3">
+                                            <p:txEl>
+                                              <p:pRg st="11" end="11"/>
+                                            </p:txEl>
+                                          </p:spTgt>
+                                        </p:tgtEl>
+                                        <p:attrNameLst>
+                                          <p:attrName>style.visibility</p:attrName>
+                                        </p:attrNameLst>
+                                      </p:cBhvr>
+                                      <p:to>
+                                        <p:strVal val="visible"/>
+                                      </p:to>
+                                    </p:set>
+                                    <p:anim calcmode="lin" valueType="num">
+                                      <p:cBhvr additive="base">
+                                        <p:cTn id="41" dur="500" fill="hold"/>
+                                        <p:tgtEl>
+                                          <p:spTgt spid="3">
+                                            <p:txEl>
+                                              <p:pRg st="11" end="11"/>
+                                            </p:txEl>
+                                          </p:spTgt>
+                                        </p:tgtEl>
+                                        <p:attrNameLst>
+                                          <p:attrName>ppt_x</p:attrName>
+                                        </p:attrNameLst>
+                                      </p:cBhvr>
+                                      <p:tavLst>
+                                        <p:tav tm="0">
+                                          <p:val>
+                                            <p:strVal val="#ppt_x"/>
+                                          </p:val>
+                                        </p:tav>
+                                        <p:tav tm="100000">
+                                          <p:val>
+                                            <p:strVal val="#ppt_x"/>
+                                          </p:val>
+                                        </p:tav>
+                                      </p:tavLst>
+                                    </p:anim>
+                                    <p:anim calcmode="lin" valueType="num">
+                                      <p:cBhvr additive="base">
+                                        <p:cTn id="42" dur="500" fill="hold"/>
+                                        <p:tgtEl>
+                                          <p:spTgt spid="3">
+                                            <p:txEl>
+                                              <p:pRg st="11" end="11"/>
+                                            </p:txEl>
+                                          </p:spTgt>
+                                        </p:tgtEl>
+                                        <p:attrNameLst>
+                                          <p:attrName>ppt_y</p:attrName>
+                                        </p:attrNameLst>
+                                      </p:cBhvr>
+                                      <p:tavLst>
+                                        <p:tav tm="0">
+                                          <p:val>
+                                            <p:strVal val="1+#ppt_h/2"/>
+                                          </p:val>
+                                        </p:tav>
+                                        <p:tav tm="100000">
+                                          <p:val>
+                                            <p:strVal val="#ppt_y"/>
+                                          </p:val>
+                                        </p:tav>
+                                      </p:tavLst>
+                                    </p:anim>
+                                  </p:childTnLst>
+                                </p:cTn>
+                              </p:par>
+                              <p:par>
+                                <p:cTn id="43" presetID="2" presetClass="entr" presetSubtype="4" fill="hold" grpId="0" nodeType="withEffect">
+                                  <p:stCondLst>
+                                    <p:cond delay="0"/>
+                                  </p:stCondLst>
+                                  <p:childTnLst>
+                                    <p:set>
+                                      <p:cBhvr>
+                                        <p:cTn id="44" dur="1" fill="hold">
+                                          <p:stCondLst>
+                                            <p:cond delay="0"/>
+                                          </p:stCondLst>
+                                        </p:cTn>
+                                        <p:tgtEl>
+                                          <p:spTgt spid="3">
+                                            <p:txEl>
+                                              <p:pRg st="12" end="12"/>
+                                            </p:txEl>
+                                          </p:spTgt>
+                                        </p:tgtEl>
+                                        <p:attrNameLst>
+                                          <p:attrName>style.visibility</p:attrName>
+                                        </p:attrNameLst>
+                                      </p:cBhvr>
+                                      <p:to>
+                                        <p:strVal val="visible"/>
+                                      </p:to>
+                                    </p:set>
+                                    <p:anim calcmode="lin" valueType="num">
+                                      <p:cBhvr additive="base">
+                                        <p:cTn id="45" dur="500" fill="hold"/>
+                                        <p:tgtEl>
+                                          <p:spTgt spid="3">
+                                            <p:txEl>
+                                              <p:pRg st="12" end="12"/>
+                                            </p:txEl>
+                                          </p:spTgt>
+                                        </p:tgtEl>
+                                        <p:attrNameLst>
+                                          <p:attrName>ppt_x</p:attrName>
+                                        </p:attrNameLst>
+                                      </p:cBhvr>
+                                      <p:tavLst>
+                                        <p:tav tm="0">
+                                          <p:val>
+                                            <p:strVal val="#ppt_x"/>
+                                          </p:val>
+                                        </p:tav>
+                                        <p:tav tm="100000">
+                                          <p:val>
+                                            <p:strVal val="#ppt_x"/>
+                                          </p:val>
+                                        </p:tav>
+                                      </p:tavLst>
+                                    </p:anim>
+                                    <p:anim calcmode="lin" valueType="num">
+                                      <p:cBhvr additive="base">
+                                        <p:cTn id="46" dur="500" fill="hold"/>
+                                        <p:tgtEl>
+                                          <p:spTgt spid="3">
+                                            <p:txEl>
+                                              <p:pRg st="12" end="12"/>
+                                            </p:txEl>
+                                          </p:spTgt>
+                                        </p:tgtEl>
+                                        <p:attrNameLst>
+                                          <p:attrName>ppt_y</p:attrName>
+                                        </p:attrNameLst>
+                                      </p:cBhvr>
+                                      <p:tavLst>
+                                        <p:tav tm="0">
+                                          <p:val>
+                                            <p:strVal val="1+#ppt_h/2"/>
+                                          </p:val>
+                                        </p:tav>
+                                        <p:tav tm="100000">
+                                          <p:val>
+                                            <p:strVal val="#ppt_y"/>
+                                          </p:val>
+                                        </p:tav>
+                                      </p:tavLst>
+                                    </p:anim>
+                                  </p:childTnLst>
+                                </p:cTn>
+                              </p:par>
+                            </p:childTnLst>
+                          </p:cTn>
+                        </p:par>
+                      </p:childTnLst>
+                    </p:cTn>
+                  </p:par>
+                </p:childTnLst>
+              </p:cTn>
+              <p:prevCondLst>
+                <p:cond evt="onPrev" delay="0">
+                  <p:tgtEl>
+                    <p:sldTgt/>
+                  </p:tgtEl>
+                </p:cond>
+              </p:prevCondLst>
+              <p:nextCondLst>
+                <p:cond evt="onNext" delay="0">
+                  <p:tgtEl>
+                    <p:sldTgt/>
+                  </p:tgtEl>
+                </p:cond>
+              </p:nextCondLst>
+            </p:seq>
+          </p:childTnLst>
+        </p:cTn>
+      </p:par>
+    </p:tnLst>
+    <p:bldLst>
+      <p:bldP spid="3" grpId="0" build="p"/>
+    </p:bldLst>
+  </p:timing>
+</p:sld>
+</file>
+
+<file path=ppt/slides/slide6.xml><?xml version="1.0" encoding="utf-8"?>
+<p:sld xmlns:a="http://schemas.openxmlformats.org/drawingml/2006/main" xmlns:r="http://schemas.openxmlformats.org/officeDocument/2006/relationships" xmlns:p="http://schemas.openxmlformats.org/presentationml/2006/main">
+  <p:cSld>
+    <p:spTree>
+      <p:nvGrpSpPr>
+        <p:cNvPr id="1" name=""/>
+        <p:cNvGrpSpPr/>
+        <p:nvPr/>
+      </p:nvGrpSpPr>
+      <p:grpSpPr>
+        <a:xfrm>
+          <a:off x="0" y="0"/>
+          <a:ext cx="0" cy="0"/>
+          <a:chOff x="0" y="0"/>
+          <a:chExt cx="0" cy="0"/>
+        </a:xfrm>
+      </p:grpSpPr>
+      <p:sp>
+        <p:nvSpPr>
+          <p:cNvPr id="3" name="Substituent conținut 2">
+            <a:extLst>
+              <a:ext uri="{FF2B5EF4-FFF2-40B4-BE49-F238E27FC236}">
+                <a16:creationId xmlns:a16="http://schemas.microsoft.com/office/drawing/2014/main" id="{7C74F9ED-19E3-58EF-303A-A5CC63A9A5CE}"/>
+              </a:ext>
+            </a:extLst>
+          </p:cNvPr>
+          <p:cNvSpPr>
+            <a:spLocks noGrp="1"/>
+          </p:cNvSpPr>
+          <p:nvPr>
+            <p:ph idx="1"/>
+          </p:nvPr>
+        </p:nvSpPr>
+        <p:spPr>
+          <a:xfrm>
+            <a:off x="320040" y="670559"/>
+            <a:ext cx="11551920" cy="5842327"/>
+          </a:xfrm>
+        </p:spPr>
+        <p:txBody>
+          <a:bodyPr>
+            <a:normAutofit/>
+          </a:bodyPr>
+          <a:lstStyle/>
+          <a:p>
+            <a:pPr marL="0" indent="0">
+              <a:buNone/>
+            </a:pPr>
+            <a:r>
+              <a:rPr lang="en-US" sz="4800" b="1" dirty="0" err="1"/>
+              <a:t>Provocări</a:t>
+            </a:r>
+            <a:r>
+              <a:rPr lang="en-US" sz="4800" b="1" dirty="0"/>
+              <a:t> </a:t>
+            </a:r>
+            <a:r>
+              <a:rPr lang="en-US" sz="4800" b="1" dirty="0" err="1"/>
+              <a:t>și</a:t>
+            </a:r>
+            <a:r>
+              <a:rPr lang="en-US" sz="4800" b="1" dirty="0"/>
+              <a:t> </a:t>
+            </a:r>
+            <a:r>
+              <a:rPr lang="en-US" sz="4800" b="1" dirty="0" err="1"/>
+              <a:t>Soluții</a:t>
+            </a:r>
+            <a:endParaRPr lang="en-US" sz="4800" b="1" dirty="0"/>
+          </a:p>
+          <a:p>
+            <a:pPr marL="0" indent="0">
+              <a:buNone/>
+            </a:pPr>
+            <a:endParaRPr lang="en-US" sz="4800" b="1" dirty="0"/>
+          </a:p>
+          <a:p>
+            <a:r>
+              <a:rPr lang="en-US" b="1" dirty="0" err="1"/>
+              <a:t>Provocare</a:t>
+            </a:r>
+            <a:r>
+              <a:rPr lang="en-US" b="1" dirty="0"/>
+              <a:t>:</a:t>
+            </a:r>
+            <a:r>
+              <a:rPr lang="en-US" dirty="0"/>
+              <a:t> </a:t>
+            </a:r>
+            <a:r>
+              <a:rPr lang="en-US" dirty="0" err="1"/>
+              <a:t>Conversia</a:t>
+            </a:r>
+            <a:r>
+              <a:rPr lang="en-US" dirty="0"/>
+              <a:t> input-</a:t>
+            </a:r>
+            <a:r>
+              <a:rPr lang="en-US" dirty="0" err="1"/>
+              <a:t>ului</a:t>
+            </a:r>
+            <a:r>
+              <a:rPr lang="en-US" dirty="0"/>
+              <a:t> de la </a:t>
+            </a:r>
+            <a:r>
+              <a:rPr lang="en-US" dirty="0" err="1"/>
+              <a:t>tastatură</a:t>
+            </a:r>
+            <a:r>
+              <a:rPr lang="en-US" dirty="0"/>
+              <a:t> (ASCII) </a:t>
+            </a:r>
+            <a:r>
+              <a:rPr lang="en-US" dirty="0" err="1"/>
+              <a:t>în</a:t>
+            </a:r>
+            <a:r>
+              <a:rPr lang="en-US" dirty="0"/>
+              <a:t> </a:t>
+            </a:r>
+            <a:r>
+              <a:rPr lang="en-US" dirty="0" err="1"/>
+              <a:t>registri</a:t>
+            </a:r>
+            <a:r>
+              <a:rPr lang="en-US" dirty="0"/>
+              <a:t> (AX).</a:t>
+            </a:r>
+          </a:p>
+          <a:p>
+            <a:pPr marL="457200" lvl="1" indent="0">
+              <a:buNone/>
+            </a:pPr>
+            <a:r>
+              <a:rPr lang="en-US" i="1" dirty="0" err="1"/>
+              <a:t>Soluție</a:t>
+            </a:r>
+            <a:r>
+              <a:rPr lang="en-US" i="1" dirty="0"/>
+              <a:t>:</a:t>
+            </a:r>
+            <a:r>
+              <a:rPr lang="en-US" dirty="0"/>
+              <a:t> </a:t>
+            </a:r>
+            <a:r>
+              <a:rPr lang="en-US" dirty="0" err="1"/>
+              <a:t>Algoritm</a:t>
+            </a:r>
+            <a:r>
+              <a:rPr lang="en-US" dirty="0"/>
+              <a:t> de </a:t>
+            </a:r>
+            <a:r>
+              <a:rPr lang="en-US" dirty="0" err="1"/>
+              <a:t>conversie</a:t>
+            </a:r>
+            <a:r>
+              <a:rPr lang="en-US" dirty="0"/>
+              <a:t> "</a:t>
+            </a:r>
+            <a:r>
+              <a:rPr lang="en-US" dirty="0" err="1"/>
+              <a:t>înmulțire</a:t>
+            </a:r>
+            <a:r>
+              <a:rPr lang="en-US" dirty="0"/>
+              <a:t> cu 10 </a:t>
+            </a:r>
+            <a:r>
+              <a:rPr lang="en-US" dirty="0" err="1"/>
+              <a:t>și</a:t>
+            </a:r>
+            <a:r>
+              <a:rPr lang="en-US" dirty="0"/>
+              <a:t> </a:t>
+            </a:r>
+            <a:r>
+              <a:rPr lang="en-US" dirty="0" err="1"/>
+              <a:t>adunare</a:t>
+            </a:r>
+            <a:r>
+              <a:rPr lang="en-US" dirty="0"/>
+              <a:t>" </a:t>
+            </a:r>
+            <a:r>
+              <a:rPr lang="en-US" dirty="0" err="1"/>
+              <a:t>în</a:t>
+            </a:r>
+            <a:r>
+              <a:rPr lang="en-US" dirty="0"/>
+              <a:t> INP.ASM.</a:t>
+            </a:r>
+          </a:p>
+          <a:p>
+            <a:pPr lvl="1"/>
+            <a:endParaRPr lang="en-US" dirty="0"/>
+          </a:p>
+          <a:p>
+            <a:r>
+              <a:rPr lang="en-US" b="1" dirty="0" err="1"/>
+              <a:t>Provocare</a:t>
+            </a:r>
+            <a:r>
+              <a:rPr lang="en-US" b="1" dirty="0"/>
+              <a:t>:</a:t>
+            </a:r>
+            <a:r>
+              <a:rPr lang="en-US" dirty="0"/>
+              <a:t> </a:t>
+            </a:r>
+            <a:r>
+              <a:rPr lang="en-US" dirty="0" err="1"/>
+              <a:t>Păstrarea</a:t>
+            </a:r>
+            <a:r>
+              <a:rPr lang="en-US" dirty="0"/>
+              <a:t> </a:t>
+            </a:r>
+            <a:r>
+              <a:rPr lang="en-US" dirty="0" err="1"/>
+              <a:t>desenului</a:t>
+            </a:r>
+            <a:r>
+              <a:rPr lang="en-US" dirty="0"/>
+              <a:t> la </a:t>
+            </a:r>
+            <a:r>
+              <a:rPr lang="en-US" dirty="0" err="1"/>
+              <a:t>schimbarea</a:t>
+            </a:r>
+            <a:r>
+              <a:rPr lang="en-US" dirty="0"/>
+              <a:t> </a:t>
+            </a:r>
+            <a:r>
+              <a:rPr lang="en-US" dirty="0" err="1"/>
+              <a:t>meniurilor</a:t>
+            </a:r>
+            <a:r>
+              <a:rPr lang="en-US" dirty="0"/>
+              <a:t>.</a:t>
+            </a:r>
+          </a:p>
+          <a:p>
+            <a:pPr marL="457200" lvl="1" indent="0">
+              <a:buNone/>
+            </a:pPr>
+            <a:r>
+              <a:rPr lang="en-US" i="1" dirty="0" err="1"/>
+              <a:t>Soluție</a:t>
+            </a:r>
+            <a:r>
+              <a:rPr lang="en-US" i="1" dirty="0"/>
+              <a:t>:</a:t>
+            </a:r>
+            <a:r>
+              <a:rPr lang="en-US" dirty="0"/>
+              <a:t> </a:t>
+            </a:r>
+            <a:r>
+              <a:rPr lang="en-US" dirty="0" err="1"/>
+              <a:t>Utilizarea</a:t>
+            </a:r>
+            <a:r>
+              <a:rPr lang="en-US" dirty="0"/>
+              <a:t> </a:t>
+            </a:r>
+            <a:r>
+              <a:rPr lang="en-US" dirty="0" err="1"/>
+              <a:t>unui</a:t>
+            </a:r>
+            <a:r>
+              <a:rPr lang="en-US" dirty="0"/>
+              <a:t> Buffer </a:t>
+            </a:r>
+            <a:r>
+              <a:rPr lang="en-US" dirty="0" err="1"/>
+              <a:t>în</a:t>
+            </a:r>
+            <a:r>
+              <a:rPr lang="en-US" dirty="0"/>
+              <a:t> RAM (Double Buffering </a:t>
+            </a:r>
+            <a:r>
+              <a:rPr lang="en-US" dirty="0" err="1"/>
+              <a:t>simplificat</a:t>
+            </a:r>
+            <a:r>
+              <a:rPr lang="en-US" dirty="0"/>
+              <a:t>) care </a:t>
+            </a:r>
+            <a:r>
+              <a:rPr lang="en-US" dirty="0" err="1"/>
+              <a:t>salvează</a:t>
+            </a:r>
+            <a:r>
+              <a:rPr lang="en-US" dirty="0"/>
+              <a:t> </a:t>
+            </a:r>
+            <a:r>
+              <a:rPr lang="en-US" dirty="0" err="1"/>
+              <a:t>starea</a:t>
+            </a:r>
+            <a:r>
+              <a:rPr lang="en-US" dirty="0"/>
+              <a:t> </a:t>
+            </a:r>
+            <a:r>
+              <a:rPr lang="en-US" dirty="0" err="1"/>
+              <a:t>ecranului</a:t>
+            </a:r>
+            <a:r>
+              <a:rPr lang="en-US" dirty="0"/>
+              <a:t> </a:t>
+            </a:r>
+            <a:r>
+              <a:rPr lang="en-US" dirty="0" err="1"/>
+              <a:t>când</a:t>
+            </a:r>
+            <a:r>
+              <a:rPr lang="en-US" dirty="0"/>
+              <a:t> </a:t>
+            </a:r>
+            <a:r>
+              <a:rPr lang="en-US" dirty="0" err="1"/>
+              <a:t>trecem</a:t>
+            </a:r>
+            <a:r>
+              <a:rPr lang="en-US" dirty="0"/>
+              <a:t> </a:t>
+            </a:r>
+            <a:r>
+              <a:rPr lang="en-US" dirty="0" err="1"/>
+              <a:t>în</a:t>
+            </a:r>
+            <a:r>
+              <a:rPr lang="en-US" dirty="0"/>
+              <a:t> Mod Text.</a:t>
+            </a:r>
+          </a:p>
+          <a:p>
+            <a:pPr lvl="1"/>
+            <a:endParaRPr lang="en-US" dirty="0"/>
+          </a:p>
+          <a:p>
+            <a:r>
+              <a:rPr lang="en-US" b="1" dirty="0" err="1"/>
+              <a:t>Provocare</a:t>
+            </a:r>
+            <a:r>
+              <a:rPr lang="en-US" b="1" dirty="0"/>
+              <a:t>:</a:t>
+            </a:r>
+            <a:r>
+              <a:rPr lang="en-US" dirty="0"/>
+              <a:t> </a:t>
+            </a:r>
+            <a:r>
+              <a:rPr lang="en-US" dirty="0" err="1"/>
+              <a:t>Gestionarea</a:t>
+            </a:r>
+            <a:r>
+              <a:rPr lang="en-US" dirty="0"/>
+              <a:t> </a:t>
+            </a:r>
+            <a:r>
+              <a:rPr lang="en-US" dirty="0" err="1"/>
+              <a:t>erorilor</a:t>
+            </a:r>
+            <a:r>
+              <a:rPr lang="en-US" dirty="0"/>
+              <a:t> de </a:t>
+            </a:r>
+            <a:r>
+              <a:rPr lang="en-US" dirty="0" err="1"/>
+              <a:t>fișier</a:t>
+            </a:r>
+            <a:r>
+              <a:rPr lang="en-US" dirty="0"/>
+              <a:t>.</a:t>
+            </a:r>
+          </a:p>
+          <a:p>
+            <a:pPr marL="457200" lvl="1" indent="0">
+              <a:buNone/>
+            </a:pPr>
+            <a:r>
+              <a:rPr lang="en-US" i="1" dirty="0" err="1"/>
+              <a:t>Soluție</a:t>
+            </a:r>
+            <a:r>
+              <a:rPr lang="en-US" i="1" dirty="0"/>
+              <a:t>:</a:t>
+            </a:r>
+            <a:r>
+              <a:rPr lang="en-US" dirty="0"/>
+              <a:t> </a:t>
+            </a:r>
+            <a:r>
+              <a:rPr lang="en-US" dirty="0" err="1"/>
+              <a:t>Verificări</a:t>
+            </a:r>
+            <a:r>
+              <a:rPr lang="en-US" dirty="0"/>
+              <a:t> ale Flag-</a:t>
+            </a:r>
+            <a:r>
+              <a:rPr lang="en-US" dirty="0" err="1"/>
+              <a:t>ului</a:t>
+            </a:r>
+            <a:r>
+              <a:rPr lang="en-US" dirty="0"/>
+              <a:t> Carry (CF) </a:t>
+            </a:r>
+            <a:r>
+              <a:rPr lang="en-US" dirty="0" err="1"/>
+              <a:t>după</a:t>
+            </a:r>
+            <a:r>
+              <a:rPr lang="en-US" dirty="0"/>
+              <a:t> </a:t>
+            </a:r>
+            <a:r>
+              <a:rPr lang="en-US" dirty="0" err="1"/>
+              <a:t>întreruperile</a:t>
+            </a:r>
+            <a:r>
+              <a:rPr lang="en-US" dirty="0"/>
+              <a:t> DOS INT 21h.</a:t>
+            </a:r>
+          </a:p>
+          <a:p>
+            <a:pPr marL="0" indent="0">
+              <a:buNone/>
+            </a:pPr>
+            <a:endParaRPr lang="en-US" b="1" dirty="0"/>
+          </a:p>
+          <a:p>
+            <a:pPr marL="0" indent="0">
+              <a:buNone/>
+            </a:pPr>
+            <a:endParaRPr lang="en-US" b="1" dirty="0"/>
+          </a:p>
+        </p:txBody>
+      </p:sp>
+    </p:spTree>
+    <p:extLst>
+      <p:ext uri="{BB962C8B-B14F-4D97-AF65-F5344CB8AC3E}">
+        <p14:creationId xmlns:p14="http://schemas.microsoft.com/office/powerpoint/2010/main" val="1869119558"/>
+      </p:ext>
+    </p:extLst>
+  </p:cSld>
+  <p:clrMapOvr>
+    <a:masterClrMapping/>
+  </p:clrMapOvr>
+  <p:transition spd="slow">
+    <p:push dir="u"/>
+  </p:transition>
+  <p:timing>
+    <p:tnLst>
+      <p:par>
+        <p:cTn id="1" dur="indefinite" restart="never" nodeType="tmRoot">
+          <p:childTnLst>
+            <p:seq concurrent="1" nextAc="seek">
+              <p:cTn id="2" dur="indefinite" nodeType="mainSeq">
+                <p:childTnLst>
+                  <p:par>
+                    <p:cTn id="3" fill="hold">
+                      <p:stCondLst>
+                        <p:cond delay="indefinite"/>
+                      </p:stCondLst>
+                      <p:childTnLst>
+                        <p:par>
+                          <p:cTn id="4" fill="hold">
+                            <p:stCondLst>
+                              <p:cond delay="0"/>
+                            </p:stCondLst>
+                            <p:childTnLst>
+                              <p:par>
+                                <p:cTn id="5" presetID="2" presetClass="entr" presetSubtype="4" fill="hold" grpId="0" nodeType="clickEffect">
+                                  <p:stCondLst>
+                                    <p:cond delay="0"/>
+                                  </p:stCondLst>
+                                  <p:childTnLst>
+                                    <p:set>
+                                      <p:cBhvr>
+                                        <p:cTn id="6" dur="1" fill="hold">
+                                          <p:stCondLst>
+                                            <p:cond delay="0"/>
+                                          </p:stCondLst>
+                                        </p:cTn>
+                                        <p:tgtEl>
+                                          <p:spTgt spid="3">
+                                            <p:txEl>
+                                              <p:pRg st="0" end="0"/>
+                                            </p:txEl>
+                                          </p:spTgt>
+                                        </p:tgtEl>
+                                        <p:attrNameLst>
+                                          <p:attrName>style.visibility</p:attrName>
+                                        </p:attrNameLst>
+                                      </p:cBhvr>
+                                      <p:to>
+                                        <p:strVal val="visible"/>
+                                      </p:to>
+                                    </p:set>
+                                    <p:anim calcmode="lin" valueType="num">
+                                      <p:cBhvr additive="base">
+                                        <p:cTn id="7" dur="500" fill="hold"/>
+                                        <p:tgtEl>
+                                          <p:spTgt spid="3">
+                                            <p:txEl>
+                                              <p:pRg st="0" end="0"/>
+                                            </p:txEl>
+                                          </p:spTgt>
+                                        </p:tgtEl>
+                                        <p:attrNameLst>
+                                          <p:attrName>ppt_x</p:attrName>
+                                        </p:attrNameLst>
+                                      </p:cBhvr>
+                                      <p:tavLst>
+                                        <p:tav tm="0">
+                                          <p:val>
+                                            <p:strVal val="#ppt_x"/>
+                                          </p:val>
+                                        </p:tav>
+                                        <p:tav tm="100000">
+                                          <p:val>
+                                            <p:strVal val="#ppt_x"/>
+                                          </p:val>
+                                        </p:tav>
+                                      </p:tavLst>
+                                    </p:anim>
+                                    <p:anim calcmode="lin" valueType="num">
+                                      <p:cBhvr additive="base">
+                                        <p:cTn id="8" dur="500" fill="hold"/>
+                                        <p:tgtEl>
+                                          <p:spTgt spid="3">
+                                            <p:txEl>
+                                              <p:pRg st="0" end="0"/>
+                                            </p:txEl>
+                                          </p:spTgt>
+                                        </p:tgtEl>
+                                        <p:attrNameLst>
+                                          <p:attrName>ppt_y</p:attrName>
+                                        </p:attrNameLst>
+                                      </p:cBhvr>
+                                      <p:tavLst>
+                                        <p:tav tm="0">
+                                          <p:val>
+                                            <p:strVal val="1+#ppt_h/2"/>
+                                          </p:val>
+                                        </p:tav>
+                                        <p:tav tm="100000">
+                                          <p:val>
+                                            <p:strVal val="#ppt_y"/>
+                                          </p:val>
+                                        </p:tav>
+                                      </p:tavLst>
+                                    </p:anim>
+                                  </p:childTnLst>
+                                </p:cTn>
+                              </p:par>
+                            </p:childTnLst>
+                          </p:cTn>
+                        </p:par>
+                      </p:childTnLst>
+                    </p:cTn>
+                  </p:par>
+                  <p:par>
+                    <p:cTn id="9" fill="hold">
+                      <p:stCondLst>
+                        <p:cond delay="indefinite"/>
+                      </p:stCondLst>
+                      <p:childTnLst>
+                        <p:par>
+                          <p:cTn id="10" fill="hold">
+                            <p:stCondLst>
+                              <p:cond delay="0"/>
+                            </p:stCondLst>
+                            <p:childTnLst>
+                              <p:par>
+                                <p:cTn id="11" presetID="2" presetClass="entr" presetSubtype="4" fill="hold" grpId="0" nodeType="clickEffect">
+                                  <p:stCondLst>
+                                    <p:cond delay="0"/>
+                                  </p:stCondLst>
+                                  <p:childTnLst>
+                                    <p:set>
+                                      <p:cBhvr>
+                                        <p:cTn id="12" dur="1" fill="hold">
+                                          <p:stCondLst>
+                                            <p:cond delay="0"/>
+                                          </p:stCondLst>
+                                        </p:cTn>
+                                        <p:tgtEl>
+                                          <p:spTgt spid="3">
+                                            <p:txEl>
+                                              <p:pRg st="2" end="2"/>
+                                            </p:txEl>
+                                          </p:spTgt>
+                                        </p:tgtEl>
+                                        <p:attrNameLst>
+                                          <p:attrName>style.visibility</p:attrName>
+                                        </p:attrNameLst>
+                                      </p:cBhvr>
+                                      <p:to>
+                                        <p:strVal val="visible"/>
+                                      </p:to>
+                                    </p:set>
+                                    <p:anim calcmode="lin" valueType="num">
+                                      <p:cBhvr additive="base">
+                                        <p:cTn id="13" dur="500" fill="hold"/>
+                                        <p:tgtEl>
+                                          <p:spTgt spid="3">
+                                            <p:txEl>
+                                              <p:pRg st="2" end="2"/>
+                                            </p:txEl>
+                                          </p:spTgt>
+                                        </p:tgtEl>
+                                        <p:attrNameLst>
+                                          <p:attrName>ppt_x</p:attrName>
+                                        </p:attrNameLst>
+                                      </p:cBhvr>
+                                      <p:tavLst>
+                                        <p:tav tm="0">
+                                          <p:val>
+                                            <p:strVal val="#ppt_x"/>
+                                          </p:val>
+                                        </p:tav>
+                                        <p:tav tm="100000">
+                                          <p:val>
+                                            <p:strVal val="#ppt_x"/>
+                                          </p:val>
+                                        </p:tav>
+                                      </p:tavLst>
+                                    </p:anim>
+                                    <p:anim calcmode="lin" valueType="num">
+                                      <p:cBhvr additive="base">
+                                        <p:cTn id="14" dur="500" fill="hold"/>
+                                        <p:tgtEl>
+                                          <p:spTgt spid="3">
+                                            <p:txEl>
+                                              <p:pRg st="2" end="2"/>
+                                            </p:txEl>
+                                          </p:spTgt>
+                                        </p:tgtEl>
+                                        <p:attrNameLst>
+                                          <p:attrName>ppt_y</p:attrName>
+                                        </p:attrNameLst>
+                                      </p:cBhvr>
+                                      <p:tavLst>
+                                        <p:tav tm="0">
+                                          <p:val>
+                                            <p:strVal val="1+#ppt_h/2"/>
+                                          </p:val>
+                                        </p:tav>
+                                        <p:tav tm="100000">
+                                          <p:val>
+                                            <p:strVal val="#ppt_y"/>
+                                          </p:val>
+                                        </p:tav>
+                                      </p:tavLst>
+                                    </p:anim>
+                                  </p:childTnLst>
+                                </p:cTn>
+                              </p:par>
+                              <p:par>
+                                <p:cTn id="15" presetID="2" presetClass="entr" presetSubtype="4" fill="hold" grpId="0" nodeType="withEffect">
+                                  <p:stCondLst>
+                                    <p:cond delay="0"/>
+                                  </p:stCondLst>
+                                  <p:childTnLst>
+                                    <p:set>
+                                      <p:cBhvr>
+                                        <p:cTn id="16" dur="1" fill="hold">
+                                          <p:stCondLst>
+                                            <p:cond delay="0"/>
+                                          </p:stCondLst>
+                                        </p:cTn>
+                                        <p:tgtEl>
+                                          <p:spTgt spid="3">
+                                            <p:txEl>
+                                              <p:pRg st="3" end="3"/>
+                                            </p:txEl>
+                                          </p:spTgt>
+                                        </p:tgtEl>
+                                        <p:attrNameLst>
+                                          <p:attrName>style.visibility</p:attrName>
+                                        </p:attrNameLst>
+                                      </p:cBhvr>
+                                      <p:to>
+                                        <p:strVal val="visible"/>
+                                      </p:to>
+                                    </p:set>
+                                    <p:anim calcmode="lin" valueType="num">
+                                      <p:cBhvr additive="base">
+                                        <p:cTn id="17" dur="500" fill="hold"/>
+                                        <p:tgtEl>
+                                          <p:spTgt spid="3">
+                                            <p:txEl>
+                                              <p:pRg st="3" end="3"/>
+                                            </p:txEl>
+                                          </p:spTgt>
+                                        </p:tgtEl>
+                                        <p:attrNameLst>
+                                          <p:attrName>ppt_x</p:attrName>
+                                        </p:attrNameLst>
+                                      </p:cBhvr>
+                                      <p:tavLst>
+                                        <p:tav tm="0">
+                                          <p:val>
+                                            <p:strVal val="#ppt_x"/>
+                                          </p:val>
+                                        </p:tav>
+                                        <p:tav tm="100000">
+                                          <p:val>
+                                            <p:strVal val="#ppt_x"/>
+                                          </p:val>
+                                        </p:tav>
+                                      </p:tavLst>
+                                    </p:anim>
+                                    <p:anim calcmode="lin" valueType="num">
+                                      <p:cBhvr additive="base">
+                                        <p:cTn id="18" dur="500" fill="hold"/>
+                                        <p:tgtEl>
+                                          <p:spTgt spid="3">
+                                            <p:txEl>
+                                              <p:pRg st="3" end="3"/>
+                                            </p:txEl>
+                                          </p:spTgt>
+                                        </p:tgtEl>
+                                        <p:attrNameLst>
+                                          <p:attrName>ppt_y</p:attrName>
+                                        </p:attrNameLst>
+                                      </p:cBhvr>
+                                      <p:tavLst>
+                                        <p:tav tm="0">
+                                          <p:val>
+                                            <p:strVal val="1+#ppt_h/2"/>
+                                          </p:val>
+                                        </p:tav>
+                                        <p:tav tm="100000">
+                                          <p:val>
+                                            <p:strVal val="#ppt_y"/>
+                                          </p:val>
+                                        </p:tav>
+                                      </p:tavLst>
+                                    </p:anim>
+                                  </p:childTnLst>
+                                </p:cTn>
+                              </p:par>
+                            </p:childTnLst>
+                          </p:cTn>
+                        </p:par>
+                      </p:childTnLst>
+                    </p:cTn>
+                  </p:par>
+                  <p:par>
+                    <p:cTn id="19" fill="hold">
+                      <p:stCondLst>
+                        <p:cond delay="indefinite"/>
+                      </p:stCondLst>
+                      <p:childTnLst>
+                        <p:par>
+                          <p:cTn id="20" fill="hold">
+                            <p:stCondLst>
+                              <p:cond delay="0"/>
+                            </p:stCondLst>
+                            <p:childTnLst>
+                              <p:par>
+                                <p:cTn id="21" presetID="2" presetClass="entr" presetSubtype="4" fill="hold" grpId="0" nodeType="clickEffect">
+                                  <p:stCondLst>
+                                    <p:cond delay="0"/>
+                                  </p:stCondLst>
+                                  <p:childTnLst>
+                                    <p:set>
+                                      <p:cBhvr>
+                                        <p:cTn id="22" dur="1" fill="hold">
+                                          <p:stCondLst>
+                                            <p:cond delay="0"/>
+                                          </p:stCondLst>
+                                        </p:cTn>
+                                        <p:tgtEl>
+                                          <p:spTgt spid="3">
+                                            <p:txEl>
+                                              <p:pRg st="5" end="5"/>
+                                            </p:txEl>
+                                          </p:spTgt>
+                                        </p:tgtEl>
+                                        <p:attrNameLst>
+                                          <p:attrName>style.visibility</p:attrName>
+                                        </p:attrNameLst>
+                                      </p:cBhvr>
+                                      <p:to>
+                                        <p:strVal val="visible"/>
+                                      </p:to>
+                                    </p:set>
+                                    <p:anim calcmode="lin" valueType="num">
+                                      <p:cBhvr additive="base">
+                                        <p:cTn id="23" dur="500" fill="hold"/>
+                                        <p:tgtEl>
+                                          <p:spTgt spid="3">
+                                            <p:txEl>
+                                              <p:pRg st="5" end="5"/>
+                                            </p:txEl>
+                                          </p:spTgt>
+                                        </p:tgtEl>
+                                        <p:attrNameLst>
+                                          <p:attrName>ppt_x</p:attrName>
+                                        </p:attrNameLst>
+                                      </p:cBhvr>
+                                      <p:tavLst>
+                                        <p:tav tm="0">
+                                          <p:val>
+                                            <p:strVal val="#ppt_x"/>
+                                          </p:val>
+                                        </p:tav>
+                                        <p:tav tm="100000">
+                                          <p:val>
+                                            <p:strVal val="#ppt_x"/>
+                                          </p:val>
+                                        </p:tav>
+                                      </p:tavLst>
+                                    </p:anim>
+                                    <p:anim calcmode="lin" valueType="num">
+                                      <p:cBhvr additive="base">
+                                        <p:cTn id="24" dur="500" fill="hold"/>
+                                        <p:tgtEl>
+                                          <p:spTgt spid="3">
+                                            <p:txEl>
+                                              <p:pRg st="5" end="5"/>
+                                            </p:txEl>
+                                          </p:spTgt>
+                                        </p:tgtEl>
+                                        <p:attrNameLst>
+                                          <p:attrName>ppt_y</p:attrName>
+                                        </p:attrNameLst>
+                                      </p:cBhvr>
+                                      <p:tavLst>
+                                        <p:tav tm="0">
+                                          <p:val>
+                                            <p:strVal val="1+#ppt_h/2"/>
+                                          </p:val>
+                                        </p:tav>
+                                        <p:tav tm="100000">
+                                          <p:val>
+                                            <p:strVal val="#ppt_y"/>
+                                          </p:val>
+                                        </p:tav>
+                                      </p:tavLst>
+                                    </p:anim>
+                                  </p:childTnLst>
+                                </p:cTn>
+                              </p:par>
+                              <p:par>
+                                <p:cTn id="25" presetID="2" presetClass="entr" presetSubtype="4" fill="hold" grpId="0" nodeType="withEffect">
                                   <p:stCondLst>
                                     <p:cond delay="0"/>
                                   </p:stCondLst>
@@ -9660,9 +11044,9 @@
                                         <p:strVal val="visible"/>
                                       </p:to>
                                     </p:set>
-                                    <p:animEffect transition="in" filter="fade">
-                                      <p:cBhvr>
-                                        <p:cTn id="27" dur="500"/>
+                                    <p:anim calcmode="lin" valueType="num">
+                                      <p:cBhvr additive="base">
+                                        <p:cTn id="27" dur="500" fill="hold"/>
                                         <p:tgtEl>
                                           <p:spTgt spid="3">
                                             <p:txEl>
@@ -9670,8 +11054,50 @@
                                             </p:txEl>
                                           </p:spTgt>
                                         </p:tgtEl>
+                                        <p:attrNameLst>
+                                          <p:attrName>ppt_x</p:attrName>
+                                        </p:attrNameLst>
                                       </p:cBhvr>
-                                    </p:animEffect>
+                                      <p:tavLst>
+                                        <p:tav tm="0">
+                                          <p:val>
+                                            <p:strVal val="#ppt_x"/>
+                                          </p:val>
+                                        </p:tav>
+                                        <p:tav tm="100000">
+                                          <p:val>
+                                            <p:strVal val="#ppt_x"/>
+                                          </p:val>
+                                        </p:tav>
+                                      </p:tavLst>
+                                    </p:anim>
+                                    <p:anim calcmode="lin" valueType="num">
+                                      <p:cBhvr additive="base">
+                                        <p:cTn id="28" dur="500" fill="hold"/>
+                                        <p:tgtEl>
+                                          <p:spTgt spid="3">
+                                            <p:txEl>
+                                              <p:pRg st="6" end="6"/>
+                                            </p:txEl>
+                                          </p:spTgt>
+                                        </p:tgtEl>
+                                        <p:attrNameLst>
+                                          <p:attrName>ppt_y</p:attrName>
+                                        </p:attrNameLst>
+                                      </p:cBhvr>
+                                      <p:tavLst>
+                                        <p:tav tm="0">
+                                          <p:val>
+                                            <p:strVal val="1+#ppt_h/2"/>
+                                          </p:val>
+                                        </p:tav>
+                                        <p:tav tm="100000">
+                                          <p:val>
+                                            <p:strVal val="#ppt_y"/>
+                                          </p:val>
+                                        </p:tav>
+                                      </p:tavLst>
+                                    </p:anim>
                                   </p:childTnLst>
                                 </p:cTn>
                               </p:par>
@@ -9682,87 +11108,26 @@
                     </p:cTn>
                   </p:par>
                   <p:par>
-                    <p:cTn id="28" fill="hold">
+                    <p:cTn id="29" fill="hold">
                       <p:stCondLst>
                         <p:cond delay="indefinite"/>
                       </p:stCondLst>
                       <p:childTnLst>
                         <p:par>
-                          <p:cTn id="29" fill="hold">
+                          <p:cTn id="30" fill="hold">
                             <p:stCondLst>
                               <p:cond delay="0"/>
                             </p:stCondLst>
                             <p:childTnLst>
                               <p:par>
-                                <p:cTn id="30" presetID="10" presetClass="entr" presetSubtype="0" fill="hold" grpId="0" nodeType="clickEffect">
+                                <p:cTn id="31" presetID="2" presetClass="entr" presetSubtype="4" fill="hold" grpId="0" nodeType="clickEffect">
                                   <p:stCondLst>
                                     <p:cond delay="0"/>
                                   </p:stCondLst>
                                   <p:childTnLst>
                                     <p:set>
                                       <p:cBhvr>
-                                        <p:cTn id="31" dur="1" fill="hold">
-                                          <p:stCondLst>
-                                            <p:cond delay="0"/>
-                                          </p:stCondLst>
-                                        </p:cTn>
-                                        <p:tgtEl>
-                                          <p:spTgt spid="3">
-                                            <p:txEl>
-                                              <p:pRg st="7" end="7"/>
-                                            </p:txEl>
-                                          </p:spTgt>
-                                        </p:tgtEl>
-                                        <p:attrNameLst>
-                                          <p:attrName>style.visibility</p:attrName>
-                                        </p:attrNameLst>
-                                      </p:cBhvr>
-                                      <p:to>
-                                        <p:strVal val="visible"/>
-                                      </p:to>
-                                    </p:set>
-                                    <p:animEffect transition="in" filter="fade">
-                                      <p:cBhvr>
-                                        <p:cTn id="32" dur="500"/>
-                                        <p:tgtEl>
-                                          <p:spTgt spid="3">
-                                            <p:txEl>
-                                              <p:pRg st="7" end="7"/>
-                                            </p:txEl>
-                                          </p:spTgt>
-                                        </p:tgtEl>
-                                      </p:cBhvr>
-                                    </p:animEffect>
-                                  </p:childTnLst>
-                                </p:cTn>
-                              </p:par>
-                            </p:childTnLst>
-                          </p:cTn>
-                        </p:par>
-                      </p:childTnLst>
-                    </p:cTn>
-                  </p:par>
-                  <p:par>
-                    <p:cTn id="33" fill="hold">
-                      <p:stCondLst>
-                        <p:cond delay="indefinite"/>
-                      </p:stCondLst>
-                      <p:childTnLst>
-                        <p:par>
-                          <p:cTn id="34" fill="hold">
-                            <p:stCondLst>
-                              <p:cond delay="0"/>
-                            </p:stCondLst>
-                            <p:childTnLst>
-                              <p:par>
-                                <p:cTn id="35" presetID="10" presetClass="entr" presetSubtype="0" fill="hold" grpId="0" nodeType="clickEffect">
-                                  <p:stCondLst>
-                                    <p:cond delay="0"/>
-                                  </p:stCondLst>
-                                  <p:childTnLst>
-                                    <p:set>
-                                      <p:cBhvr>
-                                        <p:cTn id="36" dur="1" fill="hold">
+                                        <p:cTn id="32" dur="1" fill="hold">
                                           <p:stCondLst>
                                             <p:cond delay="0"/>
                                           </p:stCondLst>
@@ -9782,9 +11147,9 @@
                                         <p:strVal val="visible"/>
                                       </p:to>
                                     </p:set>
-                                    <p:animEffect transition="in" filter="fade">
-                                      <p:cBhvr>
-                                        <p:cTn id="37" dur="500"/>
+                                    <p:anim calcmode="lin" valueType="num">
+                                      <p:cBhvr additive="base">
+                                        <p:cTn id="33" dur="500" fill="hold"/>
                                         <p:tgtEl>
                                           <p:spTgt spid="3">
                                             <p:txEl>
@@ -9792,38 +11157,62 @@
                                             </p:txEl>
                                           </p:spTgt>
                                         </p:tgtEl>
+                                        <p:attrNameLst>
+                                          <p:attrName>ppt_x</p:attrName>
+                                        </p:attrNameLst>
                                       </p:cBhvr>
-                                    </p:animEffect>
+                                      <p:tavLst>
+                                        <p:tav tm="0">
+                                          <p:val>
+                                            <p:strVal val="#ppt_x"/>
+                                          </p:val>
+                                        </p:tav>
+                                        <p:tav tm="100000">
+                                          <p:val>
+                                            <p:strVal val="#ppt_x"/>
+                                          </p:val>
+                                        </p:tav>
+                                      </p:tavLst>
+                                    </p:anim>
+                                    <p:anim calcmode="lin" valueType="num">
+                                      <p:cBhvr additive="base">
+                                        <p:cTn id="34" dur="500" fill="hold"/>
+                                        <p:tgtEl>
+                                          <p:spTgt spid="3">
+                                            <p:txEl>
+                                              <p:pRg st="8" end="8"/>
+                                            </p:txEl>
+                                          </p:spTgt>
+                                        </p:tgtEl>
+                                        <p:attrNameLst>
+                                          <p:attrName>ppt_y</p:attrName>
+                                        </p:attrNameLst>
+                                      </p:cBhvr>
+                                      <p:tavLst>
+                                        <p:tav tm="0">
+                                          <p:val>
+                                            <p:strVal val="1+#ppt_h/2"/>
+                                          </p:val>
+                                        </p:tav>
+                                        <p:tav tm="100000">
+                                          <p:val>
+                                            <p:strVal val="#ppt_y"/>
+                                          </p:val>
+                                        </p:tav>
+                                      </p:tavLst>
+                                    </p:anim>
                                   </p:childTnLst>
                                 </p:cTn>
                               </p:par>
-                            </p:childTnLst>
-                          </p:cTn>
-                        </p:par>
-                      </p:childTnLst>
-                    </p:cTn>
-                  </p:par>
-                  <p:par>
-                    <p:cTn id="38" fill="hold">
-                      <p:stCondLst>
-                        <p:cond delay="indefinite"/>
-                      </p:stCondLst>
-                      <p:childTnLst>
-                        <p:par>
-                          <p:cTn id="39" fill="hold">
-                            <p:stCondLst>
-                              <p:cond delay="0"/>
-                            </p:stCondLst>
-                            <p:childTnLst>
                               <p:par>
-                                <p:cTn id="40" presetID="10" presetClass="entr" presetSubtype="0" fill="hold" grpId="0" nodeType="clickEffect">
+                                <p:cTn id="35" presetID="2" presetClass="entr" presetSubtype="4" fill="hold" grpId="0" nodeType="withEffect">
                                   <p:stCondLst>
                                     <p:cond delay="0"/>
                                   </p:stCondLst>
                                   <p:childTnLst>
                                     <p:set>
                                       <p:cBhvr>
-                                        <p:cTn id="41" dur="1" fill="hold">
+                                        <p:cTn id="36" dur="1" fill="hold">
                                           <p:stCondLst>
                                             <p:cond delay="0"/>
                                           </p:stCondLst>
@@ -9843,9 +11232,9 @@
                                         <p:strVal val="visible"/>
                                       </p:to>
                                     </p:set>
-                                    <p:animEffect transition="in" filter="fade">
-                                      <p:cBhvr>
-                                        <p:cTn id="42" dur="500"/>
+                                    <p:anim calcmode="lin" valueType="num">
+                                      <p:cBhvr additive="base">
+                                        <p:cTn id="37" dur="500" fill="hold"/>
                                         <p:tgtEl>
                                           <p:spTgt spid="3">
                                             <p:txEl>
@@ -9853,8 +11242,50 @@
                                             </p:txEl>
                                           </p:spTgt>
                                         </p:tgtEl>
+                                        <p:attrNameLst>
+                                          <p:attrName>ppt_x</p:attrName>
+                                        </p:attrNameLst>
                                       </p:cBhvr>
-                                    </p:animEffect>
+                                      <p:tavLst>
+                                        <p:tav tm="0">
+                                          <p:val>
+                                            <p:strVal val="#ppt_x"/>
+                                          </p:val>
+                                        </p:tav>
+                                        <p:tav tm="100000">
+                                          <p:val>
+                                            <p:strVal val="#ppt_x"/>
+                                          </p:val>
+                                        </p:tav>
+                                      </p:tavLst>
+                                    </p:anim>
+                                    <p:anim calcmode="lin" valueType="num">
+                                      <p:cBhvr additive="base">
+                                        <p:cTn id="38" dur="500" fill="hold"/>
+                                        <p:tgtEl>
+                                          <p:spTgt spid="3">
+                                            <p:txEl>
+                                              <p:pRg st="9" end="9"/>
+                                            </p:txEl>
+                                          </p:spTgt>
+                                        </p:tgtEl>
+                                        <p:attrNameLst>
+                                          <p:attrName>ppt_y</p:attrName>
+                                        </p:attrNameLst>
+                                      </p:cBhvr>
+                                      <p:tavLst>
+                                        <p:tav tm="0">
+                                          <p:val>
+                                            <p:strVal val="1+#ppt_h/2"/>
+                                          </p:val>
+                                        </p:tav>
+                                        <p:tav tm="100000">
+                                          <p:val>
+                                            <p:strVal val="#ppt_y"/>
+                                          </p:val>
+                                        </p:tav>
+                                      </p:tavLst>
+                                    </p:anim>
                                   </p:childTnLst>
                                 </p:cTn>
                               </p:par>
@@ -9864,27 +11295,149 @@
                       </p:childTnLst>
                     </p:cTn>
                   </p:par>
+                </p:childTnLst>
+              </p:cTn>
+              <p:prevCondLst>
+                <p:cond evt="onPrev" delay="0">
+                  <p:tgtEl>
+                    <p:sldTgt/>
+                  </p:tgtEl>
+                </p:cond>
+              </p:prevCondLst>
+              <p:nextCondLst>
+                <p:cond evt="onNext" delay="0">
+                  <p:tgtEl>
+                    <p:sldTgt/>
+                  </p:tgtEl>
+                </p:cond>
+              </p:nextCondLst>
+            </p:seq>
+          </p:childTnLst>
+        </p:cTn>
+      </p:par>
+    </p:tnLst>
+    <p:bldLst>
+      <p:bldP spid="3" grpId="0" build="p"/>
+    </p:bldLst>
+  </p:timing>
+</p:sld>
+</file>
+
+<file path=ppt/slides/slide7.xml><?xml version="1.0" encoding="utf-8"?>
+<p:sld xmlns:a="http://schemas.openxmlformats.org/drawingml/2006/main" xmlns:r="http://schemas.openxmlformats.org/officeDocument/2006/relationships" xmlns:p="http://schemas.openxmlformats.org/presentationml/2006/main">
+  <p:cSld>
+    <p:spTree>
+      <p:nvGrpSpPr>
+        <p:cNvPr id="1" name=""/>
+        <p:cNvGrpSpPr/>
+        <p:nvPr/>
+      </p:nvGrpSpPr>
+      <p:grpSpPr>
+        <a:xfrm>
+          <a:off x="0" y="0"/>
+          <a:ext cx="0" cy="0"/>
+          <a:chOff x="0" y="0"/>
+          <a:chExt cx="0" cy="0"/>
+        </a:xfrm>
+      </p:grpSpPr>
+      <p:sp>
+        <p:nvSpPr>
+          <p:cNvPr id="3" name="Substituent conținut 2">
+            <a:extLst>
+              <a:ext uri="{FF2B5EF4-FFF2-40B4-BE49-F238E27FC236}">
+                <a16:creationId xmlns:a16="http://schemas.microsoft.com/office/drawing/2014/main" id="{624CBE36-293C-7944-A23C-D878B21CA0D6}"/>
+              </a:ext>
+            </a:extLst>
+          </p:cNvPr>
+          <p:cNvSpPr>
+            <a:spLocks noGrp="1"/>
+          </p:cNvSpPr>
+          <p:nvPr>
+            <p:ph idx="1"/>
+          </p:nvPr>
+        </p:nvSpPr>
+        <p:spPr/>
+        <p:txBody>
+          <a:bodyPr>
+            <a:normAutofit/>
+          </a:bodyPr>
+          <a:lstStyle/>
+          <a:p>
+            <a:pPr marL="0" indent="0" algn="ctr">
+              <a:buNone/>
+            </a:pPr>
+            <a:endParaRPr lang="en-US" sz="3600" b="1" dirty="0"/>
+          </a:p>
+          <a:p>
+            <a:pPr marL="0" indent="0" algn="ctr">
+              <a:buNone/>
+            </a:pPr>
+            <a:r>
+              <a:rPr lang="en-US" sz="3600" b="1" dirty="0"/>
+              <a:t>Va </a:t>
+            </a:r>
+            <a:r>
+              <a:rPr lang="en-US" sz="3600" b="1" dirty="0" err="1"/>
+              <a:t>multumim</a:t>
+            </a:r>
+            <a:r>
+              <a:rPr lang="en-US" sz="3600" b="1" dirty="0"/>
+              <a:t>!</a:t>
+            </a:r>
+          </a:p>
+        </p:txBody>
+      </p:sp>
+    </p:spTree>
+    <p:extLst>
+      <p:ext uri="{BB962C8B-B14F-4D97-AF65-F5344CB8AC3E}">
+        <p14:creationId xmlns:p14="http://schemas.microsoft.com/office/powerpoint/2010/main" val="2315736168"/>
+      </p:ext>
+    </p:extLst>
+  </p:cSld>
+  <p:clrMapOvr>
+    <a:masterClrMapping/>
+  </p:clrMapOvr>
+  <mc:AlternateContent xmlns:mc="http://schemas.openxmlformats.org/markup-compatibility/2006">
+    <mc:Choice xmlns:p14="http://schemas.microsoft.com/office/powerpoint/2010/main" Requires="p14">
+      <p:transition spd="med" p14:dur="700">
+        <p:fade/>
+      </p:transition>
+    </mc:Choice>
+    <mc:Fallback>
+      <p:transition spd="med">
+        <p:fade/>
+      </p:transition>
+    </mc:Fallback>
+  </mc:AlternateContent>
+  <p:timing>
+    <p:tnLst>
+      <p:par>
+        <p:cTn id="1" dur="indefinite" restart="never" nodeType="tmRoot">
+          <p:childTnLst>
+            <p:seq concurrent="1" nextAc="seek">
+              <p:cTn id="2" dur="indefinite" nodeType="mainSeq">
+                <p:childTnLst>
                   <p:par>
-                    <p:cTn id="43" fill="hold">
+                    <p:cTn id="3" fill="hold">
                       <p:stCondLst>
                         <p:cond delay="indefinite"/>
                       </p:stCondLst>
                       <p:childTnLst>
                         <p:par>
-                          <p:cTn id="44" fill="hold">
+                          <p:cTn id="4" fill="hold">
                             <p:stCondLst>
                               <p:cond delay="0"/>
                             </p:stCondLst>
                             <p:childTnLst>
                               <p:par>
-                                <p:cTn id="45" presetID="10" presetClass="entr" presetSubtype="0" fill="hold" grpId="0" nodeType="clickEffect">
+                                <p:cTn id="5" presetID="1" presetClass="entr" presetSubtype="0" fill="hold" grpId="0" nodeType="clickEffect">
                                   <p:stCondLst>
                                     <p:cond delay="0"/>
                                   </p:stCondLst>
                                   <p:childTnLst>
                                     <p:set>
                                       <p:cBhvr>
-                                        <p:cTn id="46" dur="1" fill="hold">
+                                        <p:cTn id="6" dur="1" fill="hold">
                                           <p:stCondLst>
                                             <p:cond delay="0"/>
                                           </p:stCondLst>
@@ -9892,7 +11445,7 @@
                                         <p:tgtEl>
                                           <p:spTgt spid="3">
                                             <p:txEl>
-                                              <p:pRg st="10" end="10"/>
+                                              <p:pRg st="1" end="1"/>
                                             </p:txEl>
                                           </p:spTgt>
                                         </p:tgtEl>
@@ -9904,18 +11457,6 @@
                                         <p:strVal val="visible"/>
                                       </p:to>
                                     </p:set>
-                                    <p:animEffect transition="in" filter="fade">
-                                      <p:cBhvr>
-                                        <p:cTn id="47" dur="500"/>
-                                        <p:tgtEl>
-                                          <p:spTgt spid="3">
-                                            <p:txEl>
-                                              <p:pRg st="10" end="10"/>
-                                            </p:txEl>
-                                          </p:spTgt>
-                                        </p:tgtEl>
-                                      </p:cBhvr>
-                                    </p:animEffect>
                                   </p:childTnLst>
                                 </p:cTn>
                               </p:par>
